--- a/document/Improvement IT - Dasep Depiyawan (BIT).pptx
+++ b/document/Improvement IT - Dasep Depiyawan (BIT).pptx
@@ -6,7 +6,7 @@
     <p:sldMasterId id="2147483664" r:id="rId2"/>
   </p:sldMasterIdLst>
   <p:notesMasterIdLst>
-    <p:notesMasterId r:id="rId12"/>
+    <p:notesMasterId r:id="rId13"/>
   </p:notesMasterIdLst>
   <p:sldIdLst>
     <p:sldId id="270" r:id="rId3"/>
@@ -14,15 +14,16 @@
     <p:sldId id="271" r:id="rId5"/>
     <p:sldId id="272" r:id="rId6"/>
     <p:sldId id="295" r:id="rId7"/>
-    <p:sldId id="296" r:id="rId8"/>
-    <p:sldId id="297" r:id="rId9"/>
-    <p:sldId id="294" r:id="rId10"/>
-    <p:sldId id="293" r:id="rId11"/>
+    <p:sldId id="297" r:id="rId8"/>
+    <p:sldId id="294" r:id="rId9"/>
+    <p:sldId id="293" r:id="rId10"/>
+    <p:sldId id="296" r:id="rId11"/>
+    <p:sldId id="298" r:id="rId12"/>
   </p:sldIdLst>
   <p:sldSz cx="12192000" cy="6858000"/>
   <p:notesSz cx="6858000" cy="9144000"/>
   <p:custDataLst>
-    <p:tags r:id="rId13"/>
+    <p:tags r:id="rId14"/>
   </p:custDataLst>
   <p:defaultTextStyle>
     <a:defPPr>
@@ -212,7 +213,7 @@
           <a:p>
             <a:fld id="{66DFEFC9-81B5-4E11-90FD-51680A8F2B06}" type="datetimeFigureOut">
               <a:rPr lang="en-US" smtClean="0"/>
-              <a:t>9/5/2024</a:t>
+              <a:t>9/10/2024</a:t>
             </a:fld>
             <a:endParaRPr lang="en-US"/>
           </a:p>
@@ -876,7 +877,7 @@
                 <a:tabLst/>
                 <a:defRPr/>
               </a:pPr>
-              <a:t>9/5/2024</a:t>
+              <a:t>9/10/2024</a:t>
             </a:fld>
             <a:endParaRPr kumimoji="0" lang="en-US" sz="1200" b="0" i="0" u="none" strike="noStrike" kern="1200" cap="none" spc="0" normalizeH="0" baseline="0" noProof="0">
               <a:ln>
@@ -1204,7 +1205,7 @@
                 <a:tabLst/>
                 <a:defRPr/>
               </a:pPr>
-              <a:t>9/5/2024</a:t>
+              <a:t>9/10/2024</a:t>
             </a:fld>
             <a:endParaRPr kumimoji="0" lang="en-US" sz="1200" b="0" i="0" u="none" strike="noStrike" kern="1200" cap="none" spc="0" normalizeH="0" baseline="0" noProof="0">
               <a:ln>
@@ -1542,7 +1543,7 @@
                 <a:tabLst/>
                 <a:defRPr/>
               </a:pPr>
-              <a:t>9/5/2024</a:t>
+              <a:t>9/10/2024</a:t>
             </a:fld>
             <a:endParaRPr kumimoji="0" lang="en-US" sz="1200" b="0" i="0" u="none" strike="noStrike" kern="1200" cap="none" spc="0" normalizeH="0" baseline="0" noProof="0">
               <a:ln>
@@ -2127,7 +2128,7 @@
                 <a:tabLst/>
                 <a:defRPr/>
               </a:pPr>
-              <a:t>9/5/2024</a:t>
+              <a:t>9/10/2024</a:t>
             </a:fld>
             <a:endParaRPr kumimoji="0" lang="en-US" sz="1200" b="0" i="0" u="none" strike="noStrike" kern="1200" cap="none" spc="0" normalizeH="0" baseline="0" noProof="0">
               <a:ln>
@@ -2532,7 +2533,7 @@
                 <a:tabLst/>
                 <a:defRPr/>
               </a:pPr>
-              <a:t>9/5/2024</a:t>
+              <a:t>9/10/2024</a:t>
             </a:fld>
             <a:endParaRPr kumimoji="0" lang="en-US" sz="1200" b="0" i="0" u="none" strike="noStrike" kern="1200" cap="none" spc="0" normalizeH="0" baseline="0" noProof="0">
               <a:ln>
@@ -2921,7 +2922,7 @@
                 <a:tabLst/>
                 <a:defRPr/>
               </a:pPr>
-              <a:t>9/5/2024</a:t>
+              <a:t>9/10/2024</a:t>
             </a:fld>
             <a:endParaRPr kumimoji="0" lang="en-US" sz="1200" b="0" i="0" u="none" strike="noStrike" kern="1200" cap="none" spc="0" normalizeH="0" baseline="0" noProof="0">
               <a:ln>
@@ -3445,7 +3446,7 @@
                 <a:tabLst/>
                 <a:defRPr/>
               </a:pPr>
-              <a:t>9/5/2024</a:t>
+              <a:t>9/10/2024</a:t>
             </a:fld>
             <a:endParaRPr kumimoji="0" lang="en-US" sz="1200" b="0" i="0" u="none" strike="noStrike" kern="1200" cap="none" spc="0" normalizeH="0" baseline="0" noProof="0">
               <a:ln>
@@ -3722,7 +3723,7 @@
                 <a:tabLst/>
                 <a:defRPr/>
               </a:pPr>
-              <a:t>9/5/2024</a:t>
+              <a:t>9/10/2024</a:t>
             </a:fld>
             <a:endParaRPr kumimoji="0" lang="en-US" sz="1200" b="0" i="0" u="none" strike="noStrike" kern="1200" cap="none" spc="0" normalizeH="0" baseline="0" noProof="0">
               <a:ln>
@@ -3977,7 +3978,7 @@
                 <a:tabLst/>
                 <a:defRPr/>
               </a:pPr>
-              <a:t>9/5/2024</a:t>
+              <a:t>9/10/2024</a:t>
             </a:fld>
             <a:endParaRPr kumimoji="0" lang="en-US" sz="1200" b="0" i="0" u="none" strike="noStrike" kern="1200" cap="none" spc="0" normalizeH="0" baseline="0" noProof="0">
               <a:ln>
@@ -4412,7 +4413,7 @@
                 <a:tabLst/>
                 <a:defRPr/>
               </a:pPr>
-              <a:t>9/5/2024</a:t>
+              <a:t>9/10/2024</a:t>
             </a:fld>
             <a:endParaRPr kumimoji="0" lang="en-US" sz="1200" b="0" i="0" u="none" strike="noStrike" kern="1200" cap="none" spc="0" normalizeH="0" baseline="0" noProof="0">
               <a:ln>
@@ -4824,7 +4825,7 @@
                 <a:tabLst/>
                 <a:defRPr/>
               </a:pPr>
-              <a:t>9/5/2024</a:t>
+              <a:t>9/10/2024</a:t>
             </a:fld>
             <a:endParaRPr kumimoji="0" lang="en-US" sz="1200" b="0" i="0" u="none" strike="noStrike" kern="1200" cap="none" spc="0" normalizeH="0" baseline="0" noProof="0">
               <a:ln>
@@ -5195,7 +5196,7 @@
                 <a:tabLst/>
                 <a:defRPr/>
               </a:pPr>
-              <a:t>9/5/2024</a:t>
+              <a:t>9/10/2024</a:t>
             </a:fld>
             <a:endParaRPr kumimoji="0" lang="en-US" sz="1200" b="0" i="0" u="none" strike="noStrike" kern="1200" cap="none" spc="0" normalizeH="0" baseline="0" noProof="0">
               <a:ln>
@@ -6828,6 +6829,1737 @@
       <p:bldP spid="22" grpId="0"/>
     </p:bldLst>
   </p:timing>
+</p:sld>
+</file>
+
+<file path=ppt/slides/slide10.xml><?xml version="1.0" encoding="utf-8"?>
+<p:sld xmlns:a="http://schemas.openxmlformats.org/drawingml/2006/main" xmlns:r="http://schemas.openxmlformats.org/officeDocument/2006/relationships" xmlns:p="http://schemas.openxmlformats.org/presentationml/2006/main">
+  <p:cSld>
+    <p:spTree>
+      <p:nvGrpSpPr>
+        <p:cNvPr id="1" name=""/>
+        <p:cNvGrpSpPr/>
+        <p:nvPr/>
+      </p:nvGrpSpPr>
+      <p:grpSpPr>
+        <a:xfrm>
+          <a:off x="0" y="0"/>
+          <a:ext cx="0" cy="0"/>
+          <a:chOff x="0" y="0"/>
+          <a:chExt cx="0" cy="0"/>
+        </a:xfrm>
+      </p:grpSpPr>
+      <p:sp>
+        <p:nvSpPr>
+          <p:cNvPr id="28" name="Rectangle: Diagonal Corners Snipped 27">
+            <a:extLst>
+              <a:ext uri="{FF2B5EF4-FFF2-40B4-BE49-F238E27FC236}">
+                <a16:creationId xmlns:a16="http://schemas.microsoft.com/office/drawing/2014/main" id="{34A05157-338E-5118-1FBE-FDBD140C3E47}"/>
+              </a:ext>
+            </a:extLst>
+          </p:cNvPr>
+          <p:cNvSpPr/>
+          <p:nvPr/>
+        </p:nvSpPr>
+        <p:spPr>
+          <a:xfrm>
+            <a:off x="2708694" y="4345973"/>
+            <a:ext cx="7065034" cy="1256263"/>
+          </a:xfrm>
+          <a:prstGeom prst="snip2DiagRect">
+            <a:avLst/>
+          </a:prstGeom>
+          <a:ln>
+            <a:noFill/>
+          </a:ln>
+        </p:spPr>
+        <p:style>
+          <a:lnRef idx="2">
+            <a:schemeClr val="accent1">
+              <a:shade val="15000"/>
+            </a:schemeClr>
+          </a:lnRef>
+          <a:fillRef idx="1">
+            <a:schemeClr val="accent1"/>
+          </a:fillRef>
+          <a:effectRef idx="0">
+            <a:schemeClr val="accent1"/>
+          </a:effectRef>
+          <a:fontRef idx="minor">
+            <a:schemeClr val="lt1"/>
+          </a:fontRef>
+        </p:style>
+        <p:txBody>
+          <a:bodyPr rtlCol="0" anchor="ctr"/>
+          <a:lstStyle/>
+          <a:p>
+            <a:pPr algn="ctr"/>
+            <a:endParaRPr lang="en-US"/>
+          </a:p>
+        </p:txBody>
+      </p:sp>
+      <p:sp>
+        <p:nvSpPr>
+          <p:cNvPr id="27" name="Rectangle: Diagonal Corners Snipped 26">
+            <a:extLst>
+              <a:ext uri="{FF2B5EF4-FFF2-40B4-BE49-F238E27FC236}">
+                <a16:creationId xmlns:a16="http://schemas.microsoft.com/office/drawing/2014/main" id="{9AFA3362-0E69-16E9-9E9B-D071B431D974}"/>
+              </a:ext>
+            </a:extLst>
+          </p:cNvPr>
+          <p:cNvSpPr/>
+          <p:nvPr/>
+        </p:nvSpPr>
+        <p:spPr>
+          <a:xfrm>
+            <a:off x="3579962" y="2828657"/>
+            <a:ext cx="7065034" cy="1256263"/>
+          </a:xfrm>
+          <a:prstGeom prst="snip2DiagRect">
+            <a:avLst/>
+          </a:prstGeom>
+          <a:ln>
+            <a:noFill/>
+          </a:ln>
+        </p:spPr>
+        <p:style>
+          <a:lnRef idx="2">
+            <a:schemeClr val="accent1">
+              <a:shade val="15000"/>
+            </a:schemeClr>
+          </a:lnRef>
+          <a:fillRef idx="1">
+            <a:schemeClr val="accent1"/>
+          </a:fillRef>
+          <a:effectRef idx="0">
+            <a:schemeClr val="accent1"/>
+          </a:effectRef>
+          <a:fontRef idx="minor">
+            <a:schemeClr val="lt1"/>
+          </a:fontRef>
+        </p:style>
+        <p:txBody>
+          <a:bodyPr rtlCol="0" anchor="ctr"/>
+          <a:lstStyle/>
+          <a:p>
+            <a:pPr algn="ctr"/>
+            <a:endParaRPr lang="en-US"/>
+          </a:p>
+        </p:txBody>
+      </p:sp>
+      <p:sp>
+        <p:nvSpPr>
+          <p:cNvPr id="26" name="Rectangle: Diagonal Corners Snipped 25">
+            <a:extLst>
+              <a:ext uri="{FF2B5EF4-FFF2-40B4-BE49-F238E27FC236}">
+                <a16:creationId xmlns:a16="http://schemas.microsoft.com/office/drawing/2014/main" id="{9C19D280-9AE8-692C-B38A-4AC23D038FDC}"/>
+              </a:ext>
+            </a:extLst>
+          </p:cNvPr>
+          <p:cNvSpPr/>
+          <p:nvPr/>
+        </p:nvSpPr>
+        <p:spPr>
+          <a:xfrm>
+            <a:off x="2708694" y="1373683"/>
+            <a:ext cx="7065034" cy="1256263"/>
+          </a:xfrm>
+          <a:prstGeom prst="snip2DiagRect">
+            <a:avLst/>
+          </a:prstGeom>
+          <a:ln>
+            <a:noFill/>
+          </a:ln>
+        </p:spPr>
+        <p:style>
+          <a:lnRef idx="2">
+            <a:schemeClr val="accent1">
+              <a:shade val="15000"/>
+            </a:schemeClr>
+          </a:lnRef>
+          <a:fillRef idx="1">
+            <a:schemeClr val="accent1"/>
+          </a:fillRef>
+          <a:effectRef idx="0">
+            <a:schemeClr val="accent1"/>
+          </a:effectRef>
+          <a:fontRef idx="minor">
+            <a:schemeClr val="lt1"/>
+          </a:fontRef>
+        </p:style>
+        <p:txBody>
+          <a:bodyPr rtlCol="0" anchor="ctr"/>
+          <a:lstStyle/>
+          <a:p>
+            <a:pPr algn="ctr"/>
+            <a:endParaRPr lang="en-US"/>
+          </a:p>
+        </p:txBody>
+      </p:sp>
+      <p:pic>
+        <p:nvPicPr>
+          <p:cNvPr id="2" name="Picture 1"/>
+          <p:cNvPicPr>
+            <a:picLocks noChangeAspect="1"/>
+          </p:cNvPicPr>
+          <p:nvPr/>
+        </p:nvPicPr>
+        <p:blipFill>
+          <a:blip r:embed="rId2">
+            <a:clrChange>
+              <a:clrFrom>
+                <a:srgbClr val="FFFFFF"/>
+              </a:clrFrom>
+              <a:clrTo>
+                <a:srgbClr val="FFFFFF">
+                  <a:alpha val="0"/>
+                </a:srgbClr>
+              </a:clrTo>
+            </a:clrChange>
+          </a:blip>
+          <a:stretch>
+            <a:fillRect/>
+          </a:stretch>
+        </p:blipFill>
+        <p:spPr>
+          <a:xfrm>
+            <a:off x="308" y="6202392"/>
+            <a:ext cx="12167973" cy="634841"/>
+          </a:xfrm>
+          <a:prstGeom prst="rect">
+            <a:avLst/>
+          </a:prstGeom>
+        </p:spPr>
+      </p:pic>
+      <p:pic>
+        <p:nvPicPr>
+          <p:cNvPr id="5" name="Picture 4"/>
+          <p:cNvPicPr>
+            <a:picLocks noChangeAspect="1"/>
+          </p:cNvPicPr>
+          <p:nvPr/>
+        </p:nvPicPr>
+        <p:blipFill rotWithShape="1">
+          <a:blip r:embed="rId3" cstate="hqprint">
+            <a:clrChange>
+              <a:clrFrom>
+                <a:srgbClr val="FFFFFF"/>
+              </a:clrFrom>
+              <a:clrTo>
+                <a:srgbClr val="FFFFFF">
+                  <a:alpha val="0"/>
+                </a:srgbClr>
+              </a:clrTo>
+            </a:clrChange>
+            <a:extLst>
+              <a:ext uri="{28A0092B-C50C-407E-A947-70E740481C1C}">
+                <a14:useLocalDpi xmlns:a14="http://schemas.microsoft.com/office/drawing/2010/main" val="0"/>
+              </a:ext>
+            </a:extLst>
+          </a:blip>
+          <a:srcRect t="27390" b="26519"/>
+          <a:stretch/>
+        </p:blipFill>
+        <p:spPr>
+          <a:xfrm>
+            <a:off x="11028514" y="-13391"/>
+            <a:ext cx="1287237" cy="593303"/>
+          </a:xfrm>
+          <a:prstGeom prst="rect">
+            <a:avLst/>
+          </a:prstGeom>
+        </p:spPr>
+      </p:pic>
+      <p:grpSp>
+        <p:nvGrpSpPr>
+          <p:cNvPr id="25" name="Group 24">
+            <a:extLst>
+              <a:ext uri="{FF2B5EF4-FFF2-40B4-BE49-F238E27FC236}">
+                <a16:creationId xmlns:a16="http://schemas.microsoft.com/office/drawing/2014/main" id="{15D03AB1-4CC7-0344-8DE9-61A40182547F}"/>
+              </a:ext>
+            </a:extLst>
+          </p:cNvPr>
+          <p:cNvGrpSpPr/>
+          <p:nvPr/>
+        </p:nvGrpSpPr>
+        <p:grpSpPr>
+          <a:xfrm>
+            <a:off x="0" y="2574"/>
+            <a:ext cx="12176567" cy="842010"/>
+            <a:chOff x="0" y="2574"/>
+            <a:chExt cx="12176567" cy="842010"/>
+          </a:xfrm>
+        </p:grpSpPr>
+        <p:grpSp>
+          <p:nvGrpSpPr>
+            <p:cNvPr id="4" name="Group 3"/>
+            <p:cNvGrpSpPr/>
+            <p:nvPr/>
+          </p:nvGrpSpPr>
+          <p:grpSpPr>
+            <a:xfrm>
+              <a:off x="17909" y="26054"/>
+              <a:ext cx="12132779" cy="802565"/>
+              <a:chOff x="62590" y="-17638"/>
+              <a:chExt cx="18214879" cy="1605315"/>
+            </a:xfrm>
+          </p:grpSpPr>
+          <p:sp>
+            <p:nvSpPr>
+              <p:cNvPr id="6" name="矩形 1"/>
+              <p:cNvSpPr/>
+              <p:nvPr/>
+            </p:nvSpPr>
+            <p:spPr>
+              <a:xfrm>
+                <a:off x="2489128" y="380822"/>
+                <a:ext cx="15788341" cy="518534"/>
+              </a:xfrm>
+              <a:prstGeom prst="rect">
+                <a:avLst/>
+              </a:prstGeom>
+              <a:gradFill flip="none" rotWithShape="1">
+                <a:gsLst>
+                  <a:gs pos="0">
+                    <a:srgbClr val="E53B51">
+                      <a:tint val="66000"/>
+                      <a:satMod val="160000"/>
+                    </a:srgbClr>
+                  </a:gs>
+                  <a:gs pos="50000">
+                    <a:srgbClr val="E53B51">
+                      <a:tint val="44500"/>
+                      <a:satMod val="160000"/>
+                    </a:srgbClr>
+                  </a:gs>
+                  <a:gs pos="100000">
+                    <a:schemeClr val="bg1"/>
+                  </a:gs>
+                </a:gsLst>
+                <a:lin ang="0" scaled="1"/>
+                <a:tileRect/>
+              </a:gradFill>
+              <a:ln>
+                <a:noFill/>
+              </a:ln>
+            </p:spPr>
+            <p:style>
+              <a:lnRef idx="2">
+                <a:schemeClr val="accent1">
+                  <a:shade val="50000"/>
+                </a:schemeClr>
+              </a:lnRef>
+              <a:fillRef idx="1">
+                <a:schemeClr val="accent1"/>
+              </a:fillRef>
+              <a:effectRef idx="0">
+                <a:schemeClr val="accent1"/>
+              </a:effectRef>
+              <a:fontRef idx="minor">
+                <a:schemeClr val="lt1"/>
+              </a:fontRef>
+            </p:style>
+            <p:txBody>
+              <a:bodyPr lIns="45711" tIns="22856" rIns="45711" bIns="22856" rtlCol="0" anchor="ctr"/>
+              <a:lstStyle/>
+              <a:p>
+                <a:pPr marL="0" marR="0" lvl="0" indent="0" algn="l" defTabSz="914400" rtl="0" eaLnBrk="1" fontAlgn="auto" latinLnBrk="0" hangingPunct="1">
+                  <a:lnSpc>
+                    <a:spcPct val="100000"/>
+                  </a:lnSpc>
+                  <a:spcBef>
+                    <a:spcPts val="0"/>
+                  </a:spcBef>
+                  <a:spcAft>
+                    <a:spcPts val="0"/>
+                  </a:spcAft>
+                  <a:buClrTx/>
+                  <a:buSzTx/>
+                  <a:buFontTx/>
+                  <a:buNone/>
+                  <a:tabLst/>
+                  <a:defRPr/>
+                </a:pPr>
+                <a:endParaRPr kumimoji="0" lang="zh-CN" altLang="en-US" sz="550" b="1" i="0" u="none" strike="noStrike" kern="1200" cap="none" spc="0" normalizeH="0" baseline="0" noProof="0" dirty="0">
+                  <a:ln>
+                    <a:noFill/>
+                  </a:ln>
+                  <a:solidFill>
+                    <a:prstClr val="white"/>
+                  </a:solidFill>
+                  <a:effectLst/>
+                  <a:uLnTx/>
+                  <a:uFillTx/>
+                  <a:latin typeface="Calibri" panose="020F0502020204030204"/>
+                  <a:cs typeface="+mn-cs"/>
+                </a:endParaRPr>
+              </a:p>
+            </p:txBody>
+          </p:sp>
+          <p:sp>
+            <p:nvSpPr>
+              <p:cNvPr id="7" name="矩形 1"/>
+              <p:cNvSpPr/>
+              <p:nvPr/>
+            </p:nvSpPr>
+            <p:spPr>
+              <a:xfrm>
+                <a:off x="194714" y="274466"/>
+                <a:ext cx="6183250" cy="727500"/>
+              </a:xfrm>
+              <a:prstGeom prst="rect">
+                <a:avLst/>
+              </a:prstGeom>
+              <a:solidFill>
+                <a:srgbClr val="E53B51"/>
+              </a:solidFill>
+              <a:ln>
+                <a:noFill/>
+              </a:ln>
+            </p:spPr>
+            <p:style>
+              <a:lnRef idx="2">
+                <a:schemeClr val="accent1">
+                  <a:shade val="50000"/>
+                </a:schemeClr>
+              </a:lnRef>
+              <a:fillRef idx="1">
+                <a:schemeClr val="accent1"/>
+              </a:fillRef>
+              <a:effectRef idx="0">
+                <a:schemeClr val="accent1"/>
+              </a:effectRef>
+              <a:fontRef idx="minor">
+                <a:schemeClr val="lt1"/>
+              </a:fontRef>
+            </p:style>
+            <p:txBody>
+              <a:bodyPr lIns="45711" tIns="22856" rIns="45711" bIns="22856" rtlCol="0" anchor="ctr"/>
+              <a:lstStyle/>
+              <a:p>
+                <a:pPr marL="0" marR="0" lvl="0" indent="0" algn="l" defTabSz="914400" rtl="0" eaLnBrk="1" fontAlgn="auto" latinLnBrk="0" hangingPunct="1">
+                  <a:lnSpc>
+                    <a:spcPct val="100000"/>
+                  </a:lnSpc>
+                  <a:spcBef>
+                    <a:spcPts val="0"/>
+                  </a:spcBef>
+                  <a:spcAft>
+                    <a:spcPts val="0"/>
+                  </a:spcAft>
+                  <a:buClrTx/>
+                  <a:buSzTx/>
+                  <a:buFontTx/>
+                  <a:buNone/>
+                  <a:tabLst/>
+                  <a:defRPr/>
+                </a:pPr>
+                <a:endParaRPr kumimoji="0" lang="zh-CN" altLang="en-US" sz="550" b="1" i="0" u="none" strike="noStrike" kern="1200" cap="none" spc="0" normalizeH="0" baseline="0" noProof="0" dirty="0">
+                  <a:ln>
+                    <a:noFill/>
+                  </a:ln>
+                  <a:solidFill>
+                    <a:prstClr val="white"/>
+                  </a:solidFill>
+                  <a:effectLst/>
+                  <a:uLnTx/>
+                  <a:uFillTx/>
+                  <a:latin typeface="Calibri" panose="020F0502020204030204"/>
+                  <a:cs typeface="+mn-cs"/>
+                </a:endParaRPr>
+              </a:p>
+            </p:txBody>
+          </p:sp>
+          <p:pic>
+            <p:nvPicPr>
+              <p:cNvPr id="9" name="Picture 8"/>
+              <p:cNvPicPr>
+                <a:picLocks noChangeAspect="1"/>
+              </p:cNvPicPr>
+              <p:nvPr/>
+            </p:nvPicPr>
+            <p:blipFill>
+              <a:blip r:embed="rId4" r:link="rId5" cstate="print">
+                <a:extLst>
+                  <a:ext uri="{28A0092B-C50C-407E-A947-70E740481C1C}">
+                    <a14:useLocalDpi xmlns:a14="http://schemas.microsoft.com/office/drawing/2010/main" val="0"/>
+                  </a:ext>
+                </a:extLst>
+              </a:blip>
+              <a:stretch>
+                <a:fillRect/>
+              </a:stretch>
+            </p:blipFill>
+            <p:spPr>
+              <a:xfrm>
+                <a:off x="62590" y="-17638"/>
+                <a:ext cx="1198054" cy="1605315"/>
+              </a:xfrm>
+              <a:prstGeom prst="rect">
+                <a:avLst/>
+              </a:prstGeom>
+            </p:spPr>
+          </p:pic>
+        </p:grpSp>
+        <p:sp>
+          <p:nvSpPr>
+            <p:cNvPr id="10" name="Rectangle 9">
+              <a:extLst>
+                <a:ext uri="{FF2B5EF4-FFF2-40B4-BE49-F238E27FC236}">
+                  <a16:creationId xmlns:a16="http://schemas.microsoft.com/office/drawing/2014/main" id="{7300FC05-35DD-E4B4-8C62-BB9D9A191B9A}"/>
+                </a:ext>
+              </a:extLst>
+            </p:cNvPr>
+            <p:cNvSpPr/>
+            <p:nvPr/>
+          </p:nvSpPr>
+          <p:spPr>
+            <a:xfrm>
+              <a:off x="805469" y="179428"/>
+              <a:ext cx="3419054" cy="363708"/>
+            </a:xfrm>
+            <a:prstGeom prst="rect">
+              <a:avLst/>
+            </a:prstGeom>
+            <a:noFill/>
+            <a:ln>
+              <a:noFill/>
+            </a:ln>
+          </p:spPr>
+          <p:style>
+            <a:lnRef idx="2">
+              <a:schemeClr val="accent1">
+                <a:shade val="15000"/>
+              </a:schemeClr>
+            </a:lnRef>
+            <a:fillRef idx="1">
+              <a:schemeClr val="accent1"/>
+            </a:fillRef>
+            <a:effectRef idx="0">
+              <a:schemeClr val="accent1"/>
+            </a:effectRef>
+            <a:fontRef idx="minor">
+              <a:schemeClr val="lt1"/>
+            </a:fontRef>
+          </p:style>
+          <p:txBody>
+            <a:bodyPr rtlCol="0" anchor="ctr"/>
+            <a:lstStyle/>
+            <a:p>
+              <a:pPr algn="ctr"/>
+              <a:endParaRPr lang="en-US"/>
+            </a:p>
+          </p:txBody>
+        </p:sp>
+        <p:sp>
+          <p:nvSpPr>
+            <p:cNvPr id="16" name="Rectangle 15">
+              <a:extLst>
+                <a:ext uri="{FF2B5EF4-FFF2-40B4-BE49-F238E27FC236}">
+                  <a16:creationId xmlns:a16="http://schemas.microsoft.com/office/drawing/2014/main" id="{30A295C0-3BA1-D408-5358-8E0DFA83A3B0}"/>
+                </a:ext>
+              </a:extLst>
+            </p:cNvPr>
+            <p:cNvSpPr/>
+            <p:nvPr/>
+          </p:nvSpPr>
+          <p:spPr>
+            <a:xfrm>
+              <a:off x="0" y="2574"/>
+              <a:ext cx="815919" cy="842010"/>
+            </a:xfrm>
+            <a:prstGeom prst="rect">
+              <a:avLst/>
+            </a:prstGeom>
+            <a:solidFill>
+              <a:schemeClr val="bg1"/>
+            </a:solidFill>
+            <a:ln>
+              <a:noFill/>
+            </a:ln>
+          </p:spPr>
+          <p:style>
+            <a:lnRef idx="2">
+              <a:schemeClr val="accent1">
+                <a:shade val="15000"/>
+              </a:schemeClr>
+            </a:lnRef>
+            <a:fillRef idx="1">
+              <a:schemeClr val="accent1"/>
+            </a:fillRef>
+            <a:effectRef idx="0">
+              <a:schemeClr val="accent1"/>
+            </a:effectRef>
+            <a:fontRef idx="minor">
+              <a:schemeClr val="lt1"/>
+            </a:fontRef>
+          </p:style>
+          <p:txBody>
+            <a:bodyPr rtlCol="0" anchor="ctr"/>
+            <a:lstStyle/>
+            <a:p>
+              <a:pPr algn="ctr"/>
+              <a:endParaRPr lang="en-US"/>
+            </a:p>
+          </p:txBody>
+        </p:sp>
+        <p:pic>
+          <p:nvPicPr>
+            <p:cNvPr id="13" name="Picture 12">
+              <a:extLst>
+                <a:ext uri="{FF2B5EF4-FFF2-40B4-BE49-F238E27FC236}">
+                  <a16:creationId xmlns:a16="http://schemas.microsoft.com/office/drawing/2014/main" id="{80D2705A-917F-E67E-7AF5-CF5B0A284FD0}"/>
+                </a:ext>
+              </a:extLst>
+            </p:cNvPr>
+            <p:cNvPicPr>
+              <a:picLocks noChangeAspect="1"/>
+            </p:cNvPicPr>
+            <p:nvPr/>
+          </p:nvPicPr>
+          <p:blipFill>
+            <a:blip r:embed="rId6"/>
+            <a:stretch>
+              <a:fillRect/>
+            </a:stretch>
+          </p:blipFill>
+          <p:spPr>
+            <a:xfrm>
+              <a:off x="0" y="5422"/>
+              <a:ext cx="1952825" cy="704792"/>
+            </a:xfrm>
+            <a:prstGeom prst="rect">
+              <a:avLst/>
+            </a:prstGeom>
+          </p:spPr>
+        </p:pic>
+        <p:sp>
+          <p:nvSpPr>
+            <p:cNvPr id="18" name="Rectangle 17">
+              <a:extLst>
+                <a:ext uri="{FF2B5EF4-FFF2-40B4-BE49-F238E27FC236}">
+                  <a16:creationId xmlns:a16="http://schemas.microsoft.com/office/drawing/2014/main" id="{2F048E21-FBBC-2A19-2A0C-5A9F8D72A823}"/>
+                </a:ext>
+              </a:extLst>
+            </p:cNvPr>
+            <p:cNvSpPr/>
+            <p:nvPr/>
+          </p:nvSpPr>
+          <p:spPr>
+            <a:xfrm>
+              <a:off x="11102197" y="3861"/>
+              <a:ext cx="1074370" cy="809904"/>
+            </a:xfrm>
+            <a:prstGeom prst="rect">
+              <a:avLst/>
+            </a:prstGeom>
+            <a:solidFill>
+              <a:schemeClr val="bg1"/>
+            </a:solidFill>
+            <a:ln>
+              <a:noFill/>
+            </a:ln>
+          </p:spPr>
+          <p:style>
+            <a:lnRef idx="2">
+              <a:schemeClr val="accent1">
+                <a:shade val="15000"/>
+              </a:schemeClr>
+            </a:lnRef>
+            <a:fillRef idx="1">
+              <a:schemeClr val="accent1"/>
+            </a:fillRef>
+            <a:effectRef idx="0">
+              <a:schemeClr val="accent1"/>
+            </a:effectRef>
+            <a:fontRef idx="minor">
+              <a:schemeClr val="lt1"/>
+            </a:fontRef>
+          </p:style>
+          <p:txBody>
+            <a:bodyPr rtlCol="0" anchor="ctr"/>
+            <a:lstStyle/>
+            <a:p>
+              <a:pPr algn="ctr"/>
+              <a:endParaRPr lang="en-US"/>
+            </a:p>
+          </p:txBody>
+        </p:sp>
+        <p:sp>
+          <p:nvSpPr>
+            <p:cNvPr id="19" name="文本框 34">
+              <a:extLst>
+                <a:ext uri="{FF2B5EF4-FFF2-40B4-BE49-F238E27FC236}">
+                  <a16:creationId xmlns:a16="http://schemas.microsoft.com/office/drawing/2014/main" id="{A955F031-DB45-18E0-14C4-E46B88DA58DD}"/>
+                </a:ext>
+              </a:extLst>
+            </p:cNvPr>
+            <p:cNvSpPr txBox="1"/>
+            <p:nvPr/>
+          </p:nvSpPr>
+          <p:spPr>
+            <a:xfrm>
+              <a:off x="2085693" y="198440"/>
+              <a:ext cx="3799684" cy="261602"/>
+            </a:xfrm>
+            <a:prstGeom prst="rect">
+              <a:avLst/>
+            </a:prstGeom>
+            <a:noFill/>
+          </p:spPr>
+          <p:txBody>
+            <a:bodyPr wrap="square" lIns="45711" tIns="22856" rIns="45711" bIns="22856" rtlCol="0">
+              <a:spAutoFit/>
+            </a:bodyPr>
+            <a:lstStyle/>
+            <a:p>
+              <a:pPr>
+                <a:defRPr/>
+              </a:pPr>
+              <a:r>
+                <a:rPr lang="en-US" altLang="ko-KR" sz="1400" b="1" dirty="0">
+                  <a:solidFill>
+                    <a:schemeClr val="bg1"/>
+                  </a:solidFill>
+                </a:rPr>
+                <a:t>TUJUAN IMPROVEMENT</a:t>
+              </a:r>
+            </a:p>
+          </p:txBody>
+        </p:sp>
+      </p:grpSp>
+      <p:pic>
+        <p:nvPicPr>
+          <p:cNvPr id="15" name="Picture 14">
+            <a:extLst>
+              <a:ext uri="{FF2B5EF4-FFF2-40B4-BE49-F238E27FC236}">
+                <a16:creationId xmlns:a16="http://schemas.microsoft.com/office/drawing/2014/main" id="{D3EF27DB-BC91-D5EB-7065-61BD983E569D}"/>
+              </a:ext>
+            </a:extLst>
+          </p:cNvPr>
+          <p:cNvPicPr>
+            <a:picLocks noChangeAspect="1"/>
+          </p:cNvPicPr>
+          <p:nvPr/>
+        </p:nvPicPr>
+        <p:blipFill>
+          <a:blip r:embed="rId7">
+            <a:extLst>
+              <a:ext uri="{28A0092B-C50C-407E-A947-70E740481C1C}">
+                <a14:useLocalDpi xmlns:a14="http://schemas.microsoft.com/office/drawing/2010/main" val="0"/>
+              </a:ext>
+            </a:extLst>
+          </a:blip>
+          <a:stretch>
+            <a:fillRect/>
+          </a:stretch>
+        </p:blipFill>
+        <p:spPr>
+          <a:xfrm>
+            <a:off x="10168427" y="-56621"/>
+            <a:ext cx="2112820" cy="782526"/>
+          </a:xfrm>
+          <a:prstGeom prst="rect">
+            <a:avLst/>
+          </a:prstGeom>
+        </p:spPr>
+      </p:pic>
+      <p:sp>
+        <p:nvSpPr>
+          <p:cNvPr id="14" name="TextBox 13">
+            <a:extLst>
+              <a:ext uri="{FF2B5EF4-FFF2-40B4-BE49-F238E27FC236}">
+                <a16:creationId xmlns:a16="http://schemas.microsoft.com/office/drawing/2014/main" id="{5F6033FA-055C-AA11-D914-6E48E1047E10}"/>
+              </a:ext>
+            </a:extLst>
+          </p:cNvPr>
+          <p:cNvSpPr txBox="1"/>
+          <p:nvPr/>
+        </p:nvSpPr>
+        <p:spPr>
+          <a:xfrm>
+            <a:off x="3242321" y="1373683"/>
+            <a:ext cx="6159260" cy="1200329"/>
+          </a:xfrm>
+          <a:prstGeom prst="rect">
+            <a:avLst/>
+          </a:prstGeom>
+          <a:noFill/>
+        </p:spPr>
+        <p:txBody>
+          <a:bodyPr wrap="square">
+            <a:spAutoFit/>
+          </a:bodyPr>
+          <a:lstStyle/>
+          <a:p>
+            <a:r>
+              <a:rPr lang="en-US" b="1" dirty="0" err="1"/>
+              <a:t>Peningkatan</a:t>
+            </a:r>
+            <a:r>
+              <a:rPr lang="en-US" b="1" dirty="0"/>
+              <a:t> </a:t>
+            </a:r>
+            <a:r>
+              <a:rPr lang="en-US" b="1" dirty="0" err="1"/>
+              <a:t>Akurasi</a:t>
+            </a:r>
+            <a:r>
+              <a:rPr lang="en-US" b="1" dirty="0"/>
+              <a:t> dan </a:t>
+            </a:r>
+            <a:r>
+              <a:rPr lang="en-US" b="1" dirty="0" err="1"/>
+              <a:t>Efisiensi</a:t>
+            </a:r>
+            <a:r>
+              <a:rPr lang="en-US" b="1" dirty="0"/>
+              <a:t> Stok</a:t>
+            </a:r>
+            <a:r>
+              <a:rPr lang="en-US" dirty="0"/>
+              <a:t>: WMS </a:t>
+            </a:r>
+            <a:r>
+              <a:rPr lang="en-US" dirty="0" err="1"/>
+              <a:t>memungkinkan</a:t>
+            </a:r>
+            <a:r>
+              <a:rPr lang="en-US" dirty="0"/>
+              <a:t> </a:t>
+            </a:r>
+            <a:r>
+              <a:rPr lang="en-US" dirty="0" err="1"/>
+              <a:t>pelacakan</a:t>
+            </a:r>
+            <a:r>
+              <a:rPr lang="en-US" dirty="0"/>
+              <a:t> </a:t>
+            </a:r>
+            <a:r>
+              <a:rPr lang="en-US" dirty="0" err="1"/>
+              <a:t>inventaris</a:t>
+            </a:r>
+            <a:r>
+              <a:rPr lang="en-US" dirty="0"/>
+              <a:t> yang </a:t>
+            </a:r>
+            <a:r>
+              <a:rPr lang="en-US" dirty="0" err="1"/>
+              <a:t>lebih</a:t>
+            </a:r>
+            <a:r>
+              <a:rPr lang="en-US" dirty="0"/>
+              <a:t> </a:t>
+            </a:r>
+            <a:r>
+              <a:rPr lang="en-US" dirty="0" err="1"/>
+              <a:t>akurat</a:t>
+            </a:r>
+            <a:r>
+              <a:rPr lang="en-US" dirty="0"/>
+              <a:t>, </a:t>
+            </a:r>
+            <a:r>
+              <a:rPr lang="en-US" dirty="0" err="1"/>
+              <a:t>sehingga</a:t>
+            </a:r>
+            <a:r>
+              <a:rPr lang="en-US" dirty="0"/>
+              <a:t> </a:t>
+            </a:r>
+            <a:r>
+              <a:rPr lang="en-US" dirty="0" err="1"/>
+              <a:t>mengurangi</a:t>
+            </a:r>
+            <a:r>
+              <a:rPr lang="en-US" dirty="0"/>
+              <a:t> </a:t>
+            </a:r>
+            <a:r>
+              <a:rPr lang="en-US" dirty="0" err="1"/>
+              <a:t>kesalahan</a:t>
+            </a:r>
+            <a:r>
+              <a:rPr lang="en-US" dirty="0"/>
+              <a:t> manual </a:t>
+            </a:r>
+            <a:r>
+              <a:rPr lang="en-US" dirty="0" err="1"/>
+              <a:t>dalam</a:t>
+            </a:r>
+            <a:r>
+              <a:rPr lang="en-US" dirty="0"/>
+              <a:t> </a:t>
+            </a:r>
+            <a:r>
+              <a:rPr lang="en-US" dirty="0" err="1"/>
+              <a:t>pengelolaan</a:t>
+            </a:r>
+            <a:r>
+              <a:rPr lang="en-US" dirty="0"/>
+              <a:t> </a:t>
+            </a:r>
+            <a:r>
+              <a:rPr lang="en-US" dirty="0" err="1"/>
+              <a:t>stok</a:t>
+            </a:r>
+            <a:r>
+              <a:rPr lang="en-US" dirty="0"/>
+              <a:t>. </a:t>
+            </a:r>
+            <a:r>
+              <a:rPr lang="en-US" dirty="0" err="1"/>
+              <a:t>Ini</a:t>
+            </a:r>
+            <a:r>
+              <a:rPr lang="en-US" dirty="0"/>
+              <a:t> juga </a:t>
+            </a:r>
+            <a:r>
+              <a:rPr lang="en-US" dirty="0" err="1"/>
+              <a:t>mempermudah</a:t>
+            </a:r>
+            <a:r>
+              <a:rPr lang="en-US" dirty="0"/>
+              <a:t> proses </a:t>
+            </a:r>
+            <a:r>
+              <a:rPr lang="en-US" dirty="0" err="1"/>
+              <a:t>pengecekan</a:t>
+            </a:r>
+            <a:r>
+              <a:rPr lang="en-US" dirty="0"/>
+              <a:t> </a:t>
+            </a:r>
+            <a:r>
+              <a:rPr lang="en-US" dirty="0" err="1"/>
+              <a:t>stok</a:t>
+            </a:r>
+            <a:r>
+              <a:rPr lang="en-US" dirty="0"/>
+              <a:t> </a:t>
+            </a:r>
+            <a:r>
+              <a:rPr lang="en-US" dirty="0" err="1"/>
+              <a:t>secara</a:t>
+            </a:r>
+            <a:r>
+              <a:rPr lang="en-US" dirty="0"/>
+              <a:t> real-time.</a:t>
+            </a:r>
+          </a:p>
+        </p:txBody>
+      </p:sp>
+      <p:sp>
+        <p:nvSpPr>
+          <p:cNvPr id="20" name="TextBox 19">
+            <a:extLst>
+              <a:ext uri="{FF2B5EF4-FFF2-40B4-BE49-F238E27FC236}">
+                <a16:creationId xmlns:a16="http://schemas.microsoft.com/office/drawing/2014/main" id="{980BD433-7BE0-139A-B8E0-B54424215482}"/>
+              </a:ext>
+            </a:extLst>
+          </p:cNvPr>
+          <p:cNvSpPr txBox="1"/>
+          <p:nvPr/>
+        </p:nvSpPr>
+        <p:spPr>
+          <a:xfrm>
+            <a:off x="4485736" y="2907914"/>
+            <a:ext cx="6159260" cy="1200329"/>
+          </a:xfrm>
+          <a:prstGeom prst="rect">
+            <a:avLst/>
+          </a:prstGeom>
+          <a:noFill/>
+        </p:spPr>
+        <p:txBody>
+          <a:bodyPr wrap="square">
+            <a:spAutoFit/>
+          </a:bodyPr>
+          <a:lstStyle/>
+          <a:p>
+            <a:r>
+              <a:rPr lang="en-US" b="1" dirty="0" err="1"/>
+              <a:t>Pengambilan</a:t>
+            </a:r>
+            <a:r>
+              <a:rPr lang="en-US" b="1" dirty="0"/>
+              <a:t> Keputusan yang </a:t>
+            </a:r>
+            <a:r>
+              <a:rPr lang="en-US" b="1" dirty="0" err="1"/>
+              <a:t>Lebih</a:t>
+            </a:r>
+            <a:r>
+              <a:rPr lang="en-US" b="1" dirty="0"/>
+              <a:t> </a:t>
+            </a:r>
+            <a:r>
+              <a:rPr lang="en-US" b="1" dirty="0" err="1"/>
+              <a:t>Baik</a:t>
+            </a:r>
+            <a:r>
+              <a:rPr lang="en-US" dirty="0"/>
+              <a:t>: WMS </a:t>
+            </a:r>
+            <a:r>
+              <a:rPr lang="en-US" dirty="0" err="1"/>
+              <a:t>menyediakan</a:t>
+            </a:r>
+            <a:r>
+              <a:rPr lang="en-US" dirty="0"/>
+              <a:t> </a:t>
+            </a:r>
+            <a:r>
+              <a:rPr lang="en-US" dirty="0" err="1"/>
+              <a:t>laporan</a:t>
+            </a:r>
+            <a:r>
+              <a:rPr lang="en-US" dirty="0"/>
+              <a:t> dan </a:t>
+            </a:r>
+            <a:r>
+              <a:rPr lang="en-US" dirty="0" err="1"/>
+              <a:t>analitik</a:t>
+            </a:r>
+            <a:r>
+              <a:rPr lang="en-US" dirty="0"/>
+              <a:t> yang detail, </a:t>
+            </a:r>
+            <a:r>
+              <a:rPr lang="en-US" dirty="0" err="1"/>
+              <a:t>memungkinkan</a:t>
+            </a:r>
+            <a:r>
+              <a:rPr lang="en-US" dirty="0"/>
+              <a:t> </a:t>
+            </a:r>
+            <a:r>
+              <a:rPr lang="en-US" dirty="0" err="1"/>
+              <a:t>manajemen</a:t>
+            </a:r>
+            <a:r>
+              <a:rPr lang="en-US" dirty="0"/>
+              <a:t> </a:t>
+            </a:r>
+            <a:r>
+              <a:rPr lang="en-US" dirty="0" err="1"/>
+              <a:t>untuk</a:t>
+            </a:r>
+            <a:r>
+              <a:rPr lang="en-US" dirty="0"/>
+              <a:t> </a:t>
+            </a:r>
+            <a:r>
+              <a:rPr lang="en-US" dirty="0" err="1"/>
+              <a:t>membuat</a:t>
+            </a:r>
+            <a:r>
+              <a:rPr lang="en-US" dirty="0"/>
+              <a:t> </a:t>
+            </a:r>
+            <a:r>
+              <a:rPr lang="en-US" dirty="0" err="1"/>
+              <a:t>keputusan</a:t>
+            </a:r>
+            <a:r>
+              <a:rPr lang="en-US" dirty="0"/>
+              <a:t> </a:t>
+            </a:r>
+            <a:r>
+              <a:rPr lang="en-US" dirty="0" err="1"/>
+              <a:t>berdasarkan</a:t>
+            </a:r>
+            <a:r>
+              <a:rPr lang="en-US" dirty="0"/>
+              <a:t> data yang </a:t>
+            </a:r>
+            <a:r>
+              <a:rPr lang="en-US" dirty="0" err="1"/>
+              <a:t>akurat</a:t>
+            </a:r>
+            <a:r>
+              <a:rPr lang="en-US" dirty="0"/>
+              <a:t>, </a:t>
+            </a:r>
+            <a:r>
+              <a:rPr lang="en-US" dirty="0" err="1"/>
+              <a:t>seperti</a:t>
+            </a:r>
+            <a:r>
+              <a:rPr lang="en-US" dirty="0"/>
+              <a:t> </a:t>
+            </a:r>
+            <a:r>
+              <a:rPr lang="en-US" dirty="0" err="1"/>
+              <a:t>tren</a:t>
+            </a:r>
+            <a:r>
+              <a:rPr lang="en-US" dirty="0"/>
+              <a:t> </a:t>
+            </a:r>
+            <a:r>
+              <a:rPr lang="en-US" dirty="0" err="1"/>
+              <a:t>stok</a:t>
+            </a:r>
+            <a:r>
+              <a:rPr lang="en-US" dirty="0"/>
+              <a:t>, </a:t>
+            </a:r>
+            <a:r>
+              <a:rPr lang="en-US" dirty="0" err="1"/>
+              <a:t>permintaan</a:t>
+            </a:r>
+            <a:r>
+              <a:rPr lang="en-US" dirty="0"/>
+              <a:t> </a:t>
+            </a:r>
+            <a:r>
+              <a:rPr lang="en-US" dirty="0" err="1"/>
+              <a:t>produk</a:t>
+            </a:r>
+            <a:endParaRPr lang="en-US" dirty="0"/>
+          </a:p>
+        </p:txBody>
+      </p:sp>
+      <p:sp>
+        <p:nvSpPr>
+          <p:cNvPr id="22" name="TextBox 21">
+            <a:extLst>
+              <a:ext uri="{FF2B5EF4-FFF2-40B4-BE49-F238E27FC236}">
+                <a16:creationId xmlns:a16="http://schemas.microsoft.com/office/drawing/2014/main" id="{8E7B8939-6525-3649-B3E3-072CBB57D47E}"/>
+              </a:ext>
+            </a:extLst>
+          </p:cNvPr>
+          <p:cNvSpPr txBox="1"/>
+          <p:nvPr/>
+        </p:nvSpPr>
+        <p:spPr>
+          <a:xfrm>
+            <a:off x="3324046" y="4560987"/>
+            <a:ext cx="6159260" cy="923330"/>
+          </a:xfrm>
+          <a:prstGeom prst="rect">
+            <a:avLst/>
+          </a:prstGeom>
+          <a:noFill/>
+        </p:spPr>
+        <p:txBody>
+          <a:bodyPr wrap="square">
+            <a:spAutoFit/>
+          </a:bodyPr>
+          <a:lstStyle/>
+          <a:p>
+            <a:r>
+              <a:rPr lang="en-US" b="1" dirty="0" err="1"/>
+              <a:t>Pengurangan</a:t>
+            </a:r>
+            <a:r>
+              <a:rPr lang="en-US" b="1" dirty="0"/>
+              <a:t> </a:t>
+            </a:r>
+            <a:r>
+              <a:rPr lang="en-US" b="1" dirty="0" err="1"/>
+              <a:t>Biaya</a:t>
+            </a:r>
+            <a:r>
+              <a:rPr lang="en-US" b="1" dirty="0"/>
+              <a:t> </a:t>
+            </a:r>
+            <a:r>
+              <a:rPr lang="en-US" b="1" dirty="0" err="1"/>
+              <a:t>Operasional</a:t>
+            </a:r>
+            <a:r>
+              <a:rPr lang="en-US" dirty="0"/>
+              <a:t>: </a:t>
+            </a:r>
+            <a:r>
+              <a:rPr lang="en-US" dirty="0" err="1"/>
+              <a:t>Dengan</a:t>
+            </a:r>
+            <a:r>
+              <a:rPr lang="en-US" dirty="0"/>
+              <a:t> </a:t>
+            </a:r>
+            <a:r>
+              <a:rPr lang="en-US" dirty="0" err="1"/>
+              <a:t>otomatisasi</a:t>
+            </a:r>
+            <a:r>
+              <a:rPr lang="en-US" dirty="0"/>
+              <a:t> proses, WMS </a:t>
+            </a:r>
+            <a:r>
+              <a:rPr lang="en-US" dirty="0" err="1"/>
+              <a:t>dapat</a:t>
+            </a:r>
+            <a:r>
+              <a:rPr lang="en-US" dirty="0"/>
+              <a:t> </a:t>
+            </a:r>
+            <a:r>
+              <a:rPr lang="en-US" dirty="0" err="1"/>
+              <a:t>membantu</a:t>
+            </a:r>
+            <a:r>
+              <a:rPr lang="en-US" dirty="0"/>
+              <a:t> </a:t>
+            </a:r>
+            <a:r>
+              <a:rPr lang="en-US" dirty="0" err="1"/>
+              <a:t>mengurangi</a:t>
+            </a:r>
+            <a:r>
+              <a:rPr lang="en-US" dirty="0"/>
+              <a:t> </a:t>
+            </a:r>
+            <a:r>
+              <a:rPr lang="en-US" dirty="0" err="1"/>
+              <a:t>biaya</a:t>
+            </a:r>
+            <a:r>
+              <a:rPr lang="en-US" dirty="0"/>
+              <a:t> </a:t>
+            </a:r>
+            <a:r>
+              <a:rPr lang="en-US" dirty="0" err="1"/>
+              <a:t>terkait</a:t>
+            </a:r>
+            <a:r>
+              <a:rPr lang="en-US" dirty="0"/>
+              <a:t> </a:t>
+            </a:r>
+            <a:r>
+              <a:rPr lang="en-US" dirty="0" err="1"/>
+              <a:t>kesalahan</a:t>
+            </a:r>
+            <a:r>
+              <a:rPr lang="en-US" dirty="0"/>
+              <a:t> </a:t>
+            </a:r>
+            <a:r>
+              <a:rPr lang="en-US" dirty="0" err="1"/>
+              <a:t>dalam</a:t>
+            </a:r>
+            <a:r>
+              <a:rPr lang="en-US" dirty="0"/>
+              <a:t> </a:t>
+            </a:r>
+            <a:r>
+              <a:rPr lang="en-US" dirty="0" err="1"/>
+              <a:t>manajemen</a:t>
+            </a:r>
+            <a:r>
+              <a:rPr lang="en-US" dirty="0"/>
+              <a:t> </a:t>
+            </a:r>
+            <a:r>
+              <a:rPr lang="en-US" dirty="0" err="1"/>
+              <a:t>stok</a:t>
+            </a:r>
+            <a:r>
+              <a:rPr lang="en-US" dirty="0"/>
+              <a:t> </a:t>
+            </a:r>
+            <a:r>
+              <a:rPr lang="en-US" dirty="0" err="1"/>
+              <a:t>atau</a:t>
+            </a:r>
+            <a:r>
+              <a:rPr lang="en-US" dirty="0"/>
+              <a:t> </a:t>
+            </a:r>
+            <a:r>
+              <a:rPr lang="en-US" dirty="0" err="1"/>
+              <a:t>pengiriman</a:t>
+            </a:r>
+            <a:r>
+              <a:rPr lang="en-US" dirty="0"/>
+              <a:t>.</a:t>
+            </a:r>
+          </a:p>
+        </p:txBody>
+      </p:sp>
+      <p:sp>
+        <p:nvSpPr>
+          <p:cNvPr id="29" name="Diamond 28">
+            <a:extLst>
+              <a:ext uri="{FF2B5EF4-FFF2-40B4-BE49-F238E27FC236}">
+                <a16:creationId xmlns:a16="http://schemas.microsoft.com/office/drawing/2014/main" id="{50431CBA-176E-1847-295C-9B19383A55B9}"/>
+              </a:ext>
+            </a:extLst>
+          </p:cNvPr>
+          <p:cNvSpPr/>
+          <p:nvPr/>
+        </p:nvSpPr>
+        <p:spPr>
+          <a:xfrm>
+            <a:off x="3046334" y="2828657"/>
+            <a:ext cx="1067255" cy="1256263"/>
+          </a:xfrm>
+          <a:prstGeom prst="diamond">
+            <a:avLst/>
+          </a:prstGeom>
+          <a:solidFill>
+            <a:schemeClr val="bg1"/>
+          </a:solidFill>
+          <a:ln>
+            <a:noFill/>
+          </a:ln>
+        </p:spPr>
+        <p:style>
+          <a:lnRef idx="2">
+            <a:schemeClr val="accent1">
+              <a:shade val="15000"/>
+            </a:schemeClr>
+          </a:lnRef>
+          <a:fillRef idx="1">
+            <a:schemeClr val="accent1"/>
+          </a:fillRef>
+          <a:effectRef idx="0">
+            <a:schemeClr val="accent1"/>
+          </a:effectRef>
+          <a:fontRef idx="minor">
+            <a:schemeClr val="lt1"/>
+          </a:fontRef>
+        </p:style>
+        <p:txBody>
+          <a:bodyPr rtlCol="0" anchor="ctr"/>
+          <a:lstStyle/>
+          <a:p>
+            <a:pPr algn="ctr"/>
+            <a:endParaRPr lang="en-US"/>
+          </a:p>
+        </p:txBody>
+      </p:sp>
+      <p:sp>
+        <p:nvSpPr>
+          <p:cNvPr id="30" name="Diamond 29">
+            <a:extLst>
+              <a:ext uri="{FF2B5EF4-FFF2-40B4-BE49-F238E27FC236}">
+                <a16:creationId xmlns:a16="http://schemas.microsoft.com/office/drawing/2014/main" id="{41C049D5-8AAF-2AE4-A935-2E7B9EFA1B61}"/>
+              </a:ext>
+            </a:extLst>
+          </p:cNvPr>
+          <p:cNvSpPr/>
+          <p:nvPr/>
+        </p:nvSpPr>
+        <p:spPr>
+          <a:xfrm>
+            <a:off x="2166440" y="1323361"/>
+            <a:ext cx="1067255" cy="1256263"/>
+          </a:xfrm>
+          <a:prstGeom prst="diamond">
+            <a:avLst/>
+          </a:prstGeom>
+          <a:solidFill>
+            <a:schemeClr val="bg1"/>
+          </a:solidFill>
+          <a:ln>
+            <a:noFill/>
+          </a:ln>
+        </p:spPr>
+        <p:style>
+          <a:lnRef idx="2">
+            <a:schemeClr val="accent1">
+              <a:shade val="15000"/>
+            </a:schemeClr>
+          </a:lnRef>
+          <a:fillRef idx="1">
+            <a:schemeClr val="accent1"/>
+          </a:fillRef>
+          <a:effectRef idx="0">
+            <a:schemeClr val="accent1"/>
+          </a:effectRef>
+          <a:fontRef idx="minor">
+            <a:schemeClr val="lt1"/>
+          </a:fontRef>
+        </p:style>
+        <p:txBody>
+          <a:bodyPr rtlCol="0" anchor="ctr"/>
+          <a:lstStyle/>
+          <a:p>
+            <a:pPr algn="ctr"/>
+            <a:endParaRPr lang="en-US"/>
+          </a:p>
+        </p:txBody>
+      </p:sp>
+      <p:sp>
+        <p:nvSpPr>
+          <p:cNvPr id="31" name="Diamond 30">
+            <a:extLst>
+              <a:ext uri="{FF2B5EF4-FFF2-40B4-BE49-F238E27FC236}">
+                <a16:creationId xmlns:a16="http://schemas.microsoft.com/office/drawing/2014/main" id="{E0D6820D-4FFB-D5F8-3F60-B973E2657A8D}"/>
+              </a:ext>
+            </a:extLst>
+          </p:cNvPr>
+          <p:cNvSpPr/>
+          <p:nvPr/>
+        </p:nvSpPr>
+        <p:spPr>
+          <a:xfrm>
+            <a:off x="2187998" y="4328716"/>
+            <a:ext cx="1067255" cy="1256263"/>
+          </a:xfrm>
+          <a:prstGeom prst="diamond">
+            <a:avLst/>
+          </a:prstGeom>
+          <a:solidFill>
+            <a:schemeClr val="bg1"/>
+          </a:solidFill>
+          <a:ln>
+            <a:noFill/>
+          </a:ln>
+        </p:spPr>
+        <p:style>
+          <a:lnRef idx="2">
+            <a:schemeClr val="accent1">
+              <a:shade val="15000"/>
+            </a:schemeClr>
+          </a:lnRef>
+          <a:fillRef idx="1">
+            <a:schemeClr val="accent1"/>
+          </a:fillRef>
+          <a:effectRef idx="0">
+            <a:schemeClr val="accent1"/>
+          </a:effectRef>
+          <a:fontRef idx="minor">
+            <a:schemeClr val="lt1"/>
+          </a:fontRef>
+        </p:style>
+        <p:txBody>
+          <a:bodyPr rtlCol="0" anchor="ctr"/>
+          <a:lstStyle/>
+          <a:p>
+            <a:pPr algn="ctr"/>
+            <a:endParaRPr lang="en-US"/>
+          </a:p>
+        </p:txBody>
+      </p:sp>
+      <p:sp>
+        <p:nvSpPr>
+          <p:cNvPr id="32" name="Flowchart: Connector 31">
+            <a:extLst>
+              <a:ext uri="{FF2B5EF4-FFF2-40B4-BE49-F238E27FC236}">
+                <a16:creationId xmlns:a16="http://schemas.microsoft.com/office/drawing/2014/main" id="{B76BD148-DED9-1DB0-5431-E6884FA2465E}"/>
+              </a:ext>
+            </a:extLst>
+          </p:cNvPr>
+          <p:cNvSpPr/>
+          <p:nvPr/>
+        </p:nvSpPr>
+        <p:spPr>
+          <a:xfrm>
+            <a:off x="2249472" y="1642211"/>
+            <a:ext cx="704953" cy="663272"/>
+          </a:xfrm>
+          <a:prstGeom prst="flowChartConnector">
+            <a:avLst/>
+          </a:prstGeom>
+          <a:gradFill flip="none" rotWithShape="1">
+            <a:gsLst>
+              <a:gs pos="0">
+                <a:schemeClr val="accent1">
+                  <a:lumMod val="67000"/>
+                </a:schemeClr>
+              </a:gs>
+              <a:gs pos="48000">
+                <a:schemeClr val="accent1">
+                  <a:lumMod val="97000"/>
+                  <a:lumOff val="3000"/>
+                </a:schemeClr>
+              </a:gs>
+              <a:gs pos="100000">
+                <a:schemeClr val="accent1">
+                  <a:lumMod val="60000"/>
+                  <a:lumOff val="40000"/>
+                </a:schemeClr>
+              </a:gs>
+            </a:gsLst>
+            <a:lin ang="16200000" scaled="1"/>
+            <a:tileRect/>
+          </a:gradFill>
+          <a:ln>
+            <a:noFill/>
+          </a:ln>
+        </p:spPr>
+        <p:style>
+          <a:lnRef idx="0">
+            <a:scrgbClr r="0" g="0" b="0"/>
+          </a:lnRef>
+          <a:fillRef idx="0">
+            <a:scrgbClr r="0" g="0" b="0"/>
+          </a:fillRef>
+          <a:effectRef idx="0">
+            <a:scrgbClr r="0" g="0" b="0"/>
+          </a:effectRef>
+          <a:fontRef idx="minor">
+            <a:schemeClr val="lt1"/>
+          </a:fontRef>
+        </p:style>
+        <p:txBody>
+          <a:bodyPr rtlCol="0" anchor="ctr"/>
+          <a:lstStyle/>
+          <a:p>
+            <a:pPr algn="ctr"/>
+            <a:endParaRPr lang="en-US"/>
+          </a:p>
+        </p:txBody>
+      </p:sp>
+      <p:sp>
+        <p:nvSpPr>
+          <p:cNvPr id="33" name="Flowchart: Connector 32">
+            <a:extLst>
+              <a:ext uri="{FF2B5EF4-FFF2-40B4-BE49-F238E27FC236}">
+                <a16:creationId xmlns:a16="http://schemas.microsoft.com/office/drawing/2014/main" id="{E3B18824-5868-62C1-C2B5-B1EBB91F7753}"/>
+              </a:ext>
+            </a:extLst>
+          </p:cNvPr>
+          <p:cNvSpPr/>
+          <p:nvPr/>
+        </p:nvSpPr>
+        <p:spPr>
+          <a:xfrm>
+            <a:off x="3161493" y="3116826"/>
+            <a:ext cx="704953" cy="663272"/>
+          </a:xfrm>
+          <a:prstGeom prst="flowChartConnector">
+            <a:avLst/>
+          </a:prstGeom>
+          <a:ln>
+            <a:noFill/>
+          </a:ln>
+        </p:spPr>
+        <p:style>
+          <a:lnRef idx="2">
+            <a:schemeClr val="accent1">
+              <a:shade val="15000"/>
+            </a:schemeClr>
+          </a:lnRef>
+          <a:fillRef idx="1">
+            <a:schemeClr val="accent1"/>
+          </a:fillRef>
+          <a:effectRef idx="0">
+            <a:schemeClr val="accent1"/>
+          </a:effectRef>
+          <a:fontRef idx="minor">
+            <a:schemeClr val="lt1"/>
+          </a:fontRef>
+        </p:style>
+        <p:txBody>
+          <a:bodyPr rtlCol="0" anchor="ctr"/>
+          <a:lstStyle/>
+          <a:p>
+            <a:pPr algn="ctr"/>
+            <a:endParaRPr lang="en-US"/>
+          </a:p>
+        </p:txBody>
+      </p:sp>
+      <p:sp>
+        <p:nvSpPr>
+          <p:cNvPr id="34" name="Flowchart: Connector 33">
+            <a:extLst>
+              <a:ext uri="{FF2B5EF4-FFF2-40B4-BE49-F238E27FC236}">
+                <a16:creationId xmlns:a16="http://schemas.microsoft.com/office/drawing/2014/main" id="{B2EA552E-7CA7-E5D6-BEFD-0340EC041D5A}"/>
+              </a:ext>
+            </a:extLst>
+          </p:cNvPr>
+          <p:cNvSpPr/>
+          <p:nvPr/>
+        </p:nvSpPr>
+        <p:spPr>
+          <a:xfrm>
+            <a:off x="2249472" y="4591802"/>
+            <a:ext cx="704953" cy="663272"/>
+          </a:xfrm>
+          <a:prstGeom prst="flowChartConnector">
+            <a:avLst/>
+          </a:prstGeom>
+          <a:ln>
+            <a:noFill/>
+          </a:ln>
+        </p:spPr>
+        <p:style>
+          <a:lnRef idx="2">
+            <a:schemeClr val="accent1">
+              <a:shade val="15000"/>
+            </a:schemeClr>
+          </a:lnRef>
+          <a:fillRef idx="1">
+            <a:schemeClr val="accent1"/>
+          </a:fillRef>
+          <a:effectRef idx="0">
+            <a:schemeClr val="accent1"/>
+          </a:effectRef>
+          <a:fontRef idx="minor">
+            <a:schemeClr val="lt1"/>
+          </a:fontRef>
+        </p:style>
+        <p:txBody>
+          <a:bodyPr rtlCol="0" anchor="ctr"/>
+          <a:lstStyle/>
+          <a:p>
+            <a:pPr algn="ctr"/>
+            <a:endParaRPr lang="en-US"/>
+          </a:p>
+        </p:txBody>
+      </p:sp>
+      <p:sp>
+        <p:nvSpPr>
+          <p:cNvPr id="35" name="Rectangle 34">
+            <a:extLst>
+              <a:ext uri="{FF2B5EF4-FFF2-40B4-BE49-F238E27FC236}">
+                <a16:creationId xmlns:a16="http://schemas.microsoft.com/office/drawing/2014/main" id="{8D261D39-B589-48BC-D82D-AE731DAB2C0E}"/>
+              </a:ext>
+            </a:extLst>
+          </p:cNvPr>
+          <p:cNvSpPr/>
+          <p:nvPr/>
+        </p:nvSpPr>
+        <p:spPr>
+          <a:xfrm>
+            <a:off x="2358927" y="1481201"/>
+            <a:ext cx="451537" cy="923330"/>
+          </a:xfrm>
+          <a:prstGeom prst="rect">
+            <a:avLst/>
+          </a:prstGeom>
+          <a:noFill/>
+        </p:spPr>
+        <p:txBody>
+          <a:bodyPr wrap="square" lIns="91440" tIns="45720" rIns="91440" bIns="45720">
+            <a:spAutoFit/>
+          </a:bodyPr>
+          <a:lstStyle/>
+          <a:p>
+            <a:pPr algn="ctr"/>
+            <a:r>
+              <a:rPr lang="en-US" sz="5400" b="0" cap="none" spc="0" dirty="0">
+                <a:ln w="0"/>
+                <a:solidFill>
+                  <a:schemeClr val="tx1"/>
+                </a:solidFill>
+                <a:effectLst>
+                  <a:outerShdw blurRad="38100" dist="19050" dir="2700000" algn="tl" rotWithShape="0">
+                    <a:schemeClr val="dk1">
+                      <a:alpha val="40000"/>
+                    </a:schemeClr>
+                  </a:outerShdw>
+                </a:effectLst>
+              </a:rPr>
+              <a:t>1</a:t>
+            </a:r>
+          </a:p>
+        </p:txBody>
+      </p:sp>
+      <p:sp>
+        <p:nvSpPr>
+          <p:cNvPr id="36" name="Rectangle 35">
+            <a:extLst>
+              <a:ext uri="{FF2B5EF4-FFF2-40B4-BE49-F238E27FC236}">
+                <a16:creationId xmlns:a16="http://schemas.microsoft.com/office/drawing/2014/main" id="{1892C074-83BD-FC5F-2820-0BE7665F071C}"/>
+              </a:ext>
+            </a:extLst>
+          </p:cNvPr>
+          <p:cNvSpPr/>
+          <p:nvPr/>
+        </p:nvSpPr>
+        <p:spPr>
+          <a:xfrm>
+            <a:off x="3279574" y="2951520"/>
+            <a:ext cx="451537" cy="923330"/>
+          </a:xfrm>
+          <a:prstGeom prst="rect">
+            <a:avLst/>
+          </a:prstGeom>
+          <a:noFill/>
+        </p:spPr>
+        <p:txBody>
+          <a:bodyPr wrap="square" lIns="91440" tIns="45720" rIns="91440" bIns="45720">
+            <a:spAutoFit/>
+          </a:bodyPr>
+          <a:lstStyle/>
+          <a:p>
+            <a:pPr algn="ctr"/>
+            <a:r>
+              <a:rPr lang="en-US" sz="5400" b="0" cap="none" spc="0" dirty="0">
+                <a:ln w="0"/>
+                <a:solidFill>
+                  <a:schemeClr val="tx1"/>
+                </a:solidFill>
+                <a:effectLst>
+                  <a:outerShdw blurRad="38100" dist="19050" dir="2700000" algn="tl" rotWithShape="0">
+                    <a:schemeClr val="dk1">
+                      <a:alpha val="40000"/>
+                    </a:schemeClr>
+                  </a:outerShdw>
+                </a:effectLst>
+              </a:rPr>
+              <a:t>2</a:t>
+            </a:r>
+          </a:p>
+        </p:txBody>
+      </p:sp>
+      <p:sp>
+        <p:nvSpPr>
+          <p:cNvPr id="37" name="Rectangle 36">
+            <a:extLst>
+              <a:ext uri="{FF2B5EF4-FFF2-40B4-BE49-F238E27FC236}">
+                <a16:creationId xmlns:a16="http://schemas.microsoft.com/office/drawing/2014/main" id="{4C3A14C0-7212-C125-AB5C-F036A918A381}"/>
+              </a:ext>
+            </a:extLst>
+          </p:cNvPr>
+          <p:cNvSpPr/>
+          <p:nvPr/>
+        </p:nvSpPr>
+        <p:spPr>
+          <a:xfrm>
+            <a:off x="2386393" y="4440207"/>
+            <a:ext cx="451537" cy="923330"/>
+          </a:xfrm>
+          <a:prstGeom prst="rect">
+            <a:avLst/>
+          </a:prstGeom>
+          <a:noFill/>
+        </p:spPr>
+        <p:txBody>
+          <a:bodyPr wrap="square" lIns="91440" tIns="45720" rIns="91440" bIns="45720">
+            <a:spAutoFit/>
+          </a:bodyPr>
+          <a:lstStyle/>
+          <a:p>
+            <a:pPr algn="ctr"/>
+            <a:r>
+              <a:rPr lang="en-US" sz="5400" b="0" cap="none" spc="0" dirty="0">
+                <a:ln w="0"/>
+                <a:solidFill>
+                  <a:schemeClr val="tx1"/>
+                </a:solidFill>
+                <a:effectLst>
+                  <a:outerShdw blurRad="38100" dist="19050" dir="2700000" algn="tl" rotWithShape="0">
+                    <a:schemeClr val="dk1">
+                      <a:alpha val="40000"/>
+                    </a:schemeClr>
+                  </a:outerShdw>
+                </a:effectLst>
+              </a:rPr>
+              <a:t>3</a:t>
+            </a:r>
+          </a:p>
+        </p:txBody>
+      </p:sp>
+    </p:spTree>
+    <p:extLst>
+      <p:ext uri="{BB962C8B-B14F-4D97-AF65-F5344CB8AC3E}">
+        <p14:creationId xmlns:p14="http://schemas.microsoft.com/office/powerpoint/2010/main" val="4094453009"/>
+      </p:ext>
+    </p:extLst>
+  </p:cSld>
+  <p:clrMapOvr>
+    <a:masterClrMapping/>
+  </p:clrMapOvr>
 </p:sld>
 </file>
 
@@ -12280,1889 +14012,6 @@
           </a:prstGeom>
         </p:spPr>
       </p:pic>
-      <p:sp>
-        <p:nvSpPr>
-          <p:cNvPr id="35" name="Hexagon 34">
-            <a:extLst>
-              <a:ext uri="{FF2B5EF4-FFF2-40B4-BE49-F238E27FC236}">
-                <a16:creationId xmlns:a16="http://schemas.microsoft.com/office/drawing/2014/main" id="{C38E5136-9B5C-FDF3-E051-5788DBEC7F6A}"/>
-              </a:ext>
-            </a:extLst>
-          </p:cNvPr>
-          <p:cNvSpPr/>
-          <p:nvPr/>
-        </p:nvSpPr>
-        <p:spPr>
-          <a:xfrm>
-            <a:off x="805469" y="1728865"/>
-            <a:ext cx="1577691" cy="1319816"/>
-          </a:xfrm>
-          <a:prstGeom prst="hexagon">
-            <a:avLst/>
-          </a:prstGeom>
-          <a:solidFill>
-            <a:schemeClr val="accent4">
-              <a:lumMod val="40000"/>
-              <a:lumOff val="60000"/>
-            </a:schemeClr>
-          </a:solidFill>
-          <a:ln/>
-        </p:spPr>
-        <p:style>
-          <a:lnRef idx="1">
-            <a:schemeClr val="accent4"/>
-          </a:lnRef>
-          <a:fillRef idx="2">
-            <a:schemeClr val="accent4"/>
-          </a:fillRef>
-          <a:effectRef idx="1">
-            <a:schemeClr val="accent4"/>
-          </a:effectRef>
-          <a:fontRef idx="minor">
-            <a:schemeClr val="dk1"/>
-          </a:fontRef>
-        </p:style>
-        <p:txBody>
-          <a:bodyPr rtlCol="0" anchor="ctr"/>
-          <a:lstStyle/>
-          <a:p>
-            <a:pPr algn="ctr"/>
-            <a:endParaRPr lang="en-US"/>
-          </a:p>
-        </p:txBody>
-      </p:sp>
-      <p:sp>
-        <p:nvSpPr>
-          <p:cNvPr id="38" name="Arrow: Pentagon 37">
-            <a:extLst>
-              <a:ext uri="{FF2B5EF4-FFF2-40B4-BE49-F238E27FC236}">
-                <a16:creationId xmlns:a16="http://schemas.microsoft.com/office/drawing/2014/main" id="{E167B9BF-8A13-68FD-34A5-03C1975257FE}"/>
-              </a:ext>
-            </a:extLst>
-          </p:cNvPr>
-          <p:cNvSpPr/>
-          <p:nvPr/>
-        </p:nvSpPr>
-        <p:spPr>
-          <a:xfrm>
-            <a:off x="1580795" y="1782341"/>
-            <a:ext cx="2924463" cy="1163400"/>
-          </a:xfrm>
-          <a:custGeom>
-            <a:avLst/>
-            <a:gdLst>
-              <a:gd name="connsiteX0" fmla="*/ 0 w 3191882"/>
-              <a:gd name="connsiteY0" fmla="*/ 0 h 1163400"/>
-              <a:gd name="connsiteX1" fmla="*/ 2610182 w 3191882"/>
-              <a:gd name="connsiteY1" fmla="*/ 0 h 1163400"/>
-              <a:gd name="connsiteX2" fmla="*/ 3191882 w 3191882"/>
-              <a:gd name="connsiteY2" fmla="*/ 581700 h 1163400"/>
-              <a:gd name="connsiteX3" fmla="*/ 2610182 w 3191882"/>
-              <a:gd name="connsiteY3" fmla="*/ 1163400 h 1163400"/>
-              <a:gd name="connsiteX4" fmla="*/ 0 w 3191882"/>
-              <a:gd name="connsiteY4" fmla="*/ 1163400 h 1163400"/>
-              <a:gd name="connsiteX5" fmla="*/ 0 w 3191882"/>
-              <a:gd name="connsiteY5" fmla="*/ 0 h 1163400"/>
-              <a:gd name="connsiteX0" fmla="*/ 0 w 2967595"/>
-              <a:gd name="connsiteY0" fmla="*/ 0 h 1163400"/>
-              <a:gd name="connsiteX1" fmla="*/ 2610182 w 2967595"/>
-              <a:gd name="connsiteY1" fmla="*/ 0 h 1163400"/>
-              <a:gd name="connsiteX2" fmla="*/ 2967595 w 2967595"/>
-              <a:gd name="connsiteY2" fmla="*/ 555821 h 1163400"/>
-              <a:gd name="connsiteX3" fmla="*/ 2610182 w 2967595"/>
-              <a:gd name="connsiteY3" fmla="*/ 1163400 h 1163400"/>
-              <a:gd name="connsiteX4" fmla="*/ 0 w 2967595"/>
-              <a:gd name="connsiteY4" fmla="*/ 1163400 h 1163400"/>
-              <a:gd name="connsiteX5" fmla="*/ 0 w 2967595"/>
-              <a:gd name="connsiteY5" fmla="*/ 0 h 1163400"/>
-              <a:gd name="connsiteX0" fmla="*/ 0 w 2924463"/>
-              <a:gd name="connsiteY0" fmla="*/ 0 h 1163400"/>
-              <a:gd name="connsiteX1" fmla="*/ 2610182 w 2924463"/>
-              <a:gd name="connsiteY1" fmla="*/ 0 h 1163400"/>
-              <a:gd name="connsiteX2" fmla="*/ 2924463 w 2924463"/>
-              <a:gd name="connsiteY2" fmla="*/ 607579 h 1163400"/>
-              <a:gd name="connsiteX3" fmla="*/ 2610182 w 2924463"/>
-              <a:gd name="connsiteY3" fmla="*/ 1163400 h 1163400"/>
-              <a:gd name="connsiteX4" fmla="*/ 0 w 2924463"/>
-              <a:gd name="connsiteY4" fmla="*/ 1163400 h 1163400"/>
-              <a:gd name="connsiteX5" fmla="*/ 0 w 2924463"/>
-              <a:gd name="connsiteY5" fmla="*/ 0 h 1163400"/>
-            </a:gdLst>
-            <a:ahLst/>
-            <a:cxnLst>
-              <a:cxn ang="0">
-                <a:pos x="connsiteX0" y="connsiteY0"/>
-              </a:cxn>
-              <a:cxn ang="0">
-                <a:pos x="connsiteX1" y="connsiteY1"/>
-              </a:cxn>
-              <a:cxn ang="0">
-                <a:pos x="connsiteX2" y="connsiteY2"/>
-              </a:cxn>
-              <a:cxn ang="0">
-                <a:pos x="connsiteX3" y="connsiteY3"/>
-              </a:cxn>
-              <a:cxn ang="0">
-                <a:pos x="connsiteX4" y="connsiteY4"/>
-              </a:cxn>
-              <a:cxn ang="0">
-                <a:pos x="connsiteX5" y="connsiteY5"/>
-              </a:cxn>
-            </a:cxnLst>
-            <a:rect l="l" t="t" r="r" b="b"/>
-            <a:pathLst>
-              <a:path w="2924463" h="1163400">
-                <a:moveTo>
-                  <a:pt x="0" y="0"/>
-                </a:moveTo>
-                <a:lnTo>
-                  <a:pt x="2610182" y="0"/>
-                </a:lnTo>
-                <a:lnTo>
-                  <a:pt x="2924463" y="607579"/>
-                </a:lnTo>
-                <a:lnTo>
-                  <a:pt x="2610182" y="1163400"/>
-                </a:lnTo>
-                <a:lnTo>
-                  <a:pt x="0" y="1163400"/>
-                </a:lnTo>
-                <a:lnTo>
-                  <a:pt x="0" y="0"/>
-                </a:lnTo>
-                <a:close/>
-              </a:path>
-            </a:pathLst>
-          </a:custGeom>
-          <a:noFill/>
-          <a:ln>
-            <a:solidFill>
-              <a:schemeClr val="accent4"/>
-            </a:solidFill>
-          </a:ln>
-        </p:spPr>
-        <p:style>
-          <a:lnRef idx="2">
-            <a:schemeClr val="accent1"/>
-          </a:lnRef>
-          <a:fillRef idx="1">
-            <a:schemeClr val="lt1"/>
-          </a:fillRef>
-          <a:effectRef idx="0">
-            <a:schemeClr val="accent1"/>
-          </a:effectRef>
-          <a:fontRef idx="minor">
-            <a:schemeClr val="dk1"/>
-          </a:fontRef>
-        </p:style>
-        <p:txBody>
-          <a:bodyPr rtlCol="0" anchor="ctr"/>
-          <a:lstStyle/>
-          <a:p>
-            <a:pPr algn="ctr"/>
-            <a:endParaRPr lang="en-US"/>
-          </a:p>
-        </p:txBody>
-      </p:sp>
-      <p:sp>
-        <p:nvSpPr>
-          <p:cNvPr id="36" name="Hexagon 35">
-            <a:extLst>
-              <a:ext uri="{FF2B5EF4-FFF2-40B4-BE49-F238E27FC236}">
-                <a16:creationId xmlns:a16="http://schemas.microsoft.com/office/drawing/2014/main" id="{A30D52A3-565D-FA23-8C4E-98C1F11A07E6}"/>
-              </a:ext>
-            </a:extLst>
-          </p:cNvPr>
-          <p:cNvSpPr/>
-          <p:nvPr/>
-        </p:nvSpPr>
-        <p:spPr>
-          <a:xfrm>
-            <a:off x="1016551" y="1929829"/>
-            <a:ext cx="1128489" cy="932818"/>
-          </a:xfrm>
-          <a:prstGeom prst="hexagon">
-            <a:avLst/>
-          </a:prstGeom>
-          <a:ln>
-            <a:noFill/>
-          </a:ln>
-        </p:spPr>
-        <p:style>
-          <a:lnRef idx="3">
-            <a:schemeClr val="lt1"/>
-          </a:lnRef>
-          <a:fillRef idx="1">
-            <a:schemeClr val="accent4"/>
-          </a:fillRef>
-          <a:effectRef idx="1">
-            <a:schemeClr val="accent4"/>
-          </a:effectRef>
-          <a:fontRef idx="minor">
-            <a:schemeClr val="lt1"/>
-          </a:fontRef>
-        </p:style>
-        <p:txBody>
-          <a:bodyPr rtlCol="0" anchor="ctr"/>
-          <a:lstStyle/>
-          <a:p>
-            <a:pPr algn="ctr"/>
-            <a:endParaRPr lang="en-US"/>
-          </a:p>
-        </p:txBody>
-      </p:sp>
-      <p:sp>
-        <p:nvSpPr>
-          <p:cNvPr id="39" name="TextBox 38">
-            <a:extLst>
-              <a:ext uri="{FF2B5EF4-FFF2-40B4-BE49-F238E27FC236}">
-                <a16:creationId xmlns:a16="http://schemas.microsoft.com/office/drawing/2014/main" id="{9A0CD863-3B58-DC60-DCF4-87E614830E2C}"/>
-              </a:ext>
-            </a:extLst>
-          </p:cNvPr>
-          <p:cNvSpPr txBox="1"/>
-          <p:nvPr/>
-        </p:nvSpPr>
-        <p:spPr>
-          <a:xfrm>
-            <a:off x="2348646" y="2027715"/>
-            <a:ext cx="2156612" cy="584775"/>
-          </a:xfrm>
-          <a:prstGeom prst="rect">
-            <a:avLst/>
-          </a:prstGeom>
-          <a:noFill/>
-        </p:spPr>
-        <p:txBody>
-          <a:bodyPr wrap="square" rtlCol="0">
-            <a:spAutoFit/>
-          </a:bodyPr>
-          <a:lstStyle/>
-          <a:p>
-            <a:r>
-              <a:rPr lang="en-US" sz="1600" dirty="0">
-                <a:latin typeface="Cooper Black" panose="0208090404030B020404" pitchFamily="18" charset="0"/>
-              </a:rPr>
-              <a:t>Data Excel Bisa </a:t>
-            </a:r>
-          </a:p>
-          <a:p>
-            <a:r>
-              <a:rPr lang="en-US" sz="1600" dirty="0">
-                <a:latin typeface="Cooper Black" panose="0208090404030B020404" pitchFamily="18" charset="0"/>
-              </a:rPr>
-              <a:t>Corrupt / </a:t>
-            </a:r>
-            <a:r>
-              <a:rPr lang="en-US" sz="1600" dirty="0" err="1">
-                <a:latin typeface="Cooper Black" panose="0208090404030B020404" pitchFamily="18" charset="0"/>
-              </a:rPr>
-              <a:t>Rusak</a:t>
-            </a:r>
-            <a:endParaRPr lang="en-US" sz="1600" dirty="0">
-              <a:latin typeface="Cooper Black" panose="0208090404030B020404" pitchFamily="18" charset="0"/>
-            </a:endParaRPr>
-          </a:p>
-        </p:txBody>
-      </p:sp>
-      <p:sp>
-        <p:nvSpPr>
-          <p:cNvPr id="40" name="Hexagon 39">
-            <a:extLst>
-              <a:ext uri="{FF2B5EF4-FFF2-40B4-BE49-F238E27FC236}">
-                <a16:creationId xmlns:a16="http://schemas.microsoft.com/office/drawing/2014/main" id="{7D61262C-5FA1-E99B-B57D-1F1A05875FF4}"/>
-              </a:ext>
-            </a:extLst>
-          </p:cNvPr>
-          <p:cNvSpPr/>
-          <p:nvPr/>
-        </p:nvSpPr>
-        <p:spPr>
-          <a:xfrm>
-            <a:off x="2383160" y="3250378"/>
-            <a:ext cx="1577691" cy="1319816"/>
-          </a:xfrm>
-          <a:prstGeom prst="hexagon">
-            <a:avLst/>
-          </a:prstGeom>
-          <a:solidFill>
-            <a:schemeClr val="accent4">
-              <a:lumMod val="40000"/>
-              <a:lumOff val="60000"/>
-            </a:schemeClr>
-          </a:solidFill>
-          <a:ln/>
-        </p:spPr>
-        <p:style>
-          <a:lnRef idx="1">
-            <a:schemeClr val="accent4"/>
-          </a:lnRef>
-          <a:fillRef idx="2">
-            <a:schemeClr val="accent4"/>
-          </a:fillRef>
-          <a:effectRef idx="1">
-            <a:schemeClr val="accent4"/>
-          </a:effectRef>
-          <a:fontRef idx="minor">
-            <a:schemeClr val="dk1"/>
-          </a:fontRef>
-        </p:style>
-        <p:txBody>
-          <a:bodyPr rtlCol="0" anchor="ctr"/>
-          <a:lstStyle/>
-          <a:p>
-            <a:pPr algn="ctr"/>
-            <a:endParaRPr lang="en-US"/>
-          </a:p>
-        </p:txBody>
-      </p:sp>
-      <p:sp>
-        <p:nvSpPr>
-          <p:cNvPr id="41" name="Arrow: Pentagon 37">
-            <a:extLst>
-              <a:ext uri="{FF2B5EF4-FFF2-40B4-BE49-F238E27FC236}">
-                <a16:creationId xmlns:a16="http://schemas.microsoft.com/office/drawing/2014/main" id="{35F36D61-0FBD-E43F-3784-C96AFAC50DF1}"/>
-              </a:ext>
-            </a:extLst>
-          </p:cNvPr>
-          <p:cNvSpPr/>
-          <p:nvPr/>
-        </p:nvSpPr>
-        <p:spPr>
-          <a:xfrm>
-            <a:off x="3158486" y="3332704"/>
-            <a:ext cx="2924463" cy="1134549"/>
-          </a:xfrm>
-          <a:custGeom>
-            <a:avLst/>
-            <a:gdLst>
-              <a:gd name="connsiteX0" fmla="*/ 0 w 3191882"/>
-              <a:gd name="connsiteY0" fmla="*/ 0 h 1163400"/>
-              <a:gd name="connsiteX1" fmla="*/ 2610182 w 3191882"/>
-              <a:gd name="connsiteY1" fmla="*/ 0 h 1163400"/>
-              <a:gd name="connsiteX2" fmla="*/ 3191882 w 3191882"/>
-              <a:gd name="connsiteY2" fmla="*/ 581700 h 1163400"/>
-              <a:gd name="connsiteX3" fmla="*/ 2610182 w 3191882"/>
-              <a:gd name="connsiteY3" fmla="*/ 1163400 h 1163400"/>
-              <a:gd name="connsiteX4" fmla="*/ 0 w 3191882"/>
-              <a:gd name="connsiteY4" fmla="*/ 1163400 h 1163400"/>
-              <a:gd name="connsiteX5" fmla="*/ 0 w 3191882"/>
-              <a:gd name="connsiteY5" fmla="*/ 0 h 1163400"/>
-              <a:gd name="connsiteX0" fmla="*/ 0 w 2967595"/>
-              <a:gd name="connsiteY0" fmla="*/ 0 h 1163400"/>
-              <a:gd name="connsiteX1" fmla="*/ 2610182 w 2967595"/>
-              <a:gd name="connsiteY1" fmla="*/ 0 h 1163400"/>
-              <a:gd name="connsiteX2" fmla="*/ 2967595 w 2967595"/>
-              <a:gd name="connsiteY2" fmla="*/ 555821 h 1163400"/>
-              <a:gd name="connsiteX3" fmla="*/ 2610182 w 2967595"/>
-              <a:gd name="connsiteY3" fmla="*/ 1163400 h 1163400"/>
-              <a:gd name="connsiteX4" fmla="*/ 0 w 2967595"/>
-              <a:gd name="connsiteY4" fmla="*/ 1163400 h 1163400"/>
-              <a:gd name="connsiteX5" fmla="*/ 0 w 2967595"/>
-              <a:gd name="connsiteY5" fmla="*/ 0 h 1163400"/>
-              <a:gd name="connsiteX0" fmla="*/ 0 w 2924463"/>
-              <a:gd name="connsiteY0" fmla="*/ 0 h 1163400"/>
-              <a:gd name="connsiteX1" fmla="*/ 2610182 w 2924463"/>
-              <a:gd name="connsiteY1" fmla="*/ 0 h 1163400"/>
-              <a:gd name="connsiteX2" fmla="*/ 2924463 w 2924463"/>
-              <a:gd name="connsiteY2" fmla="*/ 607579 h 1163400"/>
-              <a:gd name="connsiteX3" fmla="*/ 2610182 w 2924463"/>
-              <a:gd name="connsiteY3" fmla="*/ 1163400 h 1163400"/>
-              <a:gd name="connsiteX4" fmla="*/ 0 w 2924463"/>
-              <a:gd name="connsiteY4" fmla="*/ 1163400 h 1163400"/>
-              <a:gd name="connsiteX5" fmla="*/ 0 w 2924463"/>
-              <a:gd name="connsiteY5" fmla="*/ 0 h 1163400"/>
-            </a:gdLst>
-            <a:ahLst/>
-            <a:cxnLst>
-              <a:cxn ang="0">
-                <a:pos x="connsiteX0" y="connsiteY0"/>
-              </a:cxn>
-              <a:cxn ang="0">
-                <a:pos x="connsiteX1" y="connsiteY1"/>
-              </a:cxn>
-              <a:cxn ang="0">
-                <a:pos x="connsiteX2" y="connsiteY2"/>
-              </a:cxn>
-              <a:cxn ang="0">
-                <a:pos x="connsiteX3" y="connsiteY3"/>
-              </a:cxn>
-              <a:cxn ang="0">
-                <a:pos x="connsiteX4" y="connsiteY4"/>
-              </a:cxn>
-              <a:cxn ang="0">
-                <a:pos x="connsiteX5" y="connsiteY5"/>
-              </a:cxn>
-            </a:cxnLst>
-            <a:rect l="l" t="t" r="r" b="b"/>
-            <a:pathLst>
-              <a:path w="2924463" h="1163400">
-                <a:moveTo>
-                  <a:pt x="0" y="0"/>
-                </a:moveTo>
-                <a:lnTo>
-                  <a:pt x="2610182" y="0"/>
-                </a:lnTo>
-                <a:lnTo>
-                  <a:pt x="2924463" y="607579"/>
-                </a:lnTo>
-                <a:lnTo>
-                  <a:pt x="2610182" y="1163400"/>
-                </a:lnTo>
-                <a:lnTo>
-                  <a:pt x="0" y="1163400"/>
-                </a:lnTo>
-                <a:lnTo>
-                  <a:pt x="0" y="0"/>
-                </a:lnTo>
-                <a:close/>
-              </a:path>
-            </a:pathLst>
-          </a:custGeom>
-          <a:noFill/>
-          <a:ln>
-            <a:solidFill>
-              <a:schemeClr val="accent4"/>
-            </a:solidFill>
-          </a:ln>
-        </p:spPr>
-        <p:style>
-          <a:lnRef idx="2">
-            <a:schemeClr val="accent1"/>
-          </a:lnRef>
-          <a:fillRef idx="1">
-            <a:schemeClr val="lt1"/>
-          </a:fillRef>
-          <a:effectRef idx="0">
-            <a:schemeClr val="accent1"/>
-          </a:effectRef>
-          <a:fontRef idx="minor">
-            <a:schemeClr val="dk1"/>
-          </a:fontRef>
-        </p:style>
-        <p:txBody>
-          <a:bodyPr rtlCol="0" anchor="ctr"/>
-          <a:lstStyle/>
-          <a:p>
-            <a:pPr algn="ctr"/>
-            <a:endParaRPr lang="en-US"/>
-          </a:p>
-        </p:txBody>
-      </p:sp>
-      <p:sp>
-        <p:nvSpPr>
-          <p:cNvPr id="42" name="Hexagon 41">
-            <a:extLst>
-              <a:ext uri="{FF2B5EF4-FFF2-40B4-BE49-F238E27FC236}">
-                <a16:creationId xmlns:a16="http://schemas.microsoft.com/office/drawing/2014/main" id="{E8813479-60EF-43A3-12AE-915188666CB7}"/>
-              </a:ext>
-            </a:extLst>
-          </p:cNvPr>
-          <p:cNvSpPr/>
-          <p:nvPr/>
-        </p:nvSpPr>
-        <p:spPr>
-          <a:xfrm>
-            <a:off x="2594242" y="3451342"/>
-            <a:ext cx="1128489" cy="932818"/>
-          </a:xfrm>
-          <a:prstGeom prst="hexagon">
-            <a:avLst/>
-          </a:prstGeom>
-          <a:ln>
-            <a:noFill/>
-          </a:ln>
-        </p:spPr>
-        <p:style>
-          <a:lnRef idx="3">
-            <a:schemeClr val="lt1"/>
-          </a:lnRef>
-          <a:fillRef idx="1">
-            <a:schemeClr val="accent4"/>
-          </a:fillRef>
-          <a:effectRef idx="1">
-            <a:schemeClr val="accent4"/>
-          </a:effectRef>
-          <a:fontRef idx="minor">
-            <a:schemeClr val="lt1"/>
-          </a:fontRef>
-        </p:style>
-        <p:txBody>
-          <a:bodyPr rtlCol="0" anchor="ctr"/>
-          <a:lstStyle/>
-          <a:p>
-            <a:pPr algn="ctr"/>
-            <a:endParaRPr lang="en-US"/>
-          </a:p>
-        </p:txBody>
-      </p:sp>
-      <p:sp>
-        <p:nvSpPr>
-          <p:cNvPr id="43" name="TextBox 42">
-            <a:extLst>
-              <a:ext uri="{FF2B5EF4-FFF2-40B4-BE49-F238E27FC236}">
-                <a16:creationId xmlns:a16="http://schemas.microsoft.com/office/drawing/2014/main" id="{FDD0BFCB-AE80-3209-D094-F8209DF8FF6F}"/>
-              </a:ext>
-            </a:extLst>
-          </p:cNvPr>
-          <p:cNvSpPr txBox="1"/>
-          <p:nvPr/>
-        </p:nvSpPr>
-        <p:spPr>
-          <a:xfrm>
-            <a:off x="3933812" y="3549228"/>
-            <a:ext cx="2055189" cy="584775"/>
-          </a:xfrm>
-          <a:prstGeom prst="rect">
-            <a:avLst/>
-          </a:prstGeom>
-          <a:noFill/>
-        </p:spPr>
-        <p:txBody>
-          <a:bodyPr wrap="square" rtlCol="0">
-            <a:spAutoFit/>
-          </a:bodyPr>
-          <a:lstStyle/>
-          <a:p>
-            <a:r>
-              <a:rPr lang="en-US" sz="1600" dirty="0" err="1">
-                <a:latin typeface="Cooper Black" panose="0208090404030B020404" pitchFamily="18" charset="0"/>
-              </a:rPr>
-              <a:t>Akses</a:t>
-            </a:r>
-            <a:r>
-              <a:rPr lang="en-US" sz="1600" dirty="0">
-                <a:latin typeface="Cooper Black" panose="0208090404030B020404" pitchFamily="18" charset="0"/>
-              </a:rPr>
-              <a:t> Data </a:t>
-            </a:r>
-            <a:r>
-              <a:rPr lang="en-US" sz="1600" dirty="0" err="1">
-                <a:latin typeface="Cooper Black" panose="0208090404030B020404" pitchFamily="18" charset="0"/>
-              </a:rPr>
-              <a:t>Tidak</a:t>
-            </a:r>
-            <a:endParaRPr lang="en-US" sz="1600" dirty="0">
-              <a:latin typeface="Cooper Black" panose="0208090404030B020404" pitchFamily="18" charset="0"/>
-            </a:endParaRPr>
-          </a:p>
-          <a:p>
-            <a:r>
-              <a:rPr lang="en-US" sz="1600" dirty="0">
-                <a:latin typeface="Cooper Black" panose="0208090404030B020404" pitchFamily="18" charset="0"/>
-              </a:rPr>
-              <a:t>Bisa Mobile</a:t>
-            </a:r>
-          </a:p>
-        </p:txBody>
-      </p:sp>
-      <p:sp>
-        <p:nvSpPr>
-          <p:cNvPr id="44" name="Hexagon 43">
-            <a:extLst>
-              <a:ext uri="{FF2B5EF4-FFF2-40B4-BE49-F238E27FC236}">
-                <a16:creationId xmlns:a16="http://schemas.microsoft.com/office/drawing/2014/main" id="{3181869E-F32E-D3F9-F345-829B692E7450}"/>
-              </a:ext>
-            </a:extLst>
-          </p:cNvPr>
-          <p:cNvSpPr/>
-          <p:nvPr/>
-        </p:nvSpPr>
-        <p:spPr>
-          <a:xfrm>
-            <a:off x="5280584" y="1675389"/>
-            <a:ext cx="1577691" cy="1319816"/>
-          </a:xfrm>
-          <a:prstGeom prst="hexagon">
-            <a:avLst/>
-          </a:prstGeom>
-          <a:solidFill>
-            <a:schemeClr val="accent4">
-              <a:lumMod val="40000"/>
-              <a:lumOff val="60000"/>
-            </a:schemeClr>
-          </a:solidFill>
-          <a:ln/>
-        </p:spPr>
-        <p:style>
-          <a:lnRef idx="1">
-            <a:schemeClr val="accent4"/>
-          </a:lnRef>
-          <a:fillRef idx="2">
-            <a:schemeClr val="accent4"/>
-          </a:fillRef>
-          <a:effectRef idx="1">
-            <a:schemeClr val="accent4"/>
-          </a:effectRef>
-          <a:fontRef idx="minor">
-            <a:schemeClr val="dk1"/>
-          </a:fontRef>
-        </p:style>
-        <p:txBody>
-          <a:bodyPr rtlCol="0" anchor="ctr"/>
-          <a:lstStyle/>
-          <a:p>
-            <a:pPr algn="ctr"/>
-            <a:endParaRPr lang="en-US"/>
-          </a:p>
-        </p:txBody>
-      </p:sp>
-      <p:sp>
-        <p:nvSpPr>
-          <p:cNvPr id="45" name="Arrow: Pentagon 37">
-            <a:extLst>
-              <a:ext uri="{FF2B5EF4-FFF2-40B4-BE49-F238E27FC236}">
-                <a16:creationId xmlns:a16="http://schemas.microsoft.com/office/drawing/2014/main" id="{3BB8E53A-8DD5-B7C3-D735-BCEB387CA4CC}"/>
-              </a:ext>
-            </a:extLst>
-          </p:cNvPr>
-          <p:cNvSpPr/>
-          <p:nvPr/>
-        </p:nvSpPr>
-        <p:spPr>
-          <a:xfrm>
-            <a:off x="6055910" y="1728865"/>
-            <a:ext cx="2924463" cy="1163400"/>
-          </a:xfrm>
-          <a:custGeom>
-            <a:avLst/>
-            <a:gdLst>
-              <a:gd name="connsiteX0" fmla="*/ 0 w 3191882"/>
-              <a:gd name="connsiteY0" fmla="*/ 0 h 1163400"/>
-              <a:gd name="connsiteX1" fmla="*/ 2610182 w 3191882"/>
-              <a:gd name="connsiteY1" fmla="*/ 0 h 1163400"/>
-              <a:gd name="connsiteX2" fmla="*/ 3191882 w 3191882"/>
-              <a:gd name="connsiteY2" fmla="*/ 581700 h 1163400"/>
-              <a:gd name="connsiteX3" fmla="*/ 2610182 w 3191882"/>
-              <a:gd name="connsiteY3" fmla="*/ 1163400 h 1163400"/>
-              <a:gd name="connsiteX4" fmla="*/ 0 w 3191882"/>
-              <a:gd name="connsiteY4" fmla="*/ 1163400 h 1163400"/>
-              <a:gd name="connsiteX5" fmla="*/ 0 w 3191882"/>
-              <a:gd name="connsiteY5" fmla="*/ 0 h 1163400"/>
-              <a:gd name="connsiteX0" fmla="*/ 0 w 2967595"/>
-              <a:gd name="connsiteY0" fmla="*/ 0 h 1163400"/>
-              <a:gd name="connsiteX1" fmla="*/ 2610182 w 2967595"/>
-              <a:gd name="connsiteY1" fmla="*/ 0 h 1163400"/>
-              <a:gd name="connsiteX2" fmla="*/ 2967595 w 2967595"/>
-              <a:gd name="connsiteY2" fmla="*/ 555821 h 1163400"/>
-              <a:gd name="connsiteX3" fmla="*/ 2610182 w 2967595"/>
-              <a:gd name="connsiteY3" fmla="*/ 1163400 h 1163400"/>
-              <a:gd name="connsiteX4" fmla="*/ 0 w 2967595"/>
-              <a:gd name="connsiteY4" fmla="*/ 1163400 h 1163400"/>
-              <a:gd name="connsiteX5" fmla="*/ 0 w 2967595"/>
-              <a:gd name="connsiteY5" fmla="*/ 0 h 1163400"/>
-              <a:gd name="connsiteX0" fmla="*/ 0 w 2924463"/>
-              <a:gd name="connsiteY0" fmla="*/ 0 h 1163400"/>
-              <a:gd name="connsiteX1" fmla="*/ 2610182 w 2924463"/>
-              <a:gd name="connsiteY1" fmla="*/ 0 h 1163400"/>
-              <a:gd name="connsiteX2" fmla="*/ 2924463 w 2924463"/>
-              <a:gd name="connsiteY2" fmla="*/ 607579 h 1163400"/>
-              <a:gd name="connsiteX3" fmla="*/ 2610182 w 2924463"/>
-              <a:gd name="connsiteY3" fmla="*/ 1163400 h 1163400"/>
-              <a:gd name="connsiteX4" fmla="*/ 0 w 2924463"/>
-              <a:gd name="connsiteY4" fmla="*/ 1163400 h 1163400"/>
-              <a:gd name="connsiteX5" fmla="*/ 0 w 2924463"/>
-              <a:gd name="connsiteY5" fmla="*/ 0 h 1163400"/>
-            </a:gdLst>
-            <a:ahLst/>
-            <a:cxnLst>
-              <a:cxn ang="0">
-                <a:pos x="connsiteX0" y="connsiteY0"/>
-              </a:cxn>
-              <a:cxn ang="0">
-                <a:pos x="connsiteX1" y="connsiteY1"/>
-              </a:cxn>
-              <a:cxn ang="0">
-                <a:pos x="connsiteX2" y="connsiteY2"/>
-              </a:cxn>
-              <a:cxn ang="0">
-                <a:pos x="connsiteX3" y="connsiteY3"/>
-              </a:cxn>
-              <a:cxn ang="0">
-                <a:pos x="connsiteX4" y="connsiteY4"/>
-              </a:cxn>
-              <a:cxn ang="0">
-                <a:pos x="connsiteX5" y="connsiteY5"/>
-              </a:cxn>
-            </a:cxnLst>
-            <a:rect l="l" t="t" r="r" b="b"/>
-            <a:pathLst>
-              <a:path w="2924463" h="1163400">
-                <a:moveTo>
-                  <a:pt x="0" y="0"/>
-                </a:moveTo>
-                <a:lnTo>
-                  <a:pt x="2610182" y="0"/>
-                </a:lnTo>
-                <a:lnTo>
-                  <a:pt x="2924463" y="607579"/>
-                </a:lnTo>
-                <a:lnTo>
-                  <a:pt x="2610182" y="1163400"/>
-                </a:lnTo>
-                <a:lnTo>
-                  <a:pt x="0" y="1163400"/>
-                </a:lnTo>
-                <a:lnTo>
-                  <a:pt x="0" y="0"/>
-                </a:lnTo>
-                <a:close/>
-              </a:path>
-            </a:pathLst>
-          </a:custGeom>
-          <a:noFill/>
-          <a:ln>
-            <a:solidFill>
-              <a:schemeClr val="accent4"/>
-            </a:solidFill>
-          </a:ln>
-        </p:spPr>
-        <p:style>
-          <a:lnRef idx="2">
-            <a:schemeClr val="accent1"/>
-          </a:lnRef>
-          <a:fillRef idx="1">
-            <a:schemeClr val="lt1"/>
-          </a:fillRef>
-          <a:effectRef idx="0">
-            <a:schemeClr val="accent1"/>
-          </a:effectRef>
-          <a:fontRef idx="minor">
-            <a:schemeClr val="dk1"/>
-          </a:fontRef>
-        </p:style>
-        <p:txBody>
-          <a:bodyPr rtlCol="0" anchor="ctr"/>
-          <a:lstStyle/>
-          <a:p>
-            <a:pPr algn="ctr"/>
-            <a:endParaRPr lang="en-US"/>
-          </a:p>
-        </p:txBody>
-      </p:sp>
-      <p:sp>
-        <p:nvSpPr>
-          <p:cNvPr id="46" name="Hexagon 45">
-            <a:extLst>
-              <a:ext uri="{FF2B5EF4-FFF2-40B4-BE49-F238E27FC236}">
-                <a16:creationId xmlns:a16="http://schemas.microsoft.com/office/drawing/2014/main" id="{53E06C32-9077-8A16-EBBC-2EC7C3B17E3A}"/>
-              </a:ext>
-            </a:extLst>
-          </p:cNvPr>
-          <p:cNvSpPr/>
-          <p:nvPr/>
-        </p:nvSpPr>
-        <p:spPr>
-          <a:xfrm>
-            <a:off x="5491666" y="1876353"/>
-            <a:ext cx="1128489" cy="932818"/>
-          </a:xfrm>
-          <a:prstGeom prst="hexagon">
-            <a:avLst/>
-          </a:prstGeom>
-          <a:ln>
-            <a:noFill/>
-          </a:ln>
-        </p:spPr>
-        <p:style>
-          <a:lnRef idx="3">
-            <a:schemeClr val="lt1"/>
-          </a:lnRef>
-          <a:fillRef idx="1">
-            <a:schemeClr val="accent4"/>
-          </a:fillRef>
-          <a:effectRef idx="1">
-            <a:schemeClr val="accent4"/>
-          </a:effectRef>
-          <a:fontRef idx="minor">
-            <a:schemeClr val="lt1"/>
-          </a:fontRef>
-        </p:style>
-        <p:txBody>
-          <a:bodyPr rtlCol="0" anchor="ctr"/>
-          <a:lstStyle/>
-          <a:p>
-            <a:pPr algn="ctr"/>
-            <a:endParaRPr lang="en-US"/>
-          </a:p>
-        </p:txBody>
-      </p:sp>
-      <p:sp>
-        <p:nvSpPr>
-          <p:cNvPr id="47" name="TextBox 46">
-            <a:extLst>
-              <a:ext uri="{FF2B5EF4-FFF2-40B4-BE49-F238E27FC236}">
-                <a16:creationId xmlns:a16="http://schemas.microsoft.com/office/drawing/2014/main" id="{87800680-665D-4B38-6D76-DF0A06D3AD56}"/>
-              </a:ext>
-            </a:extLst>
-          </p:cNvPr>
-          <p:cNvSpPr txBox="1"/>
-          <p:nvPr/>
-        </p:nvSpPr>
-        <p:spPr>
-          <a:xfrm>
-            <a:off x="6808398" y="1973786"/>
-            <a:ext cx="2159245" cy="584775"/>
-          </a:xfrm>
-          <a:prstGeom prst="rect">
-            <a:avLst/>
-          </a:prstGeom>
-          <a:noFill/>
-        </p:spPr>
-        <p:txBody>
-          <a:bodyPr wrap="none" rtlCol="0">
-            <a:spAutoFit/>
-          </a:bodyPr>
-          <a:lstStyle/>
-          <a:p>
-            <a:r>
-              <a:rPr lang="en-US" sz="1600" dirty="0">
-                <a:latin typeface="Cooper Black" panose="0208090404030B020404" pitchFamily="18" charset="0"/>
-              </a:rPr>
-              <a:t>Update Data Masih</a:t>
-            </a:r>
-          </a:p>
-          <a:p>
-            <a:r>
-              <a:rPr lang="en-US" sz="1600" dirty="0">
-                <a:latin typeface="Cooper Black" panose="0208090404030B020404" pitchFamily="18" charset="0"/>
-              </a:rPr>
-              <a:t>Harus Manual</a:t>
-            </a:r>
-          </a:p>
-        </p:txBody>
-      </p:sp>
-      <p:sp>
-        <p:nvSpPr>
-          <p:cNvPr id="48" name="Hexagon 47">
-            <a:extLst>
-              <a:ext uri="{FF2B5EF4-FFF2-40B4-BE49-F238E27FC236}">
-                <a16:creationId xmlns:a16="http://schemas.microsoft.com/office/drawing/2014/main" id="{1F843C65-92B3-B4E9-09B0-2B7345E9FD16}"/>
-              </a:ext>
-            </a:extLst>
-          </p:cNvPr>
-          <p:cNvSpPr/>
-          <p:nvPr/>
-        </p:nvSpPr>
-        <p:spPr>
-          <a:xfrm>
-            <a:off x="7021296" y="3145092"/>
-            <a:ext cx="1577691" cy="1319816"/>
-          </a:xfrm>
-          <a:prstGeom prst="hexagon">
-            <a:avLst/>
-          </a:prstGeom>
-          <a:solidFill>
-            <a:schemeClr val="accent4">
-              <a:lumMod val="40000"/>
-              <a:lumOff val="60000"/>
-            </a:schemeClr>
-          </a:solidFill>
-          <a:ln/>
-        </p:spPr>
-        <p:style>
-          <a:lnRef idx="1">
-            <a:schemeClr val="accent4"/>
-          </a:lnRef>
-          <a:fillRef idx="2">
-            <a:schemeClr val="accent4"/>
-          </a:fillRef>
-          <a:effectRef idx="1">
-            <a:schemeClr val="accent4"/>
-          </a:effectRef>
-          <a:fontRef idx="minor">
-            <a:schemeClr val="dk1"/>
-          </a:fontRef>
-        </p:style>
-        <p:txBody>
-          <a:bodyPr rtlCol="0" anchor="ctr"/>
-          <a:lstStyle/>
-          <a:p>
-            <a:pPr algn="ctr"/>
-            <a:endParaRPr lang="en-US"/>
-          </a:p>
-        </p:txBody>
-      </p:sp>
-      <p:sp>
-        <p:nvSpPr>
-          <p:cNvPr id="49" name="Arrow: Pentagon 37">
-            <a:extLst>
-              <a:ext uri="{FF2B5EF4-FFF2-40B4-BE49-F238E27FC236}">
-                <a16:creationId xmlns:a16="http://schemas.microsoft.com/office/drawing/2014/main" id="{FFE92905-EF41-6127-4AED-AAA899D38BA3}"/>
-              </a:ext>
-            </a:extLst>
-          </p:cNvPr>
-          <p:cNvSpPr/>
-          <p:nvPr/>
-        </p:nvSpPr>
-        <p:spPr>
-          <a:xfrm>
-            <a:off x="7796622" y="3198568"/>
-            <a:ext cx="2924463" cy="1163400"/>
-          </a:xfrm>
-          <a:custGeom>
-            <a:avLst/>
-            <a:gdLst>
-              <a:gd name="connsiteX0" fmla="*/ 0 w 3191882"/>
-              <a:gd name="connsiteY0" fmla="*/ 0 h 1163400"/>
-              <a:gd name="connsiteX1" fmla="*/ 2610182 w 3191882"/>
-              <a:gd name="connsiteY1" fmla="*/ 0 h 1163400"/>
-              <a:gd name="connsiteX2" fmla="*/ 3191882 w 3191882"/>
-              <a:gd name="connsiteY2" fmla="*/ 581700 h 1163400"/>
-              <a:gd name="connsiteX3" fmla="*/ 2610182 w 3191882"/>
-              <a:gd name="connsiteY3" fmla="*/ 1163400 h 1163400"/>
-              <a:gd name="connsiteX4" fmla="*/ 0 w 3191882"/>
-              <a:gd name="connsiteY4" fmla="*/ 1163400 h 1163400"/>
-              <a:gd name="connsiteX5" fmla="*/ 0 w 3191882"/>
-              <a:gd name="connsiteY5" fmla="*/ 0 h 1163400"/>
-              <a:gd name="connsiteX0" fmla="*/ 0 w 2967595"/>
-              <a:gd name="connsiteY0" fmla="*/ 0 h 1163400"/>
-              <a:gd name="connsiteX1" fmla="*/ 2610182 w 2967595"/>
-              <a:gd name="connsiteY1" fmla="*/ 0 h 1163400"/>
-              <a:gd name="connsiteX2" fmla="*/ 2967595 w 2967595"/>
-              <a:gd name="connsiteY2" fmla="*/ 555821 h 1163400"/>
-              <a:gd name="connsiteX3" fmla="*/ 2610182 w 2967595"/>
-              <a:gd name="connsiteY3" fmla="*/ 1163400 h 1163400"/>
-              <a:gd name="connsiteX4" fmla="*/ 0 w 2967595"/>
-              <a:gd name="connsiteY4" fmla="*/ 1163400 h 1163400"/>
-              <a:gd name="connsiteX5" fmla="*/ 0 w 2967595"/>
-              <a:gd name="connsiteY5" fmla="*/ 0 h 1163400"/>
-              <a:gd name="connsiteX0" fmla="*/ 0 w 2924463"/>
-              <a:gd name="connsiteY0" fmla="*/ 0 h 1163400"/>
-              <a:gd name="connsiteX1" fmla="*/ 2610182 w 2924463"/>
-              <a:gd name="connsiteY1" fmla="*/ 0 h 1163400"/>
-              <a:gd name="connsiteX2" fmla="*/ 2924463 w 2924463"/>
-              <a:gd name="connsiteY2" fmla="*/ 607579 h 1163400"/>
-              <a:gd name="connsiteX3" fmla="*/ 2610182 w 2924463"/>
-              <a:gd name="connsiteY3" fmla="*/ 1163400 h 1163400"/>
-              <a:gd name="connsiteX4" fmla="*/ 0 w 2924463"/>
-              <a:gd name="connsiteY4" fmla="*/ 1163400 h 1163400"/>
-              <a:gd name="connsiteX5" fmla="*/ 0 w 2924463"/>
-              <a:gd name="connsiteY5" fmla="*/ 0 h 1163400"/>
-            </a:gdLst>
-            <a:ahLst/>
-            <a:cxnLst>
-              <a:cxn ang="0">
-                <a:pos x="connsiteX0" y="connsiteY0"/>
-              </a:cxn>
-              <a:cxn ang="0">
-                <a:pos x="connsiteX1" y="connsiteY1"/>
-              </a:cxn>
-              <a:cxn ang="0">
-                <a:pos x="connsiteX2" y="connsiteY2"/>
-              </a:cxn>
-              <a:cxn ang="0">
-                <a:pos x="connsiteX3" y="connsiteY3"/>
-              </a:cxn>
-              <a:cxn ang="0">
-                <a:pos x="connsiteX4" y="connsiteY4"/>
-              </a:cxn>
-              <a:cxn ang="0">
-                <a:pos x="connsiteX5" y="connsiteY5"/>
-              </a:cxn>
-            </a:cxnLst>
-            <a:rect l="l" t="t" r="r" b="b"/>
-            <a:pathLst>
-              <a:path w="2924463" h="1163400">
-                <a:moveTo>
-                  <a:pt x="0" y="0"/>
-                </a:moveTo>
-                <a:lnTo>
-                  <a:pt x="2610182" y="0"/>
-                </a:lnTo>
-                <a:lnTo>
-                  <a:pt x="2924463" y="607579"/>
-                </a:lnTo>
-                <a:lnTo>
-                  <a:pt x="2610182" y="1163400"/>
-                </a:lnTo>
-                <a:lnTo>
-                  <a:pt x="0" y="1163400"/>
-                </a:lnTo>
-                <a:lnTo>
-                  <a:pt x="0" y="0"/>
-                </a:lnTo>
-                <a:close/>
-              </a:path>
-            </a:pathLst>
-          </a:custGeom>
-          <a:noFill/>
-          <a:ln>
-            <a:solidFill>
-              <a:schemeClr val="accent4"/>
-            </a:solidFill>
-          </a:ln>
-        </p:spPr>
-        <p:style>
-          <a:lnRef idx="2">
-            <a:schemeClr val="accent1"/>
-          </a:lnRef>
-          <a:fillRef idx="1">
-            <a:schemeClr val="lt1"/>
-          </a:fillRef>
-          <a:effectRef idx="0">
-            <a:schemeClr val="accent1"/>
-          </a:effectRef>
-          <a:fontRef idx="minor">
-            <a:schemeClr val="dk1"/>
-          </a:fontRef>
-        </p:style>
-        <p:txBody>
-          <a:bodyPr rtlCol="0" anchor="ctr"/>
-          <a:lstStyle/>
-          <a:p>
-            <a:pPr algn="ctr"/>
-            <a:endParaRPr lang="en-US"/>
-          </a:p>
-        </p:txBody>
-      </p:sp>
-      <p:sp>
-        <p:nvSpPr>
-          <p:cNvPr id="50" name="Hexagon 49">
-            <a:extLst>
-              <a:ext uri="{FF2B5EF4-FFF2-40B4-BE49-F238E27FC236}">
-                <a16:creationId xmlns:a16="http://schemas.microsoft.com/office/drawing/2014/main" id="{D873F262-68A9-8943-B300-86A0DD9F2FF0}"/>
-              </a:ext>
-            </a:extLst>
-          </p:cNvPr>
-          <p:cNvSpPr/>
-          <p:nvPr/>
-        </p:nvSpPr>
-        <p:spPr>
-          <a:xfrm>
-            <a:off x="7232378" y="3346056"/>
-            <a:ext cx="1128489" cy="932818"/>
-          </a:xfrm>
-          <a:prstGeom prst="hexagon">
-            <a:avLst/>
-          </a:prstGeom>
-          <a:ln>
-            <a:noFill/>
-          </a:ln>
-        </p:spPr>
-        <p:style>
-          <a:lnRef idx="3">
-            <a:schemeClr val="lt1"/>
-          </a:lnRef>
-          <a:fillRef idx="1">
-            <a:schemeClr val="accent4"/>
-          </a:fillRef>
-          <a:effectRef idx="1">
-            <a:schemeClr val="accent4"/>
-          </a:effectRef>
-          <a:fontRef idx="minor">
-            <a:schemeClr val="lt1"/>
-          </a:fontRef>
-        </p:style>
-        <p:txBody>
-          <a:bodyPr rtlCol="0" anchor="ctr"/>
-          <a:lstStyle/>
-          <a:p>
-            <a:pPr algn="ctr"/>
-            <a:endParaRPr lang="en-US"/>
-          </a:p>
-        </p:txBody>
-      </p:sp>
-      <p:sp>
-        <p:nvSpPr>
-          <p:cNvPr id="51" name="TextBox 50">
-            <a:extLst>
-              <a:ext uri="{FF2B5EF4-FFF2-40B4-BE49-F238E27FC236}">
-                <a16:creationId xmlns:a16="http://schemas.microsoft.com/office/drawing/2014/main" id="{06C43565-3E51-A8F7-FD17-0D1E3A5E4D6F}"/>
-              </a:ext>
-            </a:extLst>
-          </p:cNvPr>
-          <p:cNvSpPr txBox="1"/>
-          <p:nvPr/>
-        </p:nvSpPr>
-        <p:spPr>
-          <a:xfrm>
-            <a:off x="8571949" y="3443942"/>
-            <a:ext cx="1902509" cy="584775"/>
-          </a:xfrm>
-          <a:prstGeom prst="rect">
-            <a:avLst/>
-          </a:prstGeom>
-          <a:noFill/>
-        </p:spPr>
-        <p:txBody>
-          <a:bodyPr wrap="none" rtlCol="0">
-            <a:spAutoFit/>
-          </a:bodyPr>
-          <a:lstStyle/>
-          <a:p>
-            <a:r>
-              <a:rPr lang="en-US" sz="1600" dirty="0">
-                <a:latin typeface="Cooper Black" panose="0208090404030B020404" pitchFamily="18" charset="0"/>
-              </a:rPr>
-              <a:t>Data Excel Bisa </a:t>
-            </a:r>
-          </a:p>
-          <a:p>
-            <a:r>
-              <a:rPr lang="en-US" sz="1600" dirty="0">
-                <a:latin typeface="Cooper Black" panose="0208090404030B020404" pitchFamily="18" charset="0"/>
-              </a:rPr>
-              <a:t>Corrupt / </a:t>
-            </a:r>
-            <a:r>
-              <a:rPr lang="en-US" sz="1600" dirty="0" err="1">
-                <a:latin typeface="Cooper Black" panose="0208090404030B020404" pitchFamily="18" charset="0"/>
-              </a:rPr>
-              <a:t>Rusak</a:t>
-            </a:r>
-            <a:endParaRPr lang="en-US" sz="1600" dirty="0">
-              <a:latin typeface="Cooper Black" panose="0208090404030B020404" pitchFamily="18" charset="0"/>
-            </a:endParaRPr>
-          </a:p>
-        </p:txBody>
-      </p:sp>
-      <p:sp>
-        <p:nvSpPr>
-          <p:cNvPr id="52" name="TextBox 51">
-            <a:extLst>
-              <a:ext uri="{FF2B5EF4-FFF2-40B4-BE49-F238E27FC236}">
-                <a16:creationId xmlns:a16="http://schemas.microsoft.com/office/drawing/2014/main" id="{AFCFF196-EACD-B005-A950-58242F0904B4}"/>
-              </a:ext>
-            </a:extLst>
-          </p:cNvPr>
-          <p:cNvSpPr txBox="1"/>
-          <p:nvPr/>
-        </p:nvSpPr>
-        <p:spPr>
-          <a:xfrm>
-            <a:off x="1393179" y="2158904"/>
-            <a:ext cx="402269" cy="523220"/>
-          </a:xfrm>
-          <a:prstGeom prst="rect">
-            <a:avLst/>
-          </a:prstGeom>
-          <a:noFill/>
-        </p:spPr>
-        <p:txBody>
-          <a:bodyPr wrap="square" rtlCol="0">
-            <a:spAutoFit/>
-          </a:bodyPr>
-          <a:lstStyle/>
-          <a:p>
-            <a:r>
-              <a:rPr lang="en-US" sz="2800" dirty="0">
-                <a:latin typeface="Cooper Black" panose="0208090404030B020404" pitchFamily="18" charset="0"/>
-              </a:rPr>
-              <a:t>1</a:t>
-            </a:r>
-          </a:p>
-        </p:txBody>
-      </p:sp>
-      <p:sp>
-        <p:nvSpPr>
-          <p:cNvPr id="53" name="TextBox 52">
-            <a:extLst>
-              <a:ext uri="{FF2B5EF4-FFF2-40B4-BE49-F238E27FC236}">
-                <a16:creationId xmlns:a16="http://schemas.microsoft.com/office/drawing/2014/main" id="{5B62F357-CCDE-EBE8-D989-80FE7AB2FD8C}"/>
-              </a:ext>
-            </a:extLst>
-          </p:cNvPr>
-          <p:cNvSpPr txBox="1"/>
-          <p:nvPr/>
-        </p:nvSpPr>
-        <p:spPr>
-          <a:xfrm>
-            <a:off x="2947404" y="3609438"/>
-            <a:ext cx="402269" cy="523220"/>
-          </a:xfrm>
-          <a:prstGeom prst="rect">
-            <a:avLst/>
-          </a:prstGeom>
-          <a:noFill/>
-        </p:spPr>
-        <p:txBody>
-          <a:bodyPr wrap="square" rtlCol="0">
-            <a:spAutoFit/>
-          </a:bodyPr>
-          <a:lstStyle/>
-          <a:p>
-            <a:r>
-              <a:rPr lang="en-US" sz="2800" dirty="0">
-                <a:latin typeface="Cooper Black" panose="0208090404030B020404" pitchFamily="18" charset="0"/>
-              </a:rPr>
-              <a:t>2</a:t>
-            </a:r>
-          </a:p>
-        </p:txBody>
-      </p:sp>
-      <p:sp>
-        <p:nvSpPr>
-          <p:cNvPr id="54" name="TextBox 53">
-            <a:extLst>
-              <a:ext uri="{FF2B5EF4-FFF2-40B4-BE49-F238E27FC236}">
-                <a16:creationId xmlns:a16="http://schemas.microsoft.com/office/drawing/2014/main" id="{9BF26357-23C7-F0E6-BC0E-3BFFA1A61E67}"/>
-              </a:ext>
-            </a:extLst>
-          </p:cNvPr>
-          <p:cNvSpPr txBox="1"/>
-          <p:nvPr/>
-        </p:nvSpPr>
-        <p:spPr>
-          <a:xfrm>
-            <a:off x="5867667" y="2021990"/>
-            <a:ext cx="402269" cy="523220"/>
-          </a:xfrm>
-          <a:prstGeom prst="rect">
-            <a:avLst/>
-          </a:prstGeom>
-          <a:noFill/>
-        </p:spPr>
-        <p:txBody>
-          <a:bodyPr wrap="square" rtlCol="0">
-            <a:spAutoFit/>
-          </a:bodyPr>
-          <a:lstStyle/>
-          <a:p>
-            <a:r>
-              <a:rPr lang="en-US" sz="2800" dirty="0">
-                <a:latin typeface="Cooper Black" panose="0208090404030B020404" pitchFamily="18" charset="0"/>
-              </a:rPr>
-              <a:t>3</a:t>
-            </a:r>
-          </a:p>
-        </p:txBody>
-      </p:sp>
-      <p:sp>
-        <p:nvSpPr>
-          <p:cNvPr id="55" name="TextBox 54">
-            <a:extLst>
-              <a:ext uri="{FF2B5EF4-FFF2-40B4-BE49-F238E27FC236}">
-                <a16:creationId xmlns:a16="http://schemas.microsoft.com/office/drawing/2014/main" id="{F38D73C8-AE07-0BFC-6FE0-29CA7F8702DB}"/>
-              </a:ext>
-            </a:extLst>
-          </p:cNvPr>
-          <p:cNvSpPr txBox="1"/>
-          <p:nvPr/>
-        </p:nvSpPr>
-        <p:spPr>
-          <a:xfrm>
-            <a:off x="7609006" y="3518658"/>
-            <a:ext cx="402269" cy="523220"/>
-          </a:xfrm>
-          <a:prstGeom prst="rect">
-            <a:avLst/>
-          </a:prstGeom>
-          <a:noFill/>
-        </p:spPr>
-        <p:txBody>
-          <a:bodyPr wrap="square" rtlCol="0">
-            <a:spAutoFit/>
-          </a:bodyPr>
-          <a:lstStyle/>
-          <a:p>
-            <a:r>
-              <a:rPr lang="en-US" sz="2800" dirty="0">
-                <a:latin typeface="Cooper Black" panose="0208090404030B020404" pitchFamily="18" charset="0"/>
-              </a:rPr>
-              <a:t>4</a:t>
-            </a:r>
-          </a:p>
-        </p:txBody>
-      </p:sp>
-    </p:spTree>
-    <p:extLst>
-      <p:ext uri="{BB962C8B-B14F-4D97-AF65-F5344CB8AC3E}">
-        <p14:creationId xmlns:p14="http://schemas.microsoft.com/office/powerpoint/2010/main" val="4270884199"/>
-      </p:ext>
-    </p:extLst>
-  </p:cSld>
-  <p:clrMapOvr>
-    <a:masterClrMapping/>
-  </p:clrMapOvr>
-</p:sld>
-</file>
-
-<file path=ppt/slides/slide7.xml><?xml version="1.0" encoding="utf-8"?>
-<p:sld xmlns:a="http://schemas.openxmlformats.org/drawingml/2006/main" xmlns:r="http://schemas.openxmlformats.org/officeDocument/2006/relationships" xmlns:p="http://schemas.openxmlformats.org/presentationml/2006/main">
-  <p:cSld>
-    <p:spTree>
-      <p:nvGrpSpPr>
-        <p:cNvPr id="1" name=""/>
-        <p:cNvGrpSpPr/>
-        <p:nvPr/>
-      </p:nvGrpSpPr>
-      <p:grpSpPr>
-        <a:xfrm>
-          <a:off x="0" y="0"/>
-          <a:ext cx="0" cy="0"/>
-          <a:chOff x="0" y="0"/>
-          <a:chExt cx="0" cy="0"/>
-        </a:xfrm>
-      </p:grpSpPr>
-      <p:pic>
-        <p:nvPicPr>
-          <p:cNvPr id="2" name="Picture 1"/>
-          <p:cNvPicPr>
-            <a:picLocks noChangeAspect="1"/>
-          </p:cNvPicPr>
-          <p:nvPr/>
-        </p:nvPicPr>
-        <p:blipFill>
-          <a:blip r:embed="rId2">
-            <a:clrChange>
-              <a:clrFrom>
-                <a:srgbClr val="FFFFFF"/>
-              </a:clrFrom>
-              <a:clrTo>
-                <a:srgbClr val="FFFFFF">
-                  <a:alpha val="0"/>
-                </a:srgbClr>
-              </a:clrTo>
-            </a:clrChange>
-          </a:blip>
-          <a:stretch>
-            <a:fillRect/>
-          </a:stretch>
-        </p:blipFill>
-        <p:spPr>
-          <a:xfrm>
-            <a:off x="-8318" y="6211926"/>
-            <a:ext cx="12167973" cy="633933"/>
-          </a:xfrm>
-          <a:prstGeom prst="rect">
-            <a:avLst/>
-          </a:prstGeom>
-        </p:spPr>
-      </p:pic>
-      <p:pic>
-        <p:nvPicPr>
-          <p:cNvPr id="5" name="Picture 4"/>
-          <p:cNvPicPr>
-            <a:picLocks noChangeAspect="1"/>
-          </p:cNvPicPr>
-          <p:nvPr/>
-        </p:nvPicPr>
-        <p:blipFill rotWithShape="1">
-          <a:blip r:embed="rId3" cstate="hqprint">
-            <a:clrChange>
-              <a:clrFrom>
-                <a:srgbClr val="FFFFFF"/>
-              </a:clrFrom>
-              <a:clrTo>
-                <a:srgbClr val="FFFFFF">
-                  <a:alpha val="0"/>
-                </a:srgbClr>
-              </a:clrTo>
-            </a:clrChange>
-            <a:extLst>
-              <a:ext uri="{28A0092B-C50C-407E-A947-70E740481C1C}">
-                <a14:useLocalDpi xmlns:a14="http://schemas.microsoft.com/office/drawing/2010/main" val="0"/>
-              </a:ext>
-            </a:extLst>
-          </a:blip>
-          <a:srcRect t="27390" b="26519"/>
-          <a:stretch/>
-        </p:blipFill>
-        <p:spPr>
-          <a:xfrm>
-            <a:off x="11028514" y="-13391"/>
-            <a:ext cx="1287237" cy="593303"/>
-          </a:xfrm>
-          <a:prstGeom prst="rect">
-            <a:avLst/>
-          </a:prstGeom>
-        </p:spPr>
-      </p:pic>
-      <p:grpSp>
-        <p:nvGrpSpPr>
-          <p:cNvPr id="25" name="Group 24">
-            <a:extLst>
-              <a:ext uri="{FF2B5EF4-FFF2-40B4-BE49-F238E27FC236}">
-                <a16:creationId xmlns:a16="http://schemas.microsoft.com/office/drawing/2014/main" id="{15D03AB1-4CC7-0344-8DE9-61A40182547F}"/>
-              </a:ext>
-            </a:extLst>
-          </p:cNvPr>
-          <p:cNvGrpSpPr/>
-          <p:nvPr/>
-        </p:nvGrpSpPr>
-        <p:grpSpPr>
-          <a:xfrm>
-            <a:off x="0" y="2574"/>
-            <a:ext cx="12176567" cy="842010"/>
-            <a:chOff x="0" y="2574"/>
-            <a:chExt cx="12176567" cy="842010"/>
-          </a:xfrm>
-        </p:grpSpPr>
-        <p:grpSp>
-          <p:nvGrpSpPr>
-            <p:cNvPr id="4" name="Group 3"/>
-            <p:cNvGrpSpPr/>
-            <p:nvPr/>
-          </p:nvGrpSpPr>
-          <p:grpSpPr>
-            <a:xfrm>
-              <a:off x="17909" y="26054"/>
-              <a:ext cx="12132779" cy="802565"/>
-              <a:chOff x="62590" y="-17638"/>
-              <a:chExt cx="18214879" cy="1605315"/>
-            </a:xfrm>
-          </p:grpSpPr>
-          <p:sp>
-            <p:nvSpPr>
-              <p:cNvPr id="6" name="矩形 1"/>
-              <p:cNvSpPr/>
-              <p:nvPr/>
-            </p:nvSpPr>
-            <p:spPr>
-              <a:xfrm>
-                <a:off x="2489128" y="380822"/>
-                <a:ext cx="15788341" cy="518534"/>
-              </a:xfrm>
-              <a:prstGeom prst="rect">
-                <a:avLst/>
-              </a:prstGeom>
-              <a:gradFill flip="none" rotWithShape="1">
-                <a:gsLst>
-                  <a:gs pos="0">
-                    <a:srgbClr val="E53B51">
-                      <a:tint val="66000"/>
-                      <a:satMod val="160000"/>
-                    </a:srgbClr>
-                  </a:gs>
-                  <a:gs pos="50000">
-                    <a:srgbClr val="E53B51">
-                      <a:tint val="44500"/>
-                      <a:satMod val="160000"/>
-                    </a:srgbClr>
-                  </a:gs>
-                  <a:gs pos="100000">
-                    <a:schemeClr val="bg1"/>
-                  </a:gs>
-                </a:gsLst>
-                <a:lin ang="0" scaled="1"/>
-                <a:tileRect/>
-              </a:gradFill>
-              <a:ln>
-                <a:noFill/>
-              </a:ln>
-            </p:spPr>
-            <p:style>
-              <a:lnRef idx="2">
-                <a:schemeClr val="accent1">
-                  <a:shade val="50000"/>
-                </a:schemeClr>
-              </a:lnRef>
-              <a:fillRef idx="1">
-                <a:schemeClr val="accent1"/>
-              </a:fillRef>
-              <a:effectRef idx="0">
-                <a:schemeClr val="accent1"/>
-              </a:effectRef>
-              <a:fontRef idx="minor">
-                <a:schemeClr val="lt1"/>
-              </a:fontRef>
-            </p:style>
-            <p:txBody>
-              <a:bodyPr lIns="45711" tIns="22856" rIns="45711" bIns="22856" rtlCol="0" anchor="ctr"/>
-              <a:lstStyle/>
-              <a:p>
-                <a:pPr marL="0" marR="0" lvl="0" indent="0" algn="l" defTabSz="914400" rtl="0" eaLnBrk="1" fontAlgn="auto" latinLnBrk="0" hangingPunct="1">
-                  <a:lnSpc>
-                    <a:spcPct val="100000"/>
-                  </a:lnSpc>
-                  <a:spcBef>
-                    <a:spcPts val="0"/>
-                  </a:spcBef>
-                  <a:spcAft>
-                    <a:spcPts val="0"/>
-                  </a:spcAft>
-                  <a:buClrTx/>
-                  <a:buSzTx/>
-                  <a:buFontTx/>
-                  <a:buNone/>
-                  <a:tabLst/>
-                  <a:defRPr/>
-                </a:pPr>
-                <a:endParaRPr kumimoji="0" lang="zh-CN" altLang="en-US" sz="550" b="1" i="0" u="none" strike="noStrike" kern="1200" cap="none" spc="0" normalizeH="0" baseline="0" noProof="0" dirty="0">
-                  <a:ln>
-                    <a:noFill/>
-                  </a:ln>
-                  <a:solidFill>
-                    <a:prstClr val="white"/>
-                  </a:solidFill>
-                  <a:effectLst/>
-                  <a:uLnTx/>
-                  <a:uFillTx/>
-                  <a:latin typeface="Calibri" panose="020F0502020204030204"/>
-                  <a:cs typeface="+mn-cs"/>
-                </a:endParaRPr>
-              </a:p>
-            </p:txBody>
-          </p:sp>
-          <p:sp>
-            <p:nvSpPr>
-              <p:cNvPr id="7" name="矩形 1"/>
-              <p:cNvSpPr/>
-              <p:nvPr/>
-            </p:nvSpPr>
-            <p:spPr>
-              <a:xfrm>
-                <a:off x="194714" y="274466"/>
-                <a:ext cx="6183250" cy="727500"/>
-              </a:xfrm>
-              <a:prstGeom prst="rect">
-                <a:avLst/>
-              </a:prstGeom>
-              <a:solidFill>
-                <a:srgbClr val="E53B51"/>
-              </a:solidFill>
-              <a:ln>
-                <a:noFill/>
-              </a:ln>
-            </p:spPr>
-            <p:style>
-              <a:lnRef idx="2">
-                <a:schemeClr val="accent1">
-                  <a:shade val="50000"/>
-                </a:schemeClr>
-              </a:lnRef>
-              <a:fillRef idx="1">
-                <a:schemeClr val="accent1"/>
-              </a:fillRef>
-              <a:effectRef idx="0">
-                <a:schemeClr val="accent1"/>
-              </a:effectRef>
-              <a:fontRef idx="minor">
-                <a:schemeClr val="lt1"/>
-              </a:fontRef>
-            </p:style>
-            <p:txBody>
-              <a:bodyPr lIns="45711" tIns="22856" rIns="45711" bIns="22856" rtlCol="0" anchor="ctr"/>
-              <a:lstStyle/>
-              <a:p>
-                <a:pPr marL="0" marR="0" lvl="0" indent="0" algn="l" defTabSz="914400" rtl="0" eaLnBrk="1" fontAlgn="auto" latinLnBrk="0" hangingPunct="1">
-                  <a:lnSpc>
-                    <a:spcPct val="100000"/>
-                  </a:lnSpc>
-                  <a:spcBef>
-                    <a:spcPts val="0"/>
-                  </a:spcBef>
-                  <a:spcAft>
-                    <a:spcPts val="0"/>
-                  </a:spcAft>
-                  <a:buClrTx/>
-                  <a:buSzTx/>
-                  <a:buFontTx/>
-                  <a:buNone/>
-                  <a:tabLst/>
-                  <a:defRPr/>
-                </a:pPr>
-                <a:endParaRPr kumimoji="0" lang="zh-CN" altLang="en-US" sz="550" b="1" i="0" u="none" strike="noStrike" kern="1200" cap="none" spc="0" normalizeH="0" baseline="0" noProof="0" dirty="0">
-                  <a:ln>
-                    <a:noFill/>
-                  </a:ln>
-                  <a:solidFill>
-                    <a:prstClr val="white"/>
-                  </a:solidFill>
-                  <a:effectLst/>
-                  <a:uLnTx/>
-                  <a:uFillTx/>
-                  <a:latin typeface="Calibri" panose="020F0502020204030204"/>
-                  <a:cs typeface="+mn-cs"/>
-                </a:endParaRPr>
-              </a:p>
-            </p:txBody>
-          </p:sp>
-          <p:pic>
-            <p:nvPicPr>
-              <p:cNvPr id="9" name="Picture 8"/>
-              <p:cNvPicPr>
-                <a:picLocks noChangeAspect="1"/>
-              </p:cNvPicPr>
-              <p:nvPr/>
-            </p:nvPicPr>
-            <p:blipFill>
-              <a:blip r:embed="rId4" r:link="rId5" cstate="print">
-                <a:extLst>
-                  <a:ext uri="{28A0092B-C50C-407E-A947-70E740481C1C}">
-                    <a14:useLocalDpi xmlns:a14="http://schemas.microsoft.com/office/drawing/2010/main" val="0"/>
-                  </a:ext>
-                </a:extLst>
-              </a:blip>
-              <a:stretch>
-                <a:fillRect/>
-              </a:stretch>
-            </p:blipFill>
-            <p:spPr>
-              <a:xfrm>
-                <a:off x="62590" y="-17638"/>
-                <a:ext cx="1198054" cy="1605315"/>
-              </a:xfrm>
-              <a:prstGeom prst="rect">
-                <a:avLst/>
-              </a:prstGeom>
-            </p:spPr>
-          </p:pic>
-        </p:grpSp>
-        <p:sp>
-          <p:nvSpPr>
-            <p:cNvPr id="10" name="Rectangle 9">
-              <a:extLst>
-                <a:ext uri="{FF2B5EF4-FFF2-40B4-BE49-F238E27FC236}">
-                  <a16:creationId xmlns:a16="http://schemas.microsoft.com/office/drawing/2014/main" id="{7300FC05-35DD-E4B4-8C62-BB9D9A191B9A}"/>
-                </a:ext>
-              </a:extLst>
-            </p:cNvPr>
-            <p:cNvSpPr/>
-            <p:nvPr/>
-          </p:nvSpPr>
-          <p:spPr>
-            <a:xfrm>
-              <a:off x="805469" y="179428"/>
-              <a:ext cx="3419054" cy="363708"/>
-            </a:xfrm>
-            <a:prstGeom prst="rect">
-              <a:avLst/>
-            </a:prstGeom>
-            <a:noFill/>
-            <a:ln>
-              <a:noFill/>
-            </a:ln>
-          </p:spPr>
-          <p:style>
-            <a:lnRef idx="2">
-              <a:schemeClr val="accent1">
-                <a:shade val="15000"/>
-              </a:schemeClr>
-            </a:lnRef>
-            <a:fillRef idx="1">
-              <a:schemeClr val="accent1"/>
-            </a:fillRef>
-            <a:effectRef idx="0">
-              <a:schemeClr val="accent1"/>
-            </a:effectRef>
-            <a:fontRef idx="minor">
-              <a:schemeClr val="lt1"/>
-            </a:fontRef>
-          </p:style>
-          <p:txBody>
-            <a:bodyPr rtlCol="0" anchor="ctr"/>
-            <a:lstStyle/>
-            <a:p>
-              <a:pPr algn="ctr"/>
-              <a:endParaRPr lang="en-US"/>
-            </a:p>
-          </p:txBody>
-        </p:sp>
-        <p:sp>
-          <p:nvSpPr>
-            <p:cNvPr id="16" name="Rectangle 15">
-              <a:extLst>
-                <a:ext uri="{FF2B5EF4-FFF2-40B4-BE49-F238E27FC236}">
-                  <a16:creationId xmlns:a16="http://schemas.microsoft.com/office/drawing/2014/main" id="{30A295C0-3BA1-D408-5358-8E0DFA83A3B0}"/>
-                </a:ext>
-              </a:extLst>
-            </p:cNvPr>
-            <p:cNvSpPr/>
-            <p:nvPr/>
-          </p:nvSpPr>
-          <p:spPr>
-            <a:xfrm>
-              <a:off x="0" y="2574"/>
-              <a:ext cx="815919" cy="842010"/>
-            </a:xfrm>
-            <a:prstGeom prst="rect">
-              <a:avLst/>
-            </a:prstGeom>
-            <a:solidFill>
-              <a:schemeClr val="bg1"/>
-            </a:solidFill>
-            <a:ln>
-              <a:noFill/>
-            </a:ln>
-          </p:spPr>
-          <p:style>
-            <a:lnRef idx="2">
-              <a:schemeClr val="accent1">
-                <a:shade val="15000"/>
-              </a:schemeClr>
-            </a:lnRef>
-            <a:fillRef idx="1">
-              <a:schemeClr val="accent1"/>
-            </a:fillRef>
-            <a:effectRef idx="0">
-              <a:schemeClr val="accent1"/>
-            </a:effectRef>
-            <a:fontRef idx="minor">
-              <a:schemeClr val="lt1"/>
-            </a:fontRef>
-          </p:style>
-          <p:txBody>
-            <a:bodyPr rtlCol="0" anchor="ctr"/>
-            <a:lstStyle/>
-            <a:p>
-              <a:pPr algn="ctr"/>
-              <a:endParaRPr lang="en-US"/>
-            </a:p>
-          </p:txBody>
-        </p:sp>
-        <p:pic>
-          <p:nvPicPr>
-            <p:cNvPr id="13" name="Picture 12">
-              <a:extLst>
-                <a:ext uri="{FF2B5EF4-FFF2-40B4-BE49-F238E27FC236}">
-                  <a16:creationId xmlns:a16="http://schemas.microsoft.com/office/drawing/2014/main" id="{80D2705A-917F-E67E-7AF5-CF5B0A284FD0}"/>
-                </a:ext>
-              </a:extLst>
-            </p:cNvPr>
-            <p:cNvPicPr>
-              <a:picLocks noChangeAspect="1"/>
-            </p:cNvPicPr>
-            <p:nvPr/>
-          </p:nvPicPr>
-          <p:blipFill>
-            <a:blip r:embed="rId6"/>
-            <a:stretch>
-              <a:fillRect/>
-            </a:stretch>
-          </p:blipFill>
-          <p:spPr>
-            <a:xfrm>
-              <a:off x="0" y="5422"/>
-              <a:ext cx="1952825" cy="704792"/>
-            </a:xfrm>
-            <a:prstGeom prst="rect">
-              <a:avLst/>
-            </a:prstGeom>
-          </p:spPr>
-        </p:pic>
-        <p:sp>
-          <p:nvSpPr>
-            <p:cNvPr id="18" name="Rectangle 17">
-              <a:extLst>
-                <a:ext uri="{FF2B5EF4-FFF2-40B4-BE49-F238E27FC236}">
-                  <a16:creationId xmlns:a16="http://schemas.microsoft.com/office/drawing/2014/main" id="{2F048E21-FBBC-2A19-2A0C-5A9F8D72A823}"/>
-                </a:ext>
-              </a:extLst>
-            </p:cNvPr>
-            <p:cNvSpPr/>
-            <p:nvPr/>
-          </p:nvSpPr>
-          <p:spPr>
-            <a:xfrm>
-              <a:off x="11102197" y="3861"/>
-              <a:ext cx="1074370" cy="809904"/>
-            </a:xfrm>
-            <a:prstGeom prst="rect">
-              <a:avLst/>
-            </a:prstGeom>
-            <a:solidFill>
-              <a:schemeClr val="bg1"/>
-            </a:solidFill>
-            <a:ln>
-              <a:noFill/>
-            </a:ln>
-          </p:spPr>
-          <p:style>
-            <a:lnRef idx="2">
-              <a:schemeClr val="accent1">
-                <a:shade val="15000"/>
-              </a:schemeClr>
-            </a:lnRef>
-            <a:fillRef idx="1">
-              <a:schemeClr val="accent1"/>
-            </a:fillRef>
-            <a:effectRef idx="0">
-              <a:schemeClr val="accent1"/>
-            </a:effectRef>
-            <a:fontRef idx="minor">
-              <a:schemeClr val="lt1"/>
-            </a:fontRef>
-          </p:style>
-          <p:txBody>
-            <a:bodyPr rtlCol="0" anchor="ctr"/>
-            <a:lstStyle/>
-            <a:p>
-              <a:pPr algn="ctr"/>
-              <a:endParaRPr lang="en-US"/>
-            </a:p>
-          </p:txBody>
-        </p:sp>
-        <p:sp>
-          <p:nvSpPr>
-            <p:cNvPr id="19" name="文本框 34">
-              <a:extLst>
-                <a:ext uri="{FF2B5EF4-FFF2-40B4-BE49-F238E27FC236}">
-                  <a16:creationId xmlns:a16="http://schemas.microsoft.com/office/drawing/2014/main" id="{A955F031-DB45-18E0-14C4-E46B88DA58DD}"/>
-                </a:ext>
-              </a:extLst>
-            </p:cNvPr>
-            <p:cNvSpPr txBox="1"/>
-            <p:nvPr/>
-          </p:nvSpPr>
-          <p:spPr>
-            <a:xfrm>
-              <a:off x="2085693" y="198440"/>
-              <a:ext cx="3799684" cy="261602"/>
-            </a:xfrm>
-            <a:prstGeom prst="rect">
-              <a:avLst/>
-            </a:prstGeom>
-            <a:noFill/>
-          </p:spPr>
-          <p:txBody>
-            <a:bodyPr wrap="square" lIns="45711" tIns="22856" rIns="45711" bIns="22856" rtlCol="0">
-              <a:spAutoFit/>
-            </a:bodyPr>
-            <a:lstStyle/>
-            <a:p>
-              <a:pPr>
-                <a:defRPr/>
-              </a:pPr>
-              <a:r>
-                <a:rPr lang="en-US" altLang="ko-KR" sz="1400" b="1" dirty="0">
-                  <a:solidFill>
-                    <a:schemeClr val="bg1"/>
-                  </a:solidFill>
-                </a:rPr>
-                <a:t>KELEMAHAN SYSTEM</a:t>
-              </a:r>
-            </a:p>
-          </p:txBody>
-        </p:sp>
-      </p:grpSp>
-      <p:pic>
-        <p:nvPicPr>
-          <p:cNvPr id="15" name="Picture 14">
-            <a:extLst>
-              <a:ext uri="{FF2B5EF4-FFF2-40B4-BE49-F238E27FC236}">
-                <a16:creationId xmlns:a16="http://schemas.microsoft.com/office/drawing/2014/main" id="{D3EF27DB-BC91-D5EB-7065-61BD983E569D}"/>
-              </a:ext>
-            </a:extLst>
-          </p:cNvPr>
-          <p:cNvPicPr>
-            <a:picLocks noChangeAspect="1"/>
-          </p:cNvPicPr>
-          <p:nvPr/>
-        </p:nvPicPr>
-        <p:blipFill>
-          <a:blip r:embed="rId7">
-            <a:extLst>
-              <a:ext uri="{28A0092B-C50C-407E-A947-70E740481C1C}">
-                <a14:useLocalDpi xmlns:a14="http://schemas.microsoft.com/office/drawing/2010/main" val="0"/>
-              </a:ext>
-            </a:extLst>
-          </a:blip>
-          <a:stretch>
-            <a:fillRect/>
-          </a:stretch>
-        </p:blipFill>
-        <p:spPr>
-          <a:xfrm>
-            <a:off x="10168427" y="-56621"/>
-            <a:ext cx="2112820" cy="782526"/>
-          </a:xfrm>
-          <a:prstGeom prst="rect">
-            <a:avLst/>
-          </a:prstGeom>
-        </p:spPr>
-      </p:pic>
       <p:pic>
         <p:nvPicPr>
           <p:cNvPr id="17" name="Picture 16">
@@ -14330,7 +14179,7 @@
 </p:sld>
 </file>
 
-<file path=ppt/slides/slide8.xml><?xml version="1.0" encoding="utf-8"?>
+<file path=ppt/slides/slide7.xml><?xml version="1.0" encoding="utf-8"?>
 <p:sld xmlns:a="http://schemas.openxmlformats.org/drawingml/2006/main" xmlns:r="http://schemas.openxmlformats.org/officeDocument/2006/relationships" xmlns:p="http://schemas.openxmlformats.org/presentationml/2006/main">
   <p:cSld>
     <p:spTree>
@@ -15067,7 +14916,7 @@
 </p:sld>
 </file>
 
-<file path=ppt/slides/slide9.xml><?xml version="1.0" encoding="utf-8"?>
+<file path=ppt/slides/slide8.xml><?xml version="1.0" encoding="utf-8"?>
 <p:sld xmlns:a="http://schemas.openxmlformats.org/drawingml/2006/main" xmlns:r="http://schemas.openxmlformats.org/officeDocument/2006/relationships" xmlns:p="http://schemas.openxmlformats.org/presentationml/2006/main">
   <p:cSld>
     <p:spTree>
@@ -15111,8 +14960,8 @@
         </p:blipFill>
         <p:spPr>
           <a:xfrm>
-            <a:off x="308" y="6250592"/>
-            <a:ext cx="12167973" cy="586641"/>
+            <a:off x="308" y="6202392"/>
+            <a:ext cx="12167973" cy="634841"/>
           </a:xfrm>
           <a:prstGeom prst="rect">
             <a:avLst/>
@@ -15667,7 +15516,7 @@
         <p:spPr>
           <a:xfrm>
             <a:off x="267419" y="1567051"/>
-            <a:ext cx="6159260" cy="1200329"/>
+            <a:ext cx="4425351" cy="1754326"/>
           </a:xfrm>
           <a:prstGeom prst="rect">
             <a:avLst/>
@@ -15862,7 +15711,7 @@
         <p:spPr>
           <a:xfrm>
             <a:off x="267419" y="1124451"/>
-            <a:ext cx="6159260" cy="369332"/>
+            <a:ext cx="3957104" cy="369332"/>
           </a:xfrm>
           <a:prstGeom prst="rect">
             <a:avLst/>
@@ -15894,10 +15743,2001 @@
           </a:p>
         </p:txBody>
       </p:sp>
+      <p:pic>
+        <p:nvPicPr>
+          <p:cNvPr id="29" name="Picture 28">
+            <a:extLst>
+              <a:ext uri="{FF2B5EF4-FFF2-40B4-BE49-F238E27FC236}">
+                <a16:creationId xmlns:a16="http://schemas.microsoft.com/office/drawing/2014/main" id="{7A4A3BCA-B42D-BE43-03B2-B5D844499111}"/>
+              </a:ext>
+            </a:extLst>
+          </p:cNvPr>
+          <p:cNvPicPr>
+            <a:picLocks noChangeAspect="1"/>
+          </p:cNvPicPr>
+          <p:nvPr/>
+        </p:nvPicPr>
+        <p:blipFill>
+          <a:blip r:embed="rId8">
+            <a:extLst>
+              <a:ext uri="{28A0092B-C50C-407E-A947-70E740481C1C}">
+                <a14:useLocalDpi xmlns:a14="http://schemas.microsoft.com/office/drawing/2010/main" val="0"/>
+              </a:ext>
+            </a:extLst>
+          </a:blip>
+          <a:stretch>
+            <a:fillRect/>
+          </a:stretch>
+        </p:blipFill>
+        <p:spPr>
+          <a:xfrm>
+            <a:off x="4723883" y="987720"/>
+            <a:ext cx="1976846" cy="4012633"/>
+          </a:xfrm>
+          <a:prstGeom prst="rect">
+            <a:avLst/>
+          </a:prstGeom>
+        </p:spPr>
+      </p:pic>
+      <p:pic>
+        <p:nvPicPr>
+          <p:cNvPr id="33" name="Picture 32">
+            <a:extLst>
+              <a:ext uri="{FF2B5EF4-FFF2-40B4-BE49-F238E27FC236}">
+                <a16:creationId xmlns:a16="http://schemas.microsoft.com/office/drawing/2014/main" id="{DC38094D-8AB3-94FF-C90D-56680F80CE17}"/>
+              </a:ext>
+            </a:extLst>
+          </p:cNvPr>
+          <p:cNvPicPr>
+            <a:picLocks noChangeAspect="1"/>
+          </p:cNvPicPr>
+          <p:nvPr/>
+        </p:nvPicPr>
+        <p:blipFill>
+          <a:blip r:embed="rId9">
+            <a:extLst>
+              <a:ext uri="{28A0092B-C50C-407E-A947-70E740481C1C}">
+                <a14:useLocalDpi xmlns:a14="http://schemas.microsoft.com/office/drawing/2010/main" val="0"/>
+              </a:ext>
+            </a:extLst>
+          </a:blip>
+          <a:stretch>
+            <a:fillRect/>
+          </a:stretch>
+        </p:blipFill>
+        <p:spPr>
+          <a:xfrm>
+            <a:off x="6836757" y="1467206"/>
+            <a:ext cx="5313931" cy="3053659"/>
+          </a:xfrm>
+          <a:prstGeom prst="rect">
+            <a:avLst/>
+          </a:prstGeom>
+        </p:spPr>
+      </p:pic>
     </p:spTree>
     <p:extLst>
       <p:ext uri="{BB962C8B-B14F-4D97-AF65-F5344CB8AC3E}">
         <p14:creationId xmlns:p14="http://schemas.microsoft.com/office/powerpoint/2010/main" val="2345772694"/>
+      </p:ext>
+    </p:extLst>
+  </p:cSld>
+  <p:clrMapOvr>
+    <a:masterClrMapping/>
+  </p:clrMapOvr>
+</p:sld>
+</file>
+
+<file path=ppt/slides/slide9.xml><?xml version="1.0" encoding="utf-8"?>
+<p:sld xmlns:a="http://schemas.openxmlformats.org/drawingml/2006/main" xmlns:r="http://schemas.openxmlformats.org/officeDocument/2006/relationships" xmlns:p="http://schemas.openxmlformats.org/presentationml/2006/main">
+  <p:cSld>
+    <p:spTree>
+      <p:nvGrpSpPr>
+        <p:cNvPr id="1" name=""/>
+        <p:cNvGrpSpPr/>
+        <p:nvPr/>
+      </p:nvGrpSpPr>
+      <p:grpSpPr>
+        <a:xfrm>
+          <a:off x="0" y="0"/>
+          <a:ext cx="0" cy="0"/>
+          <a:chOff x="0" y="0"/>
+          <a:chExt cx="0" cy="0"/>
+        </a:xfrm>
+      </p:grpSpPr>
+      <p:pic>
+        <p:nvPicPr>
+          <p:cNvPr id="2" name="Picture 1"/>
+          <p:cNvPicPr>
+            <a:picLocks noChangeAspect="1"/>
+          </p:cNvPicPr>
+          <p:nvPr/>
+        </p:nvPicPr>
+        <p:blipFill>
+          <a:blip r:embed="rId2">
+            <a:clrChange>
+              <a:clrFrom>
+                <a:srgbClr val="FFFFFF"/>
+              </a:clrFrom>
+              <a:clrTo>
+                <a:srgbClr val="FFFFFF">
+                  <a:alpha val="0"/>
+                </a:srgbClr>
+              </a:clrTo>
+            </a:clrChange>
+          </a:blip>
+          <a:stretch>
+            <a:fillRect/>
+          </a:stretch>
+        </p:blipFill>
+        <p:spPr>
+          <a:xfrm>
+            <a:off x="-8318" y="6211926"/>
+            <a:ext cx="12167973" cy="633933"/>
+          </a:xfrm>
+          <a:prstGeom prst="rect">
+            <a:avLst/>
+          </a:prstGeom>
+        </p:spPr>
+      </p:pic>
+      <p:pic>
+        <p:nvPicPr>
+          <p:cNvPr id="5" name="Picture 4"/>
+          <p:cNvPicPr>
+            <a:picLocks noChangeAspect="1"/>
+          </p:cNvPicPr>
+          <p:nvPr/>
+        </p:nvPicPr>
+        <p:blipFill rotWithShape="1">
+          <a:blip r:embed="rId3" cstate="hqprint">
+            <a:clrChange>
+              <a:clrFrom>
+                <a:srgbClr val="FFFFFF"/>
+              </a:clrFrom>
+              <a:clrTo>
+                <a:srgbClr val="FFFFFF">
+                  <a:alpha val="0"/>
+                </a:srgbClr>
+              </a:clrTo>
+            </a:clrChange>
+            <a:extLst>
+              <a:ext uri="{28A0092B-C50C-407E-A947-70E740481C1C}">
+                <a14:useLocalDpi xmlns:a14="http://schemas.microsoft.com/office/drawing/2010/main" val="0"/>
+              </a:ext>
+            </a:extLst>
+          </a:blip>
+          <a:srcRect t="27390" b="26519"/>
+          <a:stretch/>
+        </p:blipFill>
+        <p:spPr>
+          <a:xfrm>
+            <a:off x="11028514" y="-13391"/>
+            <a:ext cx="1287237" cy="593303"/>
+          </a:xfrm>
+          <a:prstGeom prst="rect">
+            <a:avLst/>
+          </a:prstGeom>
+        </p:spPr>
+      </p:pic>
+      <p:grpSp>
+        <p:nvGrpSpPr>
+          <p:cNvPr id="25" name="Group 24">
+            <a:extLst>
+              <a:ext uri="{FF2B5EF4-FFF2-40B4-BE49-F238E27FC236}">
+                <a16:creationId xmlns:a16="http://schemas.microsoft.com/office/drawing/2014/main" id="{15D03AB1-4CC7-0344-8DE9-61A40182547F}"/>
+              </a:ext>
+            </a:extLst>
+          </p:cNvPr>
+          <p:cNvGrpSpPr/>
+          <p:nvPr/>
+        </p:nvGrpSpPr>
+        <p:grpSpPr>
+          <a:xfrm>
+            <a:off x="0" y="2574"/>
+            <a:ext cx="12176567" cy="842010"/>
+            <a:chOff x="0" y="2574"/>
+            <a:chExt cx="12176567" cy="842010"/>
+          </a:xfrm>
+        </p:grpSpPr>
+        <p:grpSp>
+          <p:nvGrpSpPr>
+            <p:cNvPr id="4" name="Group 3"/>
+            <p:cNvGrpSpPr/>
+            <p:nvPr/>
+          </p:nvGrpSpPr>
+          <p:grpSpPr>
+            <a:xfrm>
+              <a:off x="17909" y="26054"/>
+              <a:ext cx="12132779" cy="802565"/>
+              <a:chOff x="62590" y="-17638"/>
+              <a:chExt cx="18214879" cy="1605315"/>
+            </a:xfrm>
+          </p:grpSpPr>
+          <p:sp>
+            <p:nvSpPr>
+              <p:cNvPr id="6" name="矩形 1"/>
+              <p:cNvSpPr/>
+              <p:nvPr/>
+            </p:nvSpPr>
+            <p:spPr>
+              <a:xfrm>
+                <a:off x="2489128" y="380822"/>
+                <a:ext cx="15788341" cy="518534"/>
+              </a:xfrm>
+              <a:prstGeom prst="rect">
+                <a:avLst/>
+              </a:prstGeom>
+              <a:gradFill flip="none" rotWithShape="1">
+                <a:gsLst>
+                  <a:gs pos="0">
+                    <a:srgbClr val="E53B51">
+                      <a:tint val="66000"/>
+                      <a:satMod val="160000"/>
+                    </a:srgbClr>
+                  </a:gs>
+                  <a:gs pos="50000">
+                    <a:srgbClr val="E53B51">
+                      <a:tint val="44500"/>
+                      <a:satMod val="160000"/>
+                    </a:srgbClr>
+                  </a:gs>
+                  <a:gs pos="100000">
+                    <a:schemeClr val="bg1"/>
+                  </a:gs>
+                </a:gsLst>
+                <a:lin ang="0" scaled="1"/>
+                <a:tileRect/>
+              </a:gradFill>
+              <a:ln>
+                <a:noFill/>
+              </a:ln>
+            </p:spPr>
+            <p:style>
+              <a:lnRef idx="2">
+                <a:schemeClr val="accent1">
+                  <a:shade val="50000"/>
+                </a:schemeClr>
+              </a:lnRef>
+              <a:fillRef idx="1">
+                <a:schemeClr val="accent1"/>
+              </a:fillRef>
+              <a:effectRef idx="0">
+                <a:schemeClr val="accent1"/>
+              </a:effectRef>
+              <a:fontRef idx="minor">
+                <a:schemeClr val="lt1"/>
+              </a:fontRef>
+            </p:style>
+            <p:txBody>
+              <a:bodyPr lIns="45711" tIns="22856" rIns="45711" bIns="22856" rtlCol="0" anchor="ctr"/>
+              <a:lstStyle/>
+              <a:p>
+                <a:pPr marL="0" marR="0" lvl="0" indent="0" algn="l" defTabSz="914400" rtl="0" eaLnBrk="1" fontAlgn="auto" latinLnBrk="0" hangingPunct="1">
+                  <a:lnSpc>
+                    <a:spcPct val="100000"/>
+                  </a:lnSpc>
+                  <a:spcBef>
+                    <a:spcPts val="0"/>
+                  </a:spcBef>
+                  <a:spcAft>
+                    <a:spcPts val="0"/>
+                  </a:spcAft>
+                  <a:buClrTx/>
+                  <a:buSzTx/>
+                  <a:buFontTx/>
+                  <a:buNone/>
+                  <a:tabLst/>
+                  <a:defRPr/>
+                </a:pPr>
+                <a:endParaRPr kumimoji="0" lang="zh-CN" altLang="en-US" sz="550" b="1" i="0" u="none" strike="noStrike" kern="1200" cap="none" spc="0" normalizeH="0" baseline="0" noProof="0" dirty="0">
+                  <a:ln>
+                    <a:noFill/>
+                  </a:ln>
+                  <a:solidFill>
+                    <a:prstClr val="white"/>
+                  </a:solidFill>
+                  <a:effectLst/>
+                  <a:uLnTx/>
+                  <a:uFillTx/>
+                  <a:latin typeface="Calibri" panose="020F0502020204030204"/>
+                  <a:cs typeface="+mn-cs"/>
+                </a:endParaRPr>
+              </a:p>
+            </p:txBody>
+          </p:sp>
+          <p:sp>
+            <p:nvSpPr>
+              <p:cNvPr id="7" name="矩形 1"/>
+              <p:cNvSpPr/>
+              <p:nvPr/>
+            </p:nvSpPr>
+            <p:spPr>
+              <a:xfrm>
+                <a:off x="194714" y="274466"/>
+                <a:ext cx="6183250" cy="727500"/>
+              </a:xfrm>
+              <a:prstGeom prst="rect">
+                <a:avLst/>
+              </a:prstGeom>
+              <a:solidFill>
+                <a:srgbClr val="E53B51"/>
+              </a:solidFill>
+              <a:ln>
+                <a:noFill/>
+              </a:ln>
+            </p:spPr>
+            <p:style>
+              <a:lnRef idx="2">
+                <a:schemeClr val="accent1">
+                  <a:shade val="50000"/>
+                </a:schemeClr>
+              </a:lnRef>
+              <a:fillRef idx="1">
+                <a:schemeClr val="accent1"/>
+              </a:fillRef>
+              <a:effectRef idx="0">
+                <a:schemeClr val="accent1"/>
+              </a:effectRef>
+              <a:fontRef idx="minor">
+                <a:schemeClr val="lt1"/>
+              </a:fontRef>
+            </p:style>
+            <p:txBody>
+              <a:bodyPr lIns="45711" tIns="22856" rIns="45711" bIns="22856" rtlCol="0" anchor="ctr"/>
+              <a:lstStyle/>
+              <a:p>
+                <a:pPr marL="0" marR="0" lvl="0" indent="0" algn="l" defTabSz="914400" rtl="0" eaLnBrk="1" fontAlgn="auto" latinLnBrk="0" hangingPunct="1">
+                  <a:lnSpc>
+                    <a:spcPct val="100000"/>
+                  </a:lnSpc>
+                  <a:spcBef>
+                    <a:spcPts val="0"/>
+                  </a:spcBef>
+                  <a:spcAft>
+                    <a:spcPts val="0"/>
+                  </a:spcAft>
+                  <a:buClrTx/>
+                  <a:buSzTx/>
+                  <a:buFontTx/>
+                  <a:buNone/>
+                  <a:tabLst/>
+                  <a:defRPr/>
+                </a:pPr>
+                <a:endParaRPr kumimoji="0" lang="zh-CN" altLang="en-US" sz="550" b="1" i="0" u="none" strike="noStrike" kern="1200" cap="none" spc="0" normalizeH="0" baseline="0" noProof="0" dirty="0">
+                  <a:ln>
+                    <a:noFill/>
+                  </a:ln>
+                  <a:solidFill>
+                    <a:prstClr val="white"/>
+                  </a:solidFill>
+                  <a:effectLst/>
+                  <a:uLnTx/>
+                  <a:uFillTx/>
+                  <a:latin typeface="Calibri" panose="020F0502020204030204"/>
+                  <a:cs typeface="+mn-cs"/>
+                </a:endParaRPr>
+              </a:p>
+            </p:txBody>
+          </p:sp>
+          <p:pic>
+            <p:nvPicPr>
+              <p:cNvPr id="9" name="Picture 8"/>
+              <p:cNvPicPr>
+                <a:picLocks noChangeAspect="1"/>
+              </p:cNvPicPr>
+              <p:nvPr/>
+            </p:nvPicPr>
+            <p:blipFill>
+              <a:blip r:embed="rId4" r:link="rId5" cstate="print">
+                <a:extLst>
+                  <a:ext uri="{28A0092B-C50C-407E-A947-70E740481C1C}">
+                    <a14:useLocalDpi xmlns:a14="http://schemas.microsoft.com/office/drawing/2010/main" val="0"/>
+                  </a:ext>
+                </a:extLst>
+              </a:blip>
+              <a:stretch>
+                <a:fillRect/>
+              </a:stretch>
+            </p:blipFill>
+            <p:spPr>
+              <a:xfrm>
+                <a:off x="62590" y="-17638"/>
+                <a:ext cx="1198054" cy="1605315"/>
+              </a:xfrm>
+              <a:prstGeom prst="rect">
+                <a:avLst/>
+              </a:prstGeom>
+            </p:spPr>
+          </p:pic>
+        </p:grpSp>
+        <p:sp>
+          <p:nvSpPr>
+            <p:cNvPr id="10" name="Rectangle 9">
+              <a:extLst>
+                <a:ext uri="{FF2B5EF4-FFF2-40B4-BE49-F238E27FC236}">
+                  <a16:creationId xmlns:a16="http://schemas.microsoft.com/office/drawing/2014/main" id="{7300FC05-35DD-E4B4-8C62-BB9D9A191B9A}"/>
+                </a:ext>
+              </a:extLst>
+            </p:cNvPr>
+            <p:cNvSpPr/>
+            <p:nvPr/>
+          </p:nvSpPr>
+          <p:spPr>
+            <a:xfrm>
+              <a:off x="805469" y="179428"/>
+              <a:ext cx="3419054" cy="363708"/>
+            </a:xfrm>
+            <a:prstGeom prst="rect">
+              <a:avLst/>
+            </a:prstGeom>
+            <a:noFill/>
+            <a:ln>
+              <a:noFill/>
+            </a:ln>
+          </p:spPr>
+          <p:style>
+            <a:lnRef idx="2">
+              <a:schemeClr val="accent1">
+                <a:shade val="15000"/>
+              </a:schemeClr>
+            </a:lnRef>
+            <a:fillRef idx="1">
+              <a:schemeClr val="accent1"/>
+            </a:fillRef>
+            <a:effectRef idx="0">
+              <a:schemeClr val="accent1"/>
+            </a:effectRef>
+            <a:fontRef idx="minor">
+              <a:schemeClr val="lt1"/>
+            </a:fontRef>
+          </p:style>
+          <p:txBody>
+            <a:bodyPr rtlCol="0" anchor="ctr"/>
+            <a:lstStyle/>
+            <a:p>
+              <a:pPr algn="ctr"/>
+              <a:endParaRPr lang="en-US"/>
+            </a:p>
+          </p:txBody>
+        </p:sp>
+        <p:sp>
+          <p:nvSpPr>
+            <p:cNvPr id="16" name="Rectangle 15">
+              <a:extLst>
+                <a:ext uri="{FF2B5EF4-FFF2-40B4-BE49-F238E27FC236}">
+                  <a16:creationId xmlns:a16="http://schemas.microsoft.com/office/drawing/2014/main" id="{30A295C0-3BA1-D408-5358-8E0DFA83A3B0}"/>
+                </a:ext>
+              </a:extLst>
+            </p:cNvPr>
+            <p:cNvSpPr/>
+            <p:nvPr/>
+          </p:nvSpPr>
+          <p:spPr>
+            <a:xfrm>
+              <a:off x="0" y="2574"/>
+              <a:ext cx="815919" cy="842010"/>
+            </a:xfrm>
+            <a:prstGeom prst="rect">
+              <a:avLst/>
+            </a:prstGeom>
+            <a:solidFill>
+              <a:schemeClr val="bg1"/>
+            </a:solidFill>
+            <a:ln>
+              <a:noFill/>
+            </a:ln>
+          </p:spPr>
+          <p:style>
+            <a:lnRef idx="2">
+              <a:schemeClr val="accent1">
+                <a:shade val="15000"/>
+              </a:schemeClr>
+            </a:lnRef>
+            <a:fillRef idx="1">
+              <a:schemeClr val="accent1"/>
+            </a:fillRef>
+            <a:effectRef idx="0">
+              <a:schemeClr val="accent1"/>
+            </a:effectRef>
+            <a:fontRef idx="minor">
+              <a:schemeClr val="lt1"/>
+            </a:fontRef>
+          </p:style>
+          <p:txBody>
+            <a:bodyPr rtlCol="0" anchor="ctr"/>
+            <a:lstStyle/>
+            <a:p>
+              <a:pPr algn="ctr"/>
+              <a:endParaRPr lang="en-US"/>
+            </a:p>
+          </p:txBody>
+        </p:sp>
+        <p:pic>
+          <p:nvPicPr>
+            <p:cNvPr id="13" name="Picture 12">
+              <a:extLst>
+                <a:ext uri="{FF2B5EF4-FFF2-40B4-BE49-F238E27FC236}">
+                  <a16:creationId xmlns:a16="http://schemas.microsoft.com/office/drawing/2014/main" id="{80D2705A-917F-E67E-7AF5-CF5B0A284FD0}"/>
+                </a:ext>
+              </a:extLst>
+            </p:cNvPr>
+            <p:cNvPicPr>
+              <a:picLocks noChangeAspect="1"/>
+            </p:cNvPicPr>
+            <p:nvPr/>
+          </p:nvPicPr>
+          <p:blipFill>
+            <a:blip r:embed="rId6"/>
+            <a:stretch>
+              <a:fillRect/>
+            </a:stretch>
+          </p:blipFill>
+          <p:spPr>
+            <a:xfrm>
+              <a:off x="0" y="5422"/>
+              <a:ext cx="1952825" cy="704792"/>
+            </a:xfrm>
+            <a:prstGeom prst="rect">
+              <a:avLst/>
+            </a:prstGeom>
+          </p:spPr>
+        </p:pic>
+        <p:sp>
+          <p:nvSpPr>
+            <p:cNvPr id="18" name="Rectangle 17">
+              <a:extLst>
+                <a:ext uri="{FF2B5EF4-FFF2-40B4-BE49-F238E27FC236}">
+                  <a16:creationId xmlns:a16="http://schemas.microsoft.com/office/drawing/2014/main" id="{2F048E21-FBBC-2A19-2A0C-5A9F8D72A823}"/>
+                </a:ext>
+              </a:extLst>
+            </p:cNvPr>
+            <p:cNvSpPr/>
+            <p:nvPr/>
+          </p:nvSpPr>
+          <p:spPr>
+            <a:xfrm>
+              <a:off x="11102197" y="3861"/>
+              <a:ext cx="1074370" cy="809904"/>
+            </a:xfrm>
+            <a:prstGeom prst="rect">
+              <a:avLst/>
+            </a:prstGeom>
+            <a:solidFill>
+              <a:schemeClr val="bg1"/>
+            </a:solidFill>
+            <a:ln>
+              <a:noFill/>
+            </a:ln>
+          </p:spPr>
+          <p:style>
+            <a:lnRef idx="2">
+              <a:schemeClr val="accent1">
+                <a:shade val="15000"/>
+              </a:schemeClr>
+            </a:lnRef>
+            <a:fillRef idx="1">
+              <a:schemeClr val="accent1"/>
+            </a:fillRef>
+            <a:effectRef idx="0">
+              <a:schemeClr val="accent1"/>
+            </a:effectRef>
+            <a:fontRef idx="minor">
+              <a:schemeClr val="lt1"/>
+            </a:fontRef>
+          </p:style>
+          <p:txBody>
+            <a:bodyPr rtlCol="0" anchor="ctr"/>
+            <a:lstStyle/>
+            <a:p>
+              <a:pPr algn="ctr"/>
+              <a:endParaRPr lang="en-US"/>
+            </a:p>
+          </p:txBody>
+        </p:sp>
+        <p:sp>
+          <p:nvSpPr>
+            <p:cNvPr id="19" name="文本框 34">
+              <a:extLst>
+                <a:ext uri="{FF2B5EF4-FFF2-40B4-BE49-F238E27FC236}">
+                  <a16:creationId xmlns:a16="http://schemas.microsoft.com/office/drawing/2014/main" id="{A955F031-DB45-18E0-14C4-E46B88DA58DD}"/>
+                </a:ext>
+              </a:extLst>
+            </p:cNvPr>
+            <p:cNvSpPr txBox="1"/>
+            <p:nvPr/>
+          </p:nvSpPr>
+          <p:spPr>
+            <a:xfrm>
+              <a:off x="2085693" y="198440"/>
+              <a:ext cx="3799684" cy="261602"/>
+            </a:xfrm>
+            <a:prstGeom prst="rect">
+              <a:avLst/>
+            </a:prstGeom>
+            <a:noFill/>
+          </p:spPr>
+          <p:txBody>
+            <a:bodyPr wrap="square" lIns="45711" tIns="22856" rIns="45711" bIns="22856" rtlCol="0">
+              <a:spAutoFit/>
+            </a:bodyPr>
+            <a:lstStyle/>
+            <a:p>
+              <a:pPr>
+                <a:defRPr/>
+              </a:pPr>
+              <a:r>
+                <a:rPr lang="en-US" altLang="ko-KR" sz="1400" b="1" dirty="0">
+                  <a:solidFill>
+                    <a:schemeClr val="bg1"/>
+                  </a:solidFill>
+                </a:rPr>
+                <a:t>LATAR BELAKANG</a:t>
+              </a:r>
+            </a:p>
+          </p:txBody>
+        </p:sp>
+      </p:grpSp>
+      <p:pic>
+        <p:nvPicPr>
+          <p:cNvPr id="15" name="Picture 14">
+            <a:extLst>
+              <a:ext uri="{FF2B5EF4-FFF2-40B4-BE49-F238E27FC236}">
+                <a16:creationId xmlns:a16="http://schemas.microsoft.com/office/drawing/2014/main" id="{D3EF27DB-BC91-D5EB-7065-61BD983E569D}"/>
+              </a:ext>
+            </a:extLst>
+          </p:cNvPr>
+          <p:cNvPicPr>
+            <a:picLocks noChangeAspect="1"/>
+          </p:cNvPicPr>
+          <p:nvPr/>
+        </p:nvPicPr>
+        <p:blipFill>
+          <a:blip r:embed="rId7">
+            <a:extLst>
+              <a:ext uri="{28A0092B-C50C-407E-A947-70E740481C1C}">
+                <a14:useLocalDpi xmlns:a14="http://schemas.microsoft.com/office/drawing/2010/main" val="0"/>
+              </a:ext>
+            </a:extLst>
+          </a:blip>
+          <a:stretch>
+            <a:fillRect/>
+          </a:stretch>
+        </p:blipFill>
+        <p:spPr>
+          <a:xfrm>
+            <a:off x="10168427" y="-56621"/>
+            <a:ext cx="2112820" cy="782526"/>
+          </a:xfrm>
+          <a:prstGeom prst="rect">
+            <a:avLst/>
+          </a:prstGeom>
+        </p:spPr>
+      </p:pic>
+      <p:sp>
+        <p:nvSpPr>
+          <p:cNvPr id="35" name="Hexagon 34">
+            <a:extLst>
+              <a:ext uri="{FF2B5EF4-FFF2-40B4-BE49-F238E27FC236}">
+                <a16:creationId xmlns:a16="http://schemas.microsoft.com/office/drawing/2014/main" id="{C38E5136-9B5C-FDF3-E051-5788DBEC7F6A}"/>
+              </a:ext>
+            </a:extLst>
+          </p:cNvPr>
+          <p:cNvSpPr/>
+          <p:nvPr/>
+        </p:nvSpPr>
+        <p:spPr>
+          <a:xfrm>
+            <a:off x="805469" y="1728865"/>
+            <a:ext cx="1577691" cy="1319816"/>
+          </a:xfrm>
+          <a:prstGeom prst="hexagon">
+            <a:avLst/>
+          </a:prstGeom>
+          <a:solidFill>
+            <a:schemeClr val="accent4">
+              <a:lumMod val="40000"/>
+              <a:lumOff val="60000"/>
+            </a:schemeClr>
+          </a:solidFill>
+          <a:ln/>
+        </p:spPr>
+        <p:style>
+          <a:lnRef idx="1">
+            <a:schemeClr val="accent4"/>
+          </a:lnRef>
+          <a:fillRef idx="2">
+            <a:schemeClr val="accent4"/>
+          </a:fillRef>
+          <a:effectRef idx="1">
+            <a:schemeClr val="accent4"/>
+          </a:effectRef>
+          <a:fontRef idx="minor">
+            <a:schemeClr val="dk1"/>
+          </a:fontRef>
+        </p:style>
+        <p:txBody>
+          <a:bodyPr rtlCol="0" anchor="ctr"/>
+          <a:lstStyle/>
+          <a:p>
+            <a:pPr algn="ctr"/>
+            <a:endParaRPr lang="en-US"/>
+          </a:p>
+        </p:txBody>
+      </p:sp>
+      <p:sp>
+        <p:nvSpPr>
+          <p:cNvPr id="38" name="Arrow: Pentagon 37">
+            <a:extLst>
+              <a:ext uri="{FF2B5EF4-FFF2-40B4-BE49-F238E27FC236}">
+                <a16:creationId xmlns:a16="http://schemas.microsoft.com/office/drawing/2014/main" id="{E167B9BF-8A13-68FD-34A5-03C1975257FE}"/>
+              </a:ext>
+            </a:extLst>
+          </p:cNvPr>
+          <p:cNvSpPr/>
+          <p:nvPr/>
+        </p:nvSpPr>
+        <p:spPr>
+          <a:xfrm>
+            <a:off x="1580795" y="1782341"/>
+            <a:ext cx="2924463" cy="1163400"/>
+          </a:xfrm>
+          <a:custGeom>
+            <a:avLst/>
+            <a:gdLst>
+              <a:gd name="connsiteX0" fmla="*/ 0 w 3191882"/>
+              <a:gd name="connsiteY0" fmla="*/ 0 h 1163400"/>
+              <a:gd name="connsiteX1" fmla="*/ 2610182 w 3191882"/>
+              <a:gd name="connsiteY1" fmla="*/ 0 h 1163400"/>
+              <a:gd name="connsiteX2" fmla="*/ 3191882 w 3191882"/>
+              <a:gd name="connsiteY2" fmla="*/ 581700 h 1163400"/>
+              <a:gd name="connsiteX3" fmla="*/ 2610182 w 3191882"/>
+              <a:gd name="connsiteY3" fmla="*/ 1163400 h 1163400"/>
+              <a:gd name="connsiteX4" fmla="*/ 0 w 3191882"/>
+              <a:gd name="connsiteY4" fmla="*/ 1163400 h 1163400"/>
+              <a:gd name="connsiteX5" fmla="*/ 0 w 3191882"/>
+              <a:gd name="connsiteY5" fmla="*/ 0 h 1163400"/>
+              <a:gd name="connsiteX0" fmla="*/ 0 w 2967595"/>
+              <a:gd name="connsiteY0" fmla="*/ 0 h 1163400"/>
+              <a:gd name="connsiteX1" fmla="*/ 2610182 w 2967595"/>
+              <a:gd name="connsiteY1" fmla="*/ 0 h 1163400"/>
+              <a:gd name="connsiteX2" fmla="*/ 2967595 w 2967595"/>
+              <a:gd name="connsiteY2" fmla="*/ 555821 h 1163400"/>
+              <a:gd name="connsiteX3" fmla="*/ 2610182 w 2967595"/>
+              <a:gd name="connsiteY3" fmla="*/ 1163400 h 1163400"/>
+              <a:gd name="connsiteX4" fmla="*/ 0 w 2967595"/>
+              <a:gd name="connsiteY4" fmla="*/ 1163400 h 1163400"/>
+              <a:gd name="connsiteX5" fmla="*/ 0 w 2967595"/>
+              <a:gd name="connsiteY5" fmla="*/ 0 h 1163400"/>
+              <a:gd name="connsiteX0" fmla="*/ 0 w 2924463"/>
+              <a:gd name="connsiteY0" fmla="*/ 0 h 1163400"/>
+              <a:gd name="connsiteX1" fmla="*/ 2610182 w 2924463"/>
+              <a:gd name="connsiteY1" fmla="*/ 0 h 1163400"/>
+              <a:gd name="connsiteX2" fmla="*/ 2924463 w 2924463"/>
+              <a:gd name="connsiteY2" fmla="*/ 607579 h 1163400"/>
+              <a:gd name="connsiteX3" fmla="*/ 2610182 w 2924463"/>
+              <a:gd name="connsiteY3" fmla="*/ 1163400 h 1163400"/>
+              <a:gd name="connsiteX4" fmla="*/ 0 w 2924463"/>
+              <a:gd name="connsiteY4" fmla="*/ 1163400 h 1163400"/>
+              <a:gd name="connsiteX5" fmla="*/ 0 w 2924463"/>
+              <a:gd name="connsiteY5" fmla="*/ 0 h 1163400"/>
+            </a:gdLst>
+            <a:ahLst/>
+            <a:cxnLst>
+              <a:cxn ang="0">
+                <a:pos x="connsiteX0" y="connsiteY0"/>
+              </a:cxn>
+              <a:cxn ang="0">
+                <a:pos x="connsiteX1" y="connsiteY1"/>
+              </a:cxn>
+              <a:cxn ang="0">
+                <a:pos x="connsiteX2" y="connsiteY2"/>
+              </a:cxn>
+              <a:cxn ang="0">
+                <a:pos x="connsiteX3" y="connsiteY3"/>
+              </a:cxn>
+              <a:cxn ang="0">
+                <a:pos x="connsiteX4" y="connsiteY4"/>
+              </a:cxn>
+              <a:cxn ang="0">
+                <a:pos x="connsiteX5" y="connsiteY5"/>
+              </a:cxn>
+            </a:cxnLst>
+            <a:rect l="l" t="t" r="r" b="b"/>
+            <a:pathLst>
+              <a:path w="2924463" h="1163400">
+                <a:moveTo>
+                  <a:pt x="0" y="0"/>
+                </a:moveTo>
+                <a:lnTo>
+                  <a:pt x="2610182" y="0"/>
+                </a:lnTo>
+                <a:lnTo>
+                  <a:pt x="2924463" y="607579"/>
+                </a:lnTo>
+                <a:lnTo>
+                  <a:pt x="2610182" y="1163400"/>
+                </a:lnTo>
+                <a:lnTo>
+                  <a:pt x="0" y="1163400"/>
+                </a:lnTo>
+                <a:lnTo>
+                  <a:pt x="0" y="0"/>
+                </a:lnTo>
+                <a:close/>
+              </a:path>
+            </a:pathLst>
+          </a:custGeom>
+          <a:noFill/>
+          <a:ln>
+            <a:solidFill>
+              <a:schemeClr val="accent4"/>
+            </a:solidFill>
+          </a:ln>
+        </p:spPr>
+        <p:style>
+          <a:lnRef idx="2">
+            <a:schemeClr val="accent1"/>
+          </a:lnRef>
+          <a:fillRef idx="1">
+            <a:schemeClr val="lt1"/>
+          </a:fillRef>
+          <a:effectRef idx="0">
+            <a:schemeClr val="accent1"/>
+          </a:effectRef>
+          <a:fontRef idx="minor">
+            <a:schemeClr val="dk1"/>
+          </a:fontRef>
+        </p:style>
+        <p:txBody>
+          <a:bodyPr rtlCol="0" anchor="ctr"/>
+          <a:lstStyle/>
+          <a:p>
+            <a:pPr algn="ctr"/>
+            <a:endParaRPr lang="en-US"/>
+          </a:p>
+        </p:txBody>
+      </p:sp>
+      <p:sp>
+        <p:nvSpPr>
+          <p:cNvPr id="36" name="Hexagon 35">
+            <a:extLst>
+              <a:ext uri="{FF2B5EF4-FFF2-40B4-BE49-F238E27FC236}">
+                <a16:creationId xmlns:a16="http://schemas.microsoft.com/office/drawing/2014/main" id="{A30D52A3-565D-FA23-8C4E-98C1F11A07E6}"/>
+              </a:ext>
+            </a:extLst>
+          </p:cNvPr>
+          <p:cNvSpPr/>
+          <p:nvPr/>
+        </p:nvSpPr>
+        <p:spPr>
+          <a:xfrm>
+            <a:off x="1016551" y="1929829"/>
+            <a:ext cx="1128489" cy="932818"/>
+          </a:xfrm>
+          <a:prstGeom prst="hexagon">
+            <a:avLst/>
+          </a:prstGeom>
+          <a:ln>
+            <a:noFill/>
+          </a:ln>
+        </p:spPr>
+        <p:style>
+          <a:lnRef idx="3">
+            <a:schemeClr val="lt1"/>
+          </a:lnRef>
+          <a:fillRef idx="1">
+            <a:schemeClr val="accent4"/>
+          </a:fillRef>
+          <a:effectRef idx="1">
+            <a:schemeClr val="accent4"/>
+          </a:effectRef>
+          <a:fontRef idx="minor">
+            <a:schemeClr val="lt1"/>
+          </a:fontRef>
+        </p:style>
+        <p:txBody>
+          <a:bodyPr rtlCol="0" anchor="ctr"/>
+          <a:lstStyle/>
+          <a:p>
+            <a:pPr algn="ctr"/>
+            <a:endParaRPr lang="en-US"/>
+          </a:p>
+        </p:txBody>
+      </p:sp>
+      <p:sp>
+        <p:nvSpPr>
+          <p:cNvPr id="39" name="TextBox 38">
+            <a:extLst>
+              <a:ext uri="{FF2B5EF4-FFF2-40B4-BE49-F238E27FC236}">
+                <a16:creationId xmlns:a16="http://schemas.microsoft.com/office/drawing/2014/main" id="{9A0CD863-3B58-DC60-DCF4-87E614830E2C}"/>
+              </a:ext>
+            </a:extLst>
+          </p:cNvPr>
+          <p:cNvSpPr txBox="1"/>
+          <p:nvPr/>
+        </p:nvSpPr>
+        <p:spPr>
+          <a:xfrm>
+            <a:off x="2331389" y="1810030"/>
+            <a:ext cx="2156612" cy="1077218"/>
+          </a:xfrm>
+          <a:prstGeom prst="rect">
+            <a:avLst/>
+          </a:prstGeom>
+          <a:noFill/>
+        </p:spPr>
+        <p:txBody>
+          <a:bodyPr wrap="square" rtlCol="0">
+            <a:spAutoFit/>
+          </a:bodyPr>
+          <a:lstStyle/>
+          <a:p>
+            <a:r>
+              <a:rPr lang="en-US" sz="1600" dirty="0">
+                <a:latin typeface="Cooper Black" panose="0208090404030B020404" pitchFamily="18" charset="0"/>
+              </a:rPr>
+              <a:t>Data Stock yang </a:t>
+            </a:r>
+            <a:r>
+              <a:rPr lang="en-US" sz="1600" dirty="0" err="1">
+                <a:latin typeface="Cooper Black" panose="0208090404030B020404" pitchFamily="18" charset="0"/>
+              </a:rPr>
+              <a:t>disimpan</a:t>
+            </a:r>
+            <a:r>
+              <a:rPr lang="en-US" sz="1600" dirty="0">
+                <a:latin typeface="Cooper Black" panose="0208090404030B020404" pitchFamily="18" charset="0"/>
+              </a:rPr>
+              <a:t> di Excel Bisa Corrupt / File </a:t>
+            </a:r>
+            <a:r>
+              <a:rPr lang="en-US" sz="1600" dirty="0" err="1">
+                <a:latin typeface="Cooper Black" panose="0208090404030B020404" pitchFamily="18" charset="0"/>
+              </a:rPr>
+              <a:t>Rusak</a:t>
+            </a:r>
+            <a:endParaRPr lang="en-US" sz="1600" dirty="0">
+              <a:latin typeface="Cooper Black" panose="0208090404030B020404" pitchFamily="18" charset="0"/>
+            </a:endParaRPr>
+          </a:p>
+        </p:txBody>
+      </p:sp>
+      <p:sp>
+        <p:nvSpPr>
+          <p:cNvPr id="40" name="Hexagon 39">
+            <a:extLst>
+              <a:ext uri="{FF2B5EF4-FFF2-40B4-BE49-F238E27FC236}">
+                <a16:creationId xmlns:a16="http://schemas.microsoft.com/office/drawing/2014/main" id="{7D61262C-5FA1-E99B-B57D-1F1A05875FF4}"/>
+              </a:ext>
+            </a:extLst>
+          </p:cNvPr>
+          <p:cNvSpPr/>
+          <p:nvPr/>
+        </p:nvSpPr>
+        <p:spPr>
+          <a:xfrm>
+            <a:off x="2383160" y="3250378"/>
+            <a:ext cx="1577691" cy="1319816"/>
+          </a:xfrm>
+          <a:prstGeom prst="hexagon">
+            <a:avLst/>
+          </a:prstGeom>
+          <a:solidFill>
+            <a:schemeClr val="accent4">
+              <a:lumMod val="40000"/>
+              <a:lumOff val="60000"/>
+            </a:schemeClr>
+          </a:solidFill>
+          <a:ln/>
+        </p:spPr>
+        <p:style>
+          <a:lnRef idx="1">
+            <a:schemeClr val="accent4"/>
+          </a:lnRef>
+          <a:fillRef idx="2">
+            <a:schemeClr val="accent4"/>
+          </a:fillRef>
+          <a:effectRef idx="1">
+            <a:schemeClr val="accent4"/>
+          </a:effectRef>
+          <a:fontRef idx="minor">
+            <a:schemeClr val="dk1"/>
+          </a:fontRef>
+        </p:style>
+        <p:txBody>
+          <a:bodyPr rtlCol="0" anchor="ctr"/>
+          <a:lstStyle/>
+          <a:p>
+            <a:pPr algn="ctr"/>
+            <a:endParaRPr lang="en-US"/>
+          </a:p>
+        </p:txBody>
+      </p:sp>
+      <p:sp>
+        <p:nvSpPr>
+          <p:cNvPr id="41" name="Arrow: Pentagon 37">
+            <a:extLst>
+              <a:ext uri="{FF2B5EF4-FFF2-40B4-BE49-F238E27FC236}">
+                <a16:creationId xmlns:a16="http://schemas.microsoft.com/office/drawing/2014/main" id="{35F36D61-0FBD-E43F-3784-C96AFAC50DF1}"/>
+              </a:ext>
+            </a:extLst>
+          </p:cNvPr>
+          <p:cNvSpPr/>
+          <p:nvPr/>
+        </p:nvSpPr>
+        <p:spPr>
+          <a:xfrm>
+            <a:off x="3158486" y="3332704"/>
+            <a:ext cx="2924463" cy="1134549"/>
+          </a:xfrm>
+          <a:custGeom>
+            <a:avLst/>
+            <a:gdLst>
+              <a:gd name="connsiteX0" fmla="*/ 0 w 3191882"/>
+              <a:gd name="connsiteY0" fmla="*/ 0 h 1163400"/>
+              <a:gd name="connsiteX1" fmla="*/ 2610182 w 3191882"/>
+              <a:gd name="connsiteY1" fmla="*/ 0 h 1163400"/>
+              <a:gd name="connsiteX2" fmla="*/ 3191882 w 3191882"/>
+              <a:gd name="connsiteY2" fmla="*/ 581700 h 1163400"/>
+              <a:gd name="connsiteX3" fmla="*/ 2610182 w 3191882"/>
+              <a:gd name="connsiteY3" fmla="*/ 1163400 h 1163400"/>
+              <a:gd name="connsiteX4" fmla="*/ 0 w 3191882"/>
+              <a:gd name="connsiteY4" fmla="*/ 1163400 h 1163400"/>
+              <a:gd name="connsiteX5" fmla="*/ 0 w 3191882"/>
+              <a:gd name="connsiteY5" fmla="*/ 0 h 1163400"/>
+              <a:gd name="connsiteX0" fmla="*/ 0 w 2967595"/>
+              <a:gd name="connsiteY0" fmla="*/ 0 h 1163400"/>
+              <a:gd name="connsiteX1" fmla="*/ 2610182 w 2967595"/>
+              <a:gd name="connsiteY1" fmla="*/ 0 h 1163400"/>
+              <a:gd name="connsiteX2" fmla="*/ 2967595 w 2967595"/>
+              <a:gd name="connsiteY2" fmla="*/ 555821 h 1163400"/>
+              <a:gd name="connsiteX3" fmla="*/ 2610182 w 2967595"/>
+              <a:gd name="connsiteY3" fmla="*/ 1163400 h 1163400"/>
+              <a:gd name="connsiteX4" fmla="*/ 0 w 2967595"/>
+              <a:gd name="connsiteY4" fmla="*/ 1163400 h 1163400"/>
+              <a:gd name="connsiteX5" fmla="*/ 0 w 2967595"/>
+              <a:gd name="connsiteY5" fmla="*/ 0 h 1163400"/>
+              <a:gd name="connsiteX0" fmla="*/ 0 w 2924463"/>
+              <a:gd name="connsiteY0" fmla="*/ 0 h 1163400"/>
+              <a:gd name="connsiteX1" fmla="*/ 2610182 w 2924463"/>
+              <a:gd name="connsiteY1" fmla="*/ 0 h 1163400"/>
+              <a:gd name="connsiteX2" fmla="*/ 2924463 w 2924463"/>
+              <a:gd name="connsiteY2" fmla="*/ 607579 h 1163400"/>
+              <a:gd name="connsiteX3" fmla="*/ 2610182 w 2924463"/>
+              <a:gd name="connsiteY3" fmla="*/ 1163400 h 1163400"/>
+              <a:gd name="connsiteX4" fmla="*/ 0 w 2924463"/>
+              <a:gd name="connsiteY4" fmla="*/ 1163400 h 1163400"/>
+              <a:gd name="connsiteX5" fmla="*/ 0 w 2924463"/>
+              <a:gd name="connsiteY5" fmla="*/ 0 h 1163400"/>
+            </a:gdLst>
+            <a:ahLst/>
+            <a:cxnLst>
+              <a:cxn ang="0">
+                <a:pos x="connsiteX0" y="connsiteY0"/>
+              </a:cxn>
+              <a:cxn ang="0">
+                <a:pos x="connsiteX1" y="connsiteY1"/>
+              </a:cxn>
+              <a:cxn ang="0">
+                <a:pos x="connsiteX2" y="connsiteY2"/>
+              </a:cxn>
+              <a:cxn ang="0">
+                <a:pos x="connsiteX3" y="connsiteY3"/>
+              </a:cxn>
+              <a:cxn ang="0">
+                <a:pos x="connsiteX4" y="connsiteY4"/>
+              </a:cxn>
+              <a:cxn ang="0">
+                <a:pos x="connsiteX5" y="connsiteY5"/>
+              </a:cxn>
+            </a:cxnLst>
+            <a:rect l="l" t="t" r="r" b="b"/>
+            <a:pathLst>
+              <a:path w="2924463" h="1163400">
+                <a:moveTo>
+                  <a:pt x="0" y="0"/>
+                </a:moveTo>
+                <a:lnTo>
+                  <a:pt x="2610182" y="0"/>
+                </a:lnTo>
+                <a:lnTo>
+                  <a:pt x="2924463" y="607579"/>
+                </a:lnTo>
+                <a:lnTo>
+                  <a:pt x="2610182" y="1163400"/>
+                </a:lnTo>
+                <a:lnTo>
+                  <a:pt x="0" y="1163400"/>
+                </a:lnTo>
+                <a:lnTo>
+                  <a:pt x="0" y="0"/>
+                </a:lnTo>
+                <a:close/>
+              </a:path>
+            </a:pathLst>
+          </a:custGeom>
+          <a:noFill/>
+          <a:ln>
+            <a:solidFill>
+              <a:schemeClr val="accent4"/>
+            </a:solidFill>
+          </a:ln>
+        </p:spPr>
+        <p:style>
+          <a:lnRef idx="2">
+            <a:schemeClr val="accent1"/>
+          </a:lnRef>
+          <a:fillRef idx="1">
+            <a:schemeClr val="lt1"/>
+          </a:fillRef>
+          <a:effectRef idx="0">
+            <a:schemeClr val="accent1"/>
+          </a:effectRef>
+          <a:fontRef idx="minor">
+            <a:schemeClr val="dk1"/>
+          </a:fontRef>
+        </p:style>
+        <p:txBody>
+          <a:bodyPr rtlCol="0" anchor="ctr"/>
+          <a:lstStyle/>
+          <a:p>
+            <a:pPr algn="ctr"/>
+            <a:endParaRPr lang="en-US"/>
+          </a:p>
+        </p:txBody>
+      </p:sp>
+      <p:sp>
+        <p:nvSpPr>
+          <p:cNvPr id="42" name="Hexagon 41">
+            <a:extLst>
+              <a:ext uri="{FF2B5EF4-FFF2-40B4-BE49-F238E27FC236}">
+                <a16:creationId xmlns:a16="http://schemas.microsoft.com/office/drawing/2014/main" id="{E8813479-60EF-43A3-12AE-915188666CB7}"/>
+              </a:ext>
+            </a:extLst>
+          </p:cNvPr>
+          <p:cNvSpPr/>
+          <p:nvPr/>
+        </p:nvSpPr>
+        <p:spPr>
+          <a:xfrm>
+            <a:off x="2594242" y="3451342"/>
+            <a:ext cx="1128489" cy="932818"/>
+          </a:xfrm>
+          <a:prstGeom prst="hexagon">
+            <a:avLst/>
+          </a:prstGeom>
+          <a:ln>
+            <a:noFill/>
+          </a:ln>
+        </p:spPr>
+        <p:style>
+          <a:lnRef idx="3">
+            <a:schemeClr val="lt1"/>
+          </a:lnRef>
+          <a:fillRef idx="1">
+            <a:schemeClr val="accent4"/>
+          </a:fillRef>
+          <a:effectRef idx="1">
+            <a:schemeClr val="accent4"/>
+          </a:effectRef>
+          <a:fontRef idx="minor">
+            <a:schemeClr val="lt1"/>
+          </a:fontRef>
+        </p:style>
+        <p:txBody>
+          <a:bodyPr rtlCol="0" anchor="ctr"/>
+          <a:lstStyle/>
+          <a:p>
+            <a:pPr algn="ctr"/>
+            <a:endParaRPr lang="en-US"/>
+          </a:p>
+        </p:txBody>
+      </p:sp>
+      <p:sp>
+        <p:nvSpPr>
+          <p:cNvPr id="43" name="TextBox 42">
+            <a:extLst>
+              <a:ext uri="{FF2B5EF4-FFF2-40B4-BE49-F238E27FC236}">
+                <a16:creationId xmlns:a16="http://schemas.microsoft.com/office/drawing/2014/main" id="{FDD0BFCB-AE80-3209-D094-F8209DF8FF6F}"/>
+              </a:ext>
+            </a:extLst>
+          </p:cNvPr>
+          <p:cNvSpPr txBox="1"/>
+          <p:nvPr/>
+        </p:nvSpPr>
+        <p:spPr>
+          <a:xfrm>
+            <a:off x="3933812" y="3549228"/>
+            <a:ext cx="2055189" cy="584775"/>
+          </a:xfrm>
+          <a:prstGeom prst="rect">
+            <a:avLst/>
+          </a:prstGeom>
+          <a:noFill/>
+        </p:spPr>
+        <p:txBody>
+          <a:bodyPr wrap="square" rtlCol="0">
+            <a:spAutoFit/>
+          </a:bodyPr>
+          <a:lstStyle/>
+          <a:p>
+            <a:r>
+              <a:rPr lang="en-US" sz="1600" dirty="0" err="1">
+                <a:latin typeface="Cooper Black" panose="0208090404030B020404" pitchFamily="18" charset="0"/>
+              </a:rPr>
+              <a:t>Akses</a:t>
+            </a:r>
+            <a:r>
+              <a:rPr lang="en-US" sz="1600" dirty="0">
+                <a:latin typeface="Cooper Black" panose="0208090404030B020404" pitchFamily="18" charset="0"/>
+              </a:rPr>
+              <a:t> Data </a:t>
+            </a:r>
+            <a:r>
+              <a:rPr lang="en-US" sz="1600" dirty="0" err="1">
+                <a:latin typeface="Cooper Black" panose="0208090404030B020404" pitchFamily="18" charset="0"/>
+              </a:rPr>
+              <a:t>Tidak</a:t>
+            </a:r>
+            <a:endParaRPr lang="en-US" sz="1600" dirty="0">
+              <a:latin typeface="Cooper Black" panose="0208090404030B020404" pitchFamily="18" charset="0"/>
+            </a:endParaRPr>
+          </a:p>
+          <a:p>
+            <a:r>
+              <a:rPr lang="en-US" sz="1600" dirty="0">
+                <a:latin typeface="Cooper Black" panose="0208090404030B020404" pitchFamily="18" charset="0"/>
+              </a:rPr>
+              <a:t>Bisa Mobile</a:t>
+            </a:r>
+          </a:p>
+        </p:txBody>
+      </p:sp>
+      <p:sp>
+        <p:nvSpPr>
+          <p:cNvPr id="44" name="Hexagon 43">
+            <a:extLst>
+              <a:ext uri="{FF2B5EF4-FFF2-40B4-BE49-F238E27FC236}">
+                <a16:creationId xmlns:a16="http://schemas.microsoft.com/office/drawing/2014/main" id="{3181869E-F32E-D3F9-F345-829B692E7450}"/>
+              </a:ext>
+            </a:extLst>
+          </p:cNvPr>
+          <p:cNvSpPr/>
+          <p:nvPr/>
+        </p:nvSpPr>
+        <p:spPr>
+          <a:xfrm>
+            <a:off x="5280584" y="1675389"/>
+            <a:ext cx="1577691" cy="1319816"/>
+          </a:xfrm>
+          <a:prstGeom prst="hexagon">
+            <a:avLst/>
+          </a:prstGeom>
+          <a:solidFill>
+            <a:schemeClr val="accent4">
+              <a:lumMod val="40000"/>
+              <a:lumOff val="60000"/>
+            </a:schemeClr>
+          </a:solidFill>
+          <a:ln/>
+        </p:spPr>
+        <p:style>
+          <a:lnRef idx="1">
+            <a:schemeClr val="accent4"/>
+          </a:lnRef>
+          <a:fillRef idx="2">
+            <a:schemeClr val="accent4"/>
+          </a:fillRef>
+          <a:effectRef idx="1">
+            <a:schemeClr val="accent4"/>
+          </a:effectRef>
+          <a:fontRef idx="minor">
+            <a:schemeClr val="dk1"/>
+          </a:fontRef>
+        </p:style>
+        <p:txBody>
+          <a:bodyPr rtlCol="0" anchor="ctr"/>
+          <a:lstStyle/>
+          <a:p>
+            <a:pPr algn="ctr"/>
+            <a:endParaRPr lang="en-US"/>
+          </a:p>
+        </p:txBody>
+      </p:sp>
+      <p:sp>
+        <p:nvSpPr>
+          <p:cNvPr id="45" name="Arrow: Pentagon 37">
+            <a:extLst>
+              <a:ext uri="{FF2B5EF4-FFF2-40B4-BE49-F238E27FC236}">
+                <a16:creationId xmlns:a16="http://schemas.microsoft.com/office/drawing/2014/main" id="{3BB8E53A-8DD5-B7C3-D735-BCEB387CA4CC}"/>
+              </a:ext>
+            </a:extLst>
+          </p:cNvPr>
+          <p:cNvSpPr/>
+          <p:nvPr/>
+        </p:nvSpPr>
+        <p:spPr>
+          <a:xfrm>
+            <a:off x="6055910" y="1728865"/>
+            <a:ext cx="2924463" cy="1163400"/>
+          </a:xfrm>
+          <a:custGeom>
+            <a:avLst/>
+            <a:gdLst>
+              <a:gd name="connsiteX0" fmla="*/ 0 w 3191882"/>
+              <a:gd name="connsiteY0" fmla="*/ 0 h 1163400"/>
+              <a:gd name="connsiteX1" fmla="*/ 2610182 w 3191882"/>
+              <a:gd name="connsiteY1" fmla="*/ 0 h 1163400"/>
+              <a:gd name="connsiteX2" fmla="*/ 3191882 w 3191882"/>
+              <a:gd name="connsiteY2" fmla="*/ 581700 h 1163400"/>
+              <a:gd name="connsiteX3" fmla="*/ 2610182 w 3191882"/>
+              <a:gd name="connsiteY3" fmla="*/ 1163400 h 1163400"/>
+              <a:gd name="connsiteX4" fmla="*/ 0 w 3191882"/>
+              <a:gd name="connsiteY4" fmla="*/ 1163400 h 1163400"/>
+              <a:gd name="connsiteX5" fmla="*/ 0 w 3191882"/>
+              <a:gd name="connsiteY5" fmla="*/ 0 h 1163400"/>
+              <a:gd name="connsiteX0" fmla="*/ 0 w 2967595"/>
+              <a:gd name="connsiteY0" fmla="*/ 0 h 1163400"/>
+              <a:gd name="connsiteX1" fmla="*/ 2610182 w 2967595"/>
+              <a:gd name="connsiteY1" fmla="*/ 0 h 1163400"/>
+              <a:gd name="connsiteX2" fmla="*/ 2967595 w 2967595"/>
+              <a:gd name="connsiteY2" fmla="*/ 555821 h 1163400"/>
+              <a:gd name="connsiteX3" fmla="*/ 2610182 w 2967595"/>
+              <a:gd name="connsiteY3" fmla="*/ 1163400 h 1163400"/>
+              <a:gd name="connsiteX4" fmla="*/ 0 w 2967595"/>
+              <a:gd name="connsiteY4" fmla="*/ 1163400 h 1163400"/>
+              <a:gd name="connsiteX5" fmla="*/ 0 w 2967595"/>
+              <a:gd name="connsiteY5" fmla="*/ 0 h 1163400"/>
+              <a:gd name="connsiteX0" fmla="*/ 0 w 2924463"/>
+              <a:gd name="connsiteY0" fmla="*/ 0 h 1163400"/>
+              <a:gd name="connsiteX1" fmla="*/ 2610182 w 2924463"/>
+              <a:gd name="connsiteY1" fmla="*/ 0 h 1163400"/>
+              <a:gd name="connsiteX2" fmla="*/ 2924463 w 2924463"/>
+              <a:gd name="connsiteY2" fmla="*/ 607579 h 1163400"/>
+              <a:gd name="connsiteX3" fmla="*/ 2610182 w 2924463"/>
+              <a:gd name="connsiteY3" fmla="*/ 1163400 h 1163400"/>
+              <a:gd name="connsiteX4" fmla="*/ 0 w 2924463"/>
+              <a:gd name="connsiteY4" fmla="*/ 1163400 h 1163400"/>
+              <a:gd name="connsiteX5" fmla="*/ 0 w 2924463"/>
+              <a:gd name="connsiteY5" fmla="*/ 0 h 1163400"/>
+            </a:gdLst>
+            <a:ahLst/>
+            <a:cxnLst>
+              <a:cxn ang="0">
+                <a:pos x="connsiteX0" y="connsiteY0"/>
+              </a:cxn>
+              <a:cxn ang="0">
+                <a:pos x="connsiteX1" y="connsiteY1"/>
+              </a:cxn>
+              <a:cxn ang="0">
+                <a:pos x="connsiteX2" y="connsiteY2"/>
+              </a:cxn>
+              <a:cxn ang="0">
+                <a:pos x="connsiteX3" y="connsiteY3"/>
+              </a:cxn>
+              <a:cxn ang="0">
+                <a:pos x="connsiteX4" y="connsiteY4"/>
+              </a:cxn>
+              <a:cxn ang="0">
+                <a:pos x="connsiteX5" y="connsiteY5"/>
+              </a:cxn>
+            </a:cxnLst>
+            <a:rect l="l" t="t" r="r" b="b"/>
+            <a:pathLst>
+              <a:path w="2924463" h="1163400">
+                <a:moveTo>
+                  <a:pt x="0" y="0"/>
+                </a:moveTo>
+                <a:lnTo>
+                  <a:pt x="2610182" y="0"/>
+                </a:lnTo>
+                <a:lnTo>
+                  <a:pt x="2924463" y="607579"/>
+                </a:lnTo>
+                <a:lnTo>
+                  <a:pt x="2610182" y="1163400"/>
+                </a:lnTo>
+                <a:lnTo>
+                  <a:pt x="0" y="1163400"/>
+                </a:lnTo>
+                <a:lnTo>
+                  <a:pt x="0" y="0"/>
+                </a:lnTo>
+                <a:close/>
+              </a:path>
+            </a:pathLst>
+          </a:custGeom>
+          <a:noFill/>
+          <a:ln>
+            <a:solidFill>
+              <a:schemeClr val="accent4"/>
+            </a:solidFill>
+          </a:ln>
+        </p:spPr>
+        <p:style>
+          <a:lnRef idx="2">
+            <a:schemeClr val="accent1"/>
+          </a:lnRef>
+          <a:fillRef idx="1">
+            <a:schemeClr val="lt1"/>
+          </a:fillRef>
+          <a:effectRef idx="0">
+            <a:schemeClr val="accent1"/>
+          </a:effectRef>
+          <a:fontRef idx="minor">
+            <a:schemeClr val="dk1"/>
+          </a:fontRef>
+        </p:style>
+        <p:txBody>
+          <a:bodyPr rtlCol="0" anchor="ctr"/>
+          <a:lstStyle/>
+          <a:p>
+            <a:pPr algn="ctr"/>
+            <a:endParaRPr lang="en-US"/>
+          </a:p>
+        </p:txBody>
+      </p:sp>
+      <p:sp>
+        <p:nvSpPr>
+          <p:cNvPr id="46" name="Hexagon 45">
+            <a:extLst>
+              <a:ext uri="{FF2B5EF4-FFF2-40B4-BE49-F238E27FC236}">
+                <a16:creationId xmlns:a16="http://schemas.microsoft.com/office/drawing/2014/main" id="{53E06C32-9077-8A16-EBBC-2EC7C3B17E3A}"/>
+              </a:ext>
+            </a:extLst>
+          </p:cNvPr>
+          <p:cNvSpPr/>
+          <p:nvPr/>
+        </p:nvSpPr>
+        <p:spPr>
+          <a:xfrm>
+            <a:off x="5491666" y="1876353"/>
+            <a:ext cx="1128489" cy="932818"/>
+          </a:xfrm>
+          <a:prstGeom prst="hexagon">
+            <a:avLst/>
+          </a:prstGeom>
+          <a:ln>
+            <a:noFill/>
+          </a:ln>
+        </p:spPr>
+        <p:style>
+          <a:lnRef idx="3">
+            <a:schemeClr val="lt1"/>
+          </a:lnRef>
+          <a:fillRef idx="1">
+            <a:schemeClr val="accent4"/>
+          </a:fillRef>
+          <a:effectRef idx="1">
+            <a:schemeClr val="accent4"/>
+          </a:effectRef>
+          <a:fontRef idx="minor">
+            <a:schemeClr val="lt1"/>
+          </a:fontRef>
+        </p:style>
+        <p:txBody>
+          <a:bodyPr rtlCol="0" anchor="ctr"/>
+          <a:lstStyle/>
+          <a:p>
+            <a:pPr algn="ctr"/>
+            <a:endParaRPr lang="en-US"/>
+          </a:p>
+        </p:txBody>
+      </p:sp>
+      <p:sp>
+        <p:nvSpPr>
+          <p:cNvPr id="47" name="TextBox 46">
+            <a:extLst>
+              <a:ext uri="{FF2B5EF4-FFF2-40B4-BE49-F238E27FC236}">
+                <a16:creationId xmlns:a16="http://schemas.microsoft.com/office/drawing/2014/main" id="{87800680-665D-4B38-6D76-DF0A06D3AD56}"/>
+              </a:ext>
+            </a:extLst>
+          </p:cNvPr>
+          <p:cNvSpPr txBox="1"/>
+          <p:nvPr/>
+        </p:nvSpPr>
+        <p:spPr>
+          <a:xfrm>
+            <a:off x="6808398" y="1973786"/>
+            <a:ext cx="2159245" cy="584775"/>
+          </a:xfrm>
+          <a:prstGeom prst="rect">
+            <a:avLst/>
+          </a:prstGeom>
+          <a:noFill/>
+        </p:spPr>
+        <p:txBody>
+          <a:bodyPr wrap="none" rtlCol="0">
+            <a:spAutoFit/>
+          </a:bodyPr>
+          <a:lstStyle/>
+          <a:p>
+            <a:r>
+              <a:rPr lang="en-US" sz="1600" dirty="0">
+                <a:latin typeface="Cooper Black" panose="0208090404030B020404" pitchFamily="18" charset="0"/>
+              </a:rPr>
+              <a:t>Update Data Masih</a:t>
+            </a:r>
+          </a:p>
+          <a:p>
+            <a:r>
+              <a:rPr lang="en-US" sz="1600" dirty="0">
+                <a:latin typeface="Cooper Black" panose="0208090404030B020404" pitchFamily="18" charset="0"/>
+              </a:rPr>
+              <a:t>Harus Manual</a:t>
+            </a:r>
+          </a:p>
+        </p:txBody>
+      </p:sp>
+      <p:sp>
+        <p:nvSpPr>
+          <p:cNvPr id="48" name="Hexagon 47">
+            <a:extLst>
+              <a:ext uri="{FF2B5EF4-FFF2-40B4-BE49-F238E27FC236}">
+                <a16:creationId xmlns:a16="http://schemas.microsoft.com/office/drawing/2014/main" id="{1F843C65-92B3-B4E9-09B0-2B7345E9FD16}"/>
+              </a:ext>
+            </a:extLst>
+          </p:cNvPr>
+          <p:cNvSpPr/>
+          <p:nvPr/>
+        </p:nvSpPr>
+        <p:spPr>
+          <a:xfrm>
+            <a:off x="7021296" y="3145092"/>
+            <a:ext cx="1577691" cy="1319816"/>
+          </a:xfrm>
+          <a:prstGeom prst="hexagon">
+            <a:avLst/>
+          </a:prstGeom>
+          <a:solidFill>
+            <a:schemeClr val="accent4">
+              <a:lumMod val="40000"/>
+              <a:lumOff val="60000"/>
+            </a:schemeClr>
+          </a:solidFill>
+          <a:ln/>
+        </p:spPr>
+        <p:style>
+          <a:lnRef idx="1">
+            <a:schemeClr val="accent4"/>
+          </a:lnRef>
+          <a:fillRef idx="2">
+            <a:schemeClr val="accent4"/>
+          </a:fillRef>
+          <a:effectRef idx="1">
+            <a:schemeClr val="accent4"/>
+          </a:effectRef>
+          <a:fontRef idx="minor">
+            <a:schemeClr val="dk1"/>
+          </a:fontRef>
+        </p:style>
+        <p:txBody>
+          <a:bodyPr rtlCol="0" anchor="ctr"/>
+          <a:lstStyle/>
+          <a:p>
+            <a:pPr algn="ctr"/>
+            <a:endParaRPr lang="en-US"/>
+          </a:p>
+        </p:txBody>
+      </p:sp>
+      <p:sp>
+        <p:nvSpPr>
+          <p:cNvPr id="49" name="Arrow: Pentagon 37">
+            <a:extLst>
+              <a:ext uri="{FF2B5EF4-FFF2-40B4-BE49-F238E27FC236}">
+                <a16:creationId xmlns:a16="http://schemas.microsoft.com/office/drawing/2014/main" id="{FFE92905-EF41-6127-4AED-AAA899D38BA3}"/>
+              </a:ext>
+            </a:extLst>
+          </p:cNvPr>
+          <p:cNvSpPr/>
+          <p:nvPr/>
+        </p:nvSpPr>
+        <p:spPr>
+          <a:xfrm>
+            <a:off x="7796622" y="3198568"/>
+            <a:ext cx="2924463" cy="1163400"/>
+          </a:xfrm>
+          <a:custGeom>
+            <a:avLst/>
+            <a:gdLst>
+              <a:gd name="connsiteX0" fmla="*/ 0 w 3191882"/>
+              <a:gd name="connsiteY0" fmla="*/ 0 h 1163400"/>
+              <a:gd name="connsiteX1" fmla="*/ 2610182 w 3191882"/>
+              <a:gd name="connsiteY1" fmla="*/ 0 h 1163400"/>
+              <a:gd name="connsiteX2" fmla="*/ 3191882 w 3191882"/>
+              <a:gd name="connsiteY2" fmla="*/ 581700 h 1163400"/>
+              <a:gd name="connsiteX3" fmla="*/ 2610182 w 3191882"/>
+              <a:gd name="connsiteY3" fmla="*/ 1163400 h 1163400"/>
+              <a:gd name="connsiteX4" fmla="*/ 0 w 3191882"/>
+              <a:gd name="connsiteY4" fmla="*/ 1163400 h 1163400"/>
+              <a:gd name="connsiteX5" fmla="*/ 0 w 3191882"/>
+              <a:gd name="connsiteY5" fmla="*/ 0 h 1163400"/>
+              <a:gd name="connsiteX0" fmla="*/ 0 w 2967595"/>
+              <a:gd name="connsiteY0" fmla="*/ 0 h 1163400"/>
+              <a:gd name="connsiteX1" fmla="*/ 2610182 w 2967595"/>
+              <a:gd name="connsiteY1" fmla="*/ 0 h 1163400"/>
+              <a:gd name="connsiteX2" fmla="*/ 2967595 w 2967595"/>
+              <a:gd name="connsiteY2" fmla="*/ 555821 h 1163400"/>
+              <a:gd name="connsiteX3" fmla="*/ 2610182 w 2967595"/>
+              <a:gd name="connsiteY3" fmla="*/ 1163400 h 1163400"/>
+              <a:gd name="connsiteX4" fmla="*/ 0 w 2967595"/>
+              <a:gd name="connsiteY4" fmla="*/ 1163400 h 1163400"/>
+              <a:gd name="connsiteX5" fmla="*/ 0 w 2967595"/>
+              <a:gd name="connsiteY5" fmla="*/ 0 h 1163400"/>
+              <a:gd name="connsiteX0" fmla="*/ 0 w 2924463"/>
+              <a:gd name="connsiteY0" fmla="*/ 0 h 1163400"/>
+              <a:gd name="connsiteX1" fmla="*/ 2610182 w 2924463"/>
+              <a:gd name="connsiteY1" fmla="*/ 0 h 1163400"/>
+              <a:gd name="connsiteX2" fmla="*/ 2924463 w 2924463"/>
+              <a:gd name="connsiteY2" fmla="*/ 607579 h 1163400"/>
+              <a:gd name="connsiteX3" fmla="*/ 2610182 w 2924463"/>
+              <a:gd name="connsiteY3" fmla="*/ 1163400 h 1163400"/>
+              <a:gd name="connsiteX4" fmla="*/ 0 w 2924463"/>
+              <a:gd name="connsiteY4" fmla="*/ 1163400 h 1163400"/>
+              <a:gd name="connsiteX5" fmla="*/ 0 w 2924463"/>
+              <a:gd name="connsiteY5" fmla="*/ 0 h 1163400"/>
+            </a:gdLst>
+            <a:ahLst/>
+            <a:cxnLst>
+              <a:cxn ang="0">
+                <a:pos x="connsiteX0" y="connsiteY0"/>
+              </a:cxn>
+              <a:cxn ang="0">
+                <a:pos x="connsiteX1" y="connsiteY1"/>
+              </a:cxn>
+              <a:cxn ang="0">
+                <a:pos x="connsiteX2" y="connsiteY2"/>
+              </a:cxn>
+              <a:cxn ang="0">
+                <a:pos x="connsiteX3" y="connsiteY3"/>
+              </a:cxn>
+              <a:cxn ang="0">
+                <a:pos x="connsiteX4" y="connsiteY4"/>
+              </a:cxn>
+              <a:cxn ang="0">
+                <a:pos x="connsiteX5" y="connsiteY5"/>
+              </a:cxn>
+            </a:cxnLst>
+            <a:rect l="l" t="t" r="r" b="b"/>
+            <a:pathLst>
+              <a:path w="2924463" h="1163400">
+                <a:moveTo>
+                  <a:pt x="0" y="0"/>
+                </a:moveTo>
+                <a:lnTo>
+                  <a:pt x="2610182" y="0"/>
+                </a:lnTo>
+                <a:lnTo>
+                  <a:pt x="2924463" y="607579"/>
+                </a:lnTo>
+                <a:lnTo>
+                  <a:pt x="2610182" y="1163400"/>
+                </a:lnTo>
+                <a:lnTo>
+                  <a:pt x="0" y="1163400"/>
+                </a:lnTo>
+                <a:lnTo>
+                  <a:pt x="0" y="0"/>
+                </a:lnTo>
+                <a:close/>
+              </a:path>
+            </a:pathLst>
+          </a:custGeom>
+          <a:noFill/>
+          <a:ln>
+            <a:solidFill>
+              <a:schemeClr val="accent4"/>
+            </a:solidFill>
+          </a:ln>
+        </p:spPr>
+        <p:style>
+          <a:lnRef idx="2">
+            <a:schemeClr val="accent1"/>
+          </a:lnRef>
+          <a:fillRef idx="1">
+            <a:schemeClr val="lt1"/>
+          </a:fillRef>
+          <a:effectRef idx="0">
+            <a:schemeClr val="accent1"/>
+          </a:effectRef>
+          <a:fontRef idx="minor">
+            <a:schemeClr val="dk1"/>
+          </a:fontRef>
+        </p:style>
+        <p:txBody>
+          <a:bodyPr rtlCol="0" anchor="ctr"/>
+          <a:lstStyle/>
+          <a:p>
+            <a:pPr algn="ctr"/>
+            <a:endParaRPr lang="en-US"/>
+          </a:p>
+        </p:txBody>
+      </p:sp>
+      <p:sp>
+        <p:nvSpPr>
+          <p:cNvPr id="50" name="Hexagon 49">
+            <a:extLst>
+              <a:ext uri="{FF2B5EF4-FFF2-40B4-BE49-F238E27FC236}">
+                <a16:creationId xmlns:a16="http://schemas.microsoft.com/office/drawing/2014/main" id="{D873F262-68A9-8943-B300-86A0DD9F2FF0}"/>
+              </a:ext>
+            </a:extLst>
+          </p:cNvPr>
+          <p:cNvSpPr/>
+          <p:nvPr/>
+        </p:nvSpPr>
+        <p:spPr>
+          <a:xfrm>
+            <a:off x="7232378" y="3346056"/>
+            <a:ext cx="1128489" cy="932818"/>
+          </a:xfrm>
+          <a:prstGeom prst="hexagon">
+            <a:avLst/>
+          </a:prstGeom>
+          <a:ln>
+            <a:noFill/>
+          </a:ln>
+        </p:spPr>
+        <p:style>
+          <a:lnRef idx="3">
+            <a:schemeClr val="lt1"/>
+          </a:lnRef>
+          <a:fillRef idx="1">
+            <a:schemeClr val="accent4"/>
+          </a:fillRef>
+          <a:effectRef idx="1">
+            <a:schemeClr val="accent4"/>
+          </a:effectRef>
+          <a:fontRef idx="minor">
+            <a:schemeClr val="lt1"/>
+          </a:fontRef>
+        </p:style>
+        <p:txBody>
+          <a:bodyPr rtlCol="0" anchor="ctr"/>
+          <a:lstStyle/>
+          <a:p>
+            <a:pPr algn="ctr"/>
+            <a:endParaRPr lang="en-US"/>
+          </a:p>
+        </p:txBody>
+      </p:sp>
+      <p:sp>
+        <p:nvSpPr>
+          <p:cNvPr id="51" name="TextBox 50">
+            <a:extLst>
+              <a:ext uri="{FF2B5EF4-FFF2-40B4-BE49-F238E27FC236}">
+                <a16:creationId xmlns:a16="http://schemas.microsoft.com/office/drawing/2014/main" id="{06C43565-3E51-A8F7-FD17-0D1E3A5E4D6F}"/>
+              </a:ext>
+            </a:extLst>
+          </p:cNvPr>
+          <p:cNvSpPr txBox="1"/>
+          <p:nvPr/>
+        </p:nvSpPr>
+        <p:spPr>
+          <a:xfrm>
+            <a:off x="8520193" y="3374934"/>
+            <a:ext cx="2102692" cy="830997"/>
+          </a:xfrm>
+          <a:prstGeom prst="rect">
+            <a:avLst/>
+          </a:prstGeom>
+          <a:noFill/>
+        </p:spPr>
+        <p:txBody>
+          <a:bodyPr wrap="none" rtlCol="0">
+            <a:spAutoFit/>
+          </a:bodyPr>
+          <a:lstStyle/>
+          <a:p>
+            <a:r>
+              <a:rPr lang="en-US" sz="1600" dirty="0">
+                <a:latin typeface="Cooper Black" panose="0208090404030B020404" pitchFamily="18" charset="0"/>
+              </a:rPr>
+              <a:t>Data </a:t>
+            </a:r>
+            <a:r>
+              <a:rPr lang="en-US" sz="1600" dirty="0" err="1">
+                <a:latin typeface="Cooper Black" panose="0208090404030B020404" pitchFamily="18" charset="0"/>
+              </a:rPr>
+              <a:t>tidak</a:t>
+            </a:r>
+            <a:r>
+              <a:rPr lang="en-US" sz="1600" dirty="0">
+                <a:latin typeface="Cooper Black" panose="0208090404030B020404" pitchFamily="18" charset="0"/>
+              </a:rPr>
+              <a:t> </a:t>
+            </a:r>
+            <a:r>
+              <a:rPr lang="en-US" sz="1600" dirty="0" err="1">
+                <a:latin typeface="Cooper Black" panose="0208090404030B020404" pitchFamily="18" charset="0"/>
+              </a:rPr>
+              <a:t>bisa</a:t>
+            </a:r>
+            <a:endParaRPr lang="en-US" sz="1600" dirty="0">
+              <a:latin typeface="Cooper Black" panose="0208090404030B020404" pitchFamily="18" charset="0"/>
+            </a:endParaRPr>
+          </a:p>
+          <a:p>
+            <a:r>
+              <a:rPr lang="en-US" sz="1600" dirty="0">
+                <a:latin typeface="Cooper Black" panose="0208090404030B020404" pitchFamily="18" charset="0"/>
+              </a:rPr>
+              <a:t>Update </a:t>
+            </a:r>
+            <a:r>
+              <a:rPr lang="en-US" sz="1600" dirty="0" err="1">
+                <a:latin typeface="Cooper Black" panose="0208090404030B020404" pitchFamily="18" charset="0"/>
+              </a:rPr>
+              <a:t>secara</a:t>
+            </a:r>
+            <a:r>
+              <a:rPr lang="en-US" sz="1600" dirty="0">
+                <a:latin typeface="Cooper Black" panose="0208090404030B020404" pitchFamily="18" charset="0"/>
+              </a:rPr>
+              <a:t> real</a:t>
+            </a:r>
+          </a:p>
+          <a:p>
+            <a:r>
+              <a:rPr lang="en-US" sz="1600" dirty="0">
+                <a:latin typeface="Cooper Black" panose="0208090404030B020404" pitchFamily="18" charset="0"/>
+              </a:rPr>
+              <a:t>time</a:t>
+            </a:r>
+          </a:p>
+        </p:txBody>
+      </p:sp>
+      <p:sp>
+        <p:nvSpPr>
+          <p:cNvPr id="52" name="TextBox 51">
+            <a:extLst>
+              <a:ext uri="{FF2B5EF4-FFF2-40B4-BE49-F238E27FC236}">
+                <a16:creationId xmlns:a16="http://schemas.microsoft.com/office/drawing/2014/main" id="{AFCFF196-EACD-B005-A950-58242F0904B4}"/>
+              </a:ext>
+            </a:extLst>
+          </p:cNvPr>
+          <p:cNvSpPr txBox="1"/>
+          <p:nvPr/>
+        </p:nvSpPr>
+        <p:spPr>
+          <a:xfrm>
+            <a:off x="1393179" y="2158904"/>
+            <a:ext cx="402269" cy="523220"/>
+          </a:xfrm>
+          <a:prstGeom prst="rect">
+            <a:avLst/>
+          </a:prstGeom>
+          <a:noFill/>
+        </p:spPr>
+        <p:txBody>
+          <a:bodyPr wrap="square" rtlCol="0">
+            <a:spAutoFit/>
+          </a:bodyPr>
+          <a:lstStyle/>
+          <a:p>
+            <a:r>
+              <a:rPr lang="en-US" sz="2800" dirty="0">
+                <a:latin typeface="Cooper Black" panose="0208090404030B020404" pitchFamily="18" charset="0"/>
+              </a:rPr>
+              <a:t>1</a:t>
+            </a:r>
+          </a:p>
+        </p:txBody>
+      </p:sp>
+      <p:sp>
+        <p:nvSpPr>
+          <p:cNvPr id="53" name="TextBox 52">
+            <a:extLst>
+              <a:ext uri="{FF2B5EF4-FFF2-40B4-BE49-F238E27FC236}">
+                <a16:creationId xmlns:a16="http://schemas.microsoft.com/office/drawing/2014/main" id="{5B62F357-CCDE-EBE8-D989-80FE7AB2FD8C}"/>
+              </a:ext>
+            </a:extLst>
+          </p:cNvPr>
+          <p:cNvSpPr txBox="1"/>
+          <p:nvPr/>
+        </p:nvSpPr>
+        <p:spPr>
+          <a:xfrm>
+            <a:off x="2947404" y="3609438"/>
+            <a:ext cx="402269" cy="523220"/>
+          </a:xfrm>
+          <a:prstGeom prst="rect">
+            <a:avLst/>
+          </a:prstGeom>
+          <a:noFill/>
+        </p:spPr>
+        <p:txBody>
+          <a:bodyPr wrap="square" rtlCol="0">
+            <a:spAutoFit/>
+          </a:bodyPr>
+          <a:lstStyle/>
+          <a:p>
+            <a:r>
+              <a:rPr lang="en-US" sz="2800" dirty="0">
+                <a:latin typeface="Cooper Black" panose="0208090404030B020404" pitchFamily="18" charset="0"/>
+              </a:rPr>
+              <a:t>2</a:t>
+            </a:r>
+          </a:p>
+        </p:txBody>
+      </p:sp>
+      <p:sp>
+        <p:nvSpPr>
+          <p:cNvPr id="54" name="TextBox 53">
+            <a:extLst>
+              <a:ext uri="{FF2B5EF4-FFF2-40B4-BE49-F238E27FC236}">
+                <a16:creationId xmlns:a16="http://schemas.microsoft.com/office/drawing/2014/main" id="{9BF26357-23C7-F0E6-BC0E-3BFFA1A61E67}"/>
+              </a:ext>
+            </a:extLst>
+          </p:cNvPr>
+          <p:cNvSpPr txBox="1"/>
+          <p:nvPr/>
+        </p:nvSpPr>
+        <p:spPr>
+          <a:xfrm>
+            <a:off x="5867667" y="2021990"/>
+            <a:ext cx="402269" cy="523220"/>
+          </a:xfrm>
+          <a:prstGeom prst="rect">
+            <a:avLst/>
+          </a:prstGeom>
+          <a:noFill/>
+        </p:spPr>
+        <p:txBody>
+          <a:bodyPr wrap="square" rtlCol="0">
+            <a:spAutoFit/>
+          </a:bodyPr>
+          <a:lstStyle/>
+          <a:p>
+            <a:r>
+              <a:rPr lang="en-US" sz="2800" dirty="0">
+                <a:latin typeface="Cooper Black" panose="0208090404030B020404" pitchFamily="18" charset="0"/>
+              </a:rPr>
+              <a:t>3</a:t>
+            </a:r>
+          </a:p>
+        </p:txBody>
+      </p:sp>
+      <p:sp>
+        <p:nvSpPr>
+          <p:cNvPr id="55" name="TextBox 54">
+            <a:extLst>
+              <a:ext uri="{FF2B5EF4-FFF2-40B4-BE49-F238E27FC236}">
+                <a16:creationId xmlns:a16="http://schemas.microsoft.com/office/drawing/2014/main" id="{F38D73C8-AE07-0BFC-6FE0-29CA7F8702DB}"/>
+              </a:ext>
+            </a:extLst>
+          </p:cNvPr>
+          <p:cNvSpPr txBox="1"/>
+          <p:nvPr/>
+        </p:nvSpPr>
+        <p:spPr>
+          <a:xfrm>
+            <a:off x="7609006" y="3518658"/>
+            <a:ext cx="402269" cy="523220"/>
+          </a:xfrm>
+          <a:prstGeom prst="rect">
+            <a:avLst/>
+          </a:prstGeom>
+          <a:noFill/>
+        </p:spPr>
+        <p:txBody>
+          <a:bodyPr wrap="square" rtlCol="0">
+            <a:spAutoFit/>
+          </a:bodyPr>
+          <a:lstStyle/>
+          <a:p>
+            <a:r>
+              <a:rPr lang="en-US" sz="2800" dirty="0">
+                <a:latin typeface="Cooper Black" panose="0208090404030B020404" pitchFamily="18" charset="0"/>
+              </a:rPr>
+              <a:t>4</a:t>
+            </a:r>
+          </a:p>
+        </p:txBody>
+      </p:sp>
+    </p:spTree>
+    <p:extLst>
+      <p:ext uri="{BB962C8B-B14F-4D97-AF65-F5344CB8AC3E}">
+        <p14:creationId xmlns:p14="http://schemas.microsoft.com/office/powerpoint/2010/main" val="4270884199"/>
       </p:ext>
     </p:extLst>
   </p:cSld>
